--- a/Detection_Analysis_Pivoting.pptx
+++ b/Detection_Analysis_Pivoting.pptx
@@ -5,84 +5,83 @@
     <p:sldMasterId id="2147483657" r:id="rId4"/>
   </p:sldMasterIdLst>
   <p:notesMasterIdLst>
-    <p:notesMasterId r:id="rId60"/>
+    <p:notesMasterId r:id="rId59"/>
   </p:notesMasterIdLst>
   <p:handoutMasterIdLst>
-    <p:handoutMasterId r:id="rId61"/>
+    <p:handoutMasterId r:id="rId60"/>
   </p:handoutMasterIdLst>
   <p:sldIdLst>
-    <p:sldId id="284" r:id="rId5"/>
-    <p:sldId id="278" r:id="rId6"/>
-    <p:sldId id="285" r:id="rId7"/>
-    <p:sldId id="440" r:id="rId8"/>
-    <p:sldId id="442" r:id="rId9"/>
-    <p:sldId id="439" r:id="rId10"/>
-    <p:sldId id="401" r:id="rId11"/>
-    <p:sldId id="435" r:id="rId12"/>
-    <p:sldId id="441" r:id="rId13"/>
-    <p:sldId id="445" r:id="rId14"/>
-    <p:sldId id="400" r:id="rId15"/>
-    <p:sldId id="453" r:id="rId16"/>
-    <p:sldId id="454" r:id="rId17"/>
-    <p:sldId id="446" r:id="rId18"/>
-    <p:sldId id="447" r:id="rId19"/>
-    <p:sldId id="448" r:id="rId20"/>
-    <p:sldId id="443" r:id="rId21"/>
-    <p:sldId id="450" r:id="rId22"/>
-    <p:sldId id="449" r:id="rId23"/>
-    <p:sldId id="444" r:id="rId24"/>
-    <p:sldId id="436" r:id="rId25"/>
-    <p:sldId id="452" r:id="rId26"/>
-    <p:sldId id="455" r:id="rId27"/>
-    <p:sldId id="432" r:id="rId28"/>
-    <p:sldId id="403" r:id="rId29"/>
-    <p:sldId id="402" r:id="rId30"/>
-    <p:sldId id="456" r:id="rId31"/>
-    <p:sldId id="404" r:id="rId32"/>
-    <p:sldId id="424" r:id="rId33"/>
-    <p:sldId id="425" r:id="rId34"/>
-    <p:sldId id="426" r:id="rId35"/>
-    <p:sldId id="427" r:id="rId36"/>
-    <p:sldId id="428" r:id="rId37"/>
-    <p:sldId id="429" r:id="rId38"/>
-    <p:sldId id="430" r:id="rId39"/>
-    <p:sldId id="431" r:id="rId40"/>
-    <p:sldId id="457" r:id="rId41"/>
-    <p:sldId id="410" r:id="rId42"/>
-    <p:sldId id="461" r:id="rId43"/>
-    <p:sldId id="462" r:id="rId44"/>
-    <p:sldId id="463" r:id="rId45"/>
-    <p:sldId id="464" r:id="rId46"/>
-    <p:sldId id="412" r:id="rId47"/>
-    <p:sldId id="460" r:id="rId48"/>
-    <p:sldId id="466" r:id="rId49"/>
-    <p:sldId id="468" r:id="rId50"/>
-    <p:sldId id="467" r:id="rId51"/>
-    <p:sldId id="469" r:id="rId52"/>
-    <p:sldId id="470" r:id="rId53"/>
-    <p:sldId id="471" r:id="rId54"/>
-    <p:sldId id="459" r:id="rId55"/>
-    <p:sldId id="465" r:id="rId56"/>
-    <p:sldId id="275" r:id="rId57"/>
-    <p:sldId id="394" r:id="rId58"/>
-    <p:sldId id="283" r:id="rId59"/>
+    <p:sldId id="278" r:id="rId5"/>
+    <p:sldId id="285" r:id="rId6"/>
+    <p:sldId id="440" r:id="rId7"/>
+    <p:sldId id="442" r:id="rId8"/>
+    <p:sldId id="439" r:id="rId9"/>
+    <p:sldId id="401" r:id="rId10"/>
+    <p:sldId id="435" r:id="rId11"/>
+    <p:sldId id="441" r:id="rId12"/>
+    <p:sldId id="445" r:id="rId13"/>
+    <p:sldId id="400" r:id="rId14"/>
+    <p:sldId id="453" r:id="rId15"/>
+    <p:sldId id="454" r:id="rId16"/>
+    <p:sldId id="446" r:id="rId17"/>
+    <p:sldId id="447" r:id="rId18"/>
+    <p:sldId id="448" r:id="rId19"/>
+    <p:sldId id="443" r:id="rId20"/>
+    <p:sldId id="450" r:id="rId21"/>
+    <p:sldId id="449" r:id="rId22"/>
+    <p:sldId id="444" r:id="rId23"/>
+    <p:sldId id="436" r:id="rId24"/>
+    <p:sldId id="452" r:id="rId25"/>
+    <p:sldId id="455" r:id="rId26"/>
+    <p:sldId id="432" r:id="rId27"/>
+    <p:sldId id="403" r:id="rId28"/>
+    <p:sldId id="402" r:id="rId29"/>
+    <p:sldId id="456" r:id="rId30"/>
+    <p:sldId id="404" r:id="rId31"/>
+    <p:sldId id="424" r:id="rId32"/>
+    <p:sldId id="425" r:id="rId33"/>
+    <p:sldId id="426" r:id="rId34"/>
+    <p:sldId id="427" r:id="rId35"/>
+    <p:sldId id="428" r:id="rId36"/>
+    <p:sldId id="429" r:id="rId37"/>
+    <p:sldId id="430" r:id="rId38"/>
+    <p:sldId id="431" r:id="rId39"/>
+    <p:sldId id="457" r:id="rId40"/>
+    <p:sldId id="410" r:id="rId41"/>
+    <p:sldId id="461" r:id="rId42"/>
+    <p:sldId id="462" r:id="rId43"/>
+    <p:sldId id="463" r:id="rId44"/>
+    <p:sldId id="464" r:id="rId45"/>
+    <p:sldId id="412" r:id="rId46"/>
+    <p:sldId id="460" r:id="rId47"/>
+    <p:sldId id="466" r:id="rId48"/>
+    <p:sldId id="468" r:id="rId49"/>
+    <p:sldId id="467" r:id="rId50"/>
+    <p:sldId id="469" r:id="rId51"/>
+    <p:sldId id="470" r:id="rId52"/>
+    <p:sldId id="471" r:id="rId53"/>
+    <p:sldId id="459" r:id="rId54"/>
+    <p:sldId id="465" r:id="rId55"/>
+    <p:sldId id="275" r:id="rId56"/>
+    <p:sldId id="394" r:id="rId57"/>
+    <p:sldId id="283" r:id="rId58"/>
   </p:sldIdLst>
   <p:sldSz cx="9144000" cy="6858000" type="screen4x3"/>
   <p:notesSz cx="7010400" cy="9296400"/>
   <p:embeddedFontLst>
     <p:embeddedFont>
       <p:font typeface="Arial Narrow" panose="020B0606020202030204" pitchFamily="34" charset="0"/>
-      <p:regular r:id="rId62"/>
-      <p:bold r:id="rId63"/>
-      <p:italic r:id="rId64"/>
-      <p:boldItalic r:id="rId65"/>
+      <p:regular r:id="rId61"/>
+      <p:bold r:id="rId62"/>
+      <p:italic r:id="rId63"/>
+      <p:boldItalic r:id="rId64"/>
     </p:embeddedFont>
     <p:embeddedFont>
       <p:font typeface="Consolas" panose="020B0609020204030204" pitchFamily="49" charset="0"/>
-      <p:regular r:id="rId66"/>
-      <p:bold r:id="rId67"/>
-      <p:italic r:id="rId68"/>
-      <p:boldItalic r:id="rId69"/>
+      <p:regular r:id="rId65"/>
+      <p:bold r:id="rId66"/>
+      <p:italic r:id="rId67"/>
+      <p:boldItalic r:id="rId68"/>
     </p:embeddedFont>
   </p:embeddedFontLst>
   <p:defaultTextStyle>
@@ -400,7 +399,7 @@
                   <a:schemeClr val="tx1"/>
                 </a:solidFill>
               </a:rPr>
-              <a:t>Study Guide • USAF Weapons School • Mar 19	page </a:t>
+              <a:t>	page </a:t>
             </a:r>
             <a:fld id="{B1692CF7-9DCA-42C4-AA69-832C3D5AB963}" type="slidenum">
               <a:rPr lang="en-US" sz="1000" b="0">
@@ -470,14 +469,6 @@
                 <a:spcPct val="50000"/>
               </a:spcBef>
             </a:pPr>
-            <a:r>
-              <a:rPr lang="en-US" sz="1800" dirty="0">
-                <a:solidFill>
-                  <a:schemeClr val="tx1"/>
-                </a:solidFill>
-              </a:rPr>
-              <a:t>MSN921K, Plans: Operational Level – Framing the Problem</a:t>
-            </a:r>
             <a:endParaRPr lang="en-US" sz="1800" i="1" dirty="0">
               <a:solidFill>
                 <a:schemeClr val="tx1"/>
@@ -744,7 +735,7 @@
                   <a:schemeClr val="tx1"/>
                 </a:solidFill>
               </a:rPr>
-              <a:t>MSN9xxK: Detection Analysis and Pivoting</a:t>
+              <a:t>Detection Analysis and Pivoting</a:t>
             </a:r>
             <a:endParaRPr lang="en-US" sz="1800" i="1" dirty="0">
               <a:solidFill>
@@ -906,9 +897,9 @@
       </p:grpSpPr>
       <p:sp>
         <p:nvSpPr>
-          <p:cNvPr id="3" name="Notes Placeholder 2"/>
+          <p:cNvPr id="63500" name="Rectangle 12"/>
           <p:cNvSpPr>
-            <a:spLocks noGrp="1"/>
+            <a:spLocks noGrp="1" noChangeArrowheads="1"/>
           </p:cNvSpPr>
           <p:nvPr>
             <p:ph type="body" idx="1"/>
@@ -916,13 +907,27 @@
         </p:nvSpPr>
         <p:spPr/>
         <p:txBody>
-          <a:bodyPr/>
+          <a:bodyPr>
+            <a:normAutofit/>
+          </a:bodyPr>
           <a:lstStyle/>
           <a:p>
             <a:r>
               <a:rPr lang="en-US" b="0" dirty="0"/>
-              <a:t>Print Instructions.</a:t>
-            </a:r>
+              <a:t>MSN9xxK, </a:t>
+            </a:r>
+            <a:r>
+              <a:rPr lang="en-US" b="0" i="1" dirty="0"/>
+              <a:t>DCO Planning: Detection, Analysis and Pivoting</a:t>
+            </a:r>
+            <a:endParaRPr lang="en-US" b="0" dirty="0"/>
+          </a:p>
+          <a:p>
+            <a:pPr lvl="1"/>
+            <a:endParaRPr lang="en-US" b="0" dirty="0"/>
+          </a:p>
+          <a:p>
+            <a:endParaRPr lang="en-US" b="0" dirty="0"/>
           </a:p>
         </p:txBody>
       </p:sp>
@@ -936,12 +941,17 @@
             <p:ph type="sldImg"/>
           </p:nvPr>
         </p:nvSpPr>
-        <p:spPr/>
+        <p:spPr>
+          <a:xfrm>
+            <a:off x="2235200" y="944563"/>
+            <a:ext cx="2547938" cy="1911350"/>
+          </a:xfrm>
+        </p:spPr>
       </p:sp>
     </p:spTree>
     <p:extLst>
       <p:ext uri="{BB962C8B-B14F-4D97-AF65-F5344CB8AC3E}">
-        <p14:creationId xmlns:p14="http://schemas.microsoft.com/office/powerpoint/2010/main" val="2138276172"/>
+        <p14:creationId xmlns:p14="http://schemas.microsoft.com/office/powerpoint/2010/main" val="1971429243"/>
       </p:ext>
     </p:extLst>
   </p:cSld>
@@ -1001,7 +1011,7 @@
             </a:pPr>
             <a:r>
               <a:rPr lang="en-US" dirty="0"/>
-              <a:t>To begin our process of detecting Kerberoasting we look at each step of the process and identify the actions taken by each entity involved as well as the requirements to execute this action</a:t>
+              <a:t>Windows Event ID 4769 – A Kerberos Service Ticket was requested with Account Name (requestor), Service Name (requested ticket), and Client Address</a:t>
             </a:r>
           </a:p>
           <a:p>
@@ -1011,7 +1021,7 @@
             </a:pPr>
             <a:r>
               <a:rPr lang="en-US" dirty="0"/>
-              <a:t>While an adversary having access to a TGT is still a major vulnerability, it would require separate analysis to identify. For now, lets focus on “Credential Access via Kerberoasting”. (addresses first green highlight)</a:t>
+              <a:t>The sub bullets build on the slide as you talk through “the data you’re collecting” and follow up afterwards with “how would we collect this data?”</a:t>
             </a:r>
           </a:p>
           <a:p>
@@ -1021,48 +1031,115 @@
             </a:pPr>
             <a:r>
               <a:rPr lang="en-US" dirty="0"/>
-              <a:t>For the 2</a:t>
-            </a:r>
-            <a:r>
-              <a:rPr lang="en-US" baseline="30000" dirty="0"/>
-              <a:t>nd</a:t>
-            </a:r>
-            <a:r>
-              <a:rPr lang="en-US" dirty="0"/>
-              <a:t> bullet there’s 3 green highlights and I’ll explain why. First, identifying a TGS-REQ is something that would most easily be done via network traffic, thus making it difficult to show historical abuse, but still a valid collection. Second, only accounts with an assigned SPN (Service Principal Name) can be used to </a:t>
-            </a:r>
-            <a:r>
-              <a:rPr lang="en-US" dirty="0" err="1"/>
-              <a:t>kerberoast</a:t>
-            </a:r>
-            <a:r>
-              <a:rPr lang="en-US" dirty="0"/>
-              <a:t>, so this information is somewhat useful. Lastly, an attacker can change the type of encryption used (RC4, AES128 or AES256).</a:t>
-            </a:r>
-          </a:p>
-          <a:p>
-            <a:pPr marL="285750" indent="-285750">
+              <a:t>For collecting all service accounts with SPN assigned:</a:t>
+            </a:r>
+          </a:p>
+          <a:p>
+            <a:pPr marL="514350" lvl="1" indent="-285750">
               <a:buFont typeface="Arial" panose="020B0604020202020204" pitchFamily="34" charset="0"/>
               <a:buChar char="•"/>
             </a:pPr>
             <a:r>
               <a:rPr lang="en-US" dirty="0"/>
-              <a:t>The rest of the highlights similarly show specific actions taken and data that can be tracked and collected.</a:t>
-            </a:r>
-          </a:p>
-          <a:p>
-            <a:pPr marL="285750" indent="-285750">
+              <a:t>get-</a:t>
+            </a:r>
+            <a:r>
+              <a:rPr lang="en-US" dirty="0" err="1"/>
+              <a:t>adobject</a:t>
+            </a:r>
+            <a:r>
+              <a:rPr lang="en-US" dirty="0"/>
+              <a:t> | Where-Object {$_.</a:t>
+            </a:r>
+            <a:r>
+              <a:rPr lang="en-US" dirty="0" err="1"/>
+              <a:t>serviceprincipalname</a:t>
+            </a:r>
+            <a:r>
+              <a:rPr lang="en-US" dirty="0"/>
+              <a:t> -ne $null -and $_.</a:t>
+            </a:r>
+            <a:r>
+              <a:rPr lang="en-US" dirty="0" err="1"/>
+              <a:t>distinguishedname</a:t>
+            </a:r>
+            <a:r>
+              <a:rPr lang="en-US" dirty="0"/>
+              <a:t> -like "*CN=Users*" -and $_.cn -ne "</a:t>
+            </a:r>
+            <a:r>
+              <a:rPr lang="en-US" dirty="0" err="1"/>
+              <a:t>krbtgt</a:t>
+            </a:r>
+            <a:r>
+              <a:rPr lang="en-US" dirty="0"/>
+              <a:t>"}</a:t>
+            </a:r>
+          </a:p>
+          <a:p>
+            <a:pPr marL="514350" lvl="1" indent="-285750">
               <a:buFont typeface="Arial" panose="020B0604020202020204" pitchFamily="34" charset="0"/>
               <a:buChar char="•"/>
             </a:pPr>
+            <a:r>
+              <a:rPr lang="en-US" dirty="0" err="1">
+                <a:effectLst/>
+              </a:rPr>
+              <a:t>setspn</a:t>
+            </a:r>
+            <a:r>
+              <a:rPr lang="en-US" dirty="0">
+                <a:effectLst/>
+              </a:rPr>
+              <a:t> -T offense -Q */*</a:t>
+            </a:r>
             <a:endParaRPr lang="en-US" dirty="0"/>
+          </a:p>
+          <a:p>
+            <a:endParaRPr lang="en-US" dirty="0"/>
+          </a:p>
+          <a:p>
+            <a:r>
+              <a:rPr lang="en-US" dirty="0"/>
+              <a:t>Sources: </a:t>
+            </a:r>
+          </a:p>
+          <a:p>
+            <a:pPr marL="342900" indent="-342900">
+              <a:buFont typeface="+mj-lt"/>
+              <a:buAutoNum type="arabicPeriod"/>
+            </a:pPr>
+            <a:r>
+              <a:rPr lang="en-US" dirty="0"/>
+              <a:t>https://www.picussecurity.com/resource/blog/kerberoasting-attack-explained-mitre-attack-t1558.003#:~:text=The%20key%20Windows%20Event%20ID,Key%20Distribution%20Center%20(KDC).</a:t>
+            </a:r>
+          </a:p>
+          <a:p>
+            <a:pPr marL="342900" indent="-342900">
+              <a:buFont typeface="+mj-lt"/>
+              <a:buAutoNum type="arabicPeriod"/>
+            </a:pPr>
+            <a:r>
+              <a:rPr lang="en-US" dirty="0"/>
+              <a:t>https://posts.specterops.io/capability-abstraction-fbeaeeb26384</a:t>
+            </a:r>
+          </a:p>
+          <a:p>
+            <a:pPr marL="342900" indent="-342900">
+              <a:buFont typeface="+mj-lt"/>
+              <a:buAutoNum type="arabicPeriod"/>
+            </a:pPr>
+            <a:r>
+              <a:rPr lang="en-US" dirty="0"/>
+              <a:t>https://posts.specterops.io/kerberoasting-revisited-d434351bd4d1</a:t>
+            </a:r>
           </a:p>
         </p:txBody>
       </p:sp>
     </p:spTree>
     <p:extLst>
       <p:ext uri="{BB962C8B-B14F-4D97-AF65-F5344CB8AC3E}">
-        <p14:creationId xmlns:p14="http://schemas.microsoft.com/office/powerpoint/2010/main" val="2125233189"/>
+        <p14:creationId xmlns:p14="http://schemas.microsoft.com/office/powerpoint/2010/main" val="685201440"/>
       </p:ext>
     </p:extLst>
   </p:cSld>
@@ -1116,141 +1193,24 @@
           <a:bodyPr/>
           <a:lstStyle/>
           <a:p>
-            <a:pPr marL="285750" indent="-285750">
+            <a:pPr marL="285750" lvl="0" indent="-285750">
               <a:buFont typeface="Arial" panose="020B0604020202020204" pitchFamily="34" charset="0"/>
               <a:buChar char="•"/>
             </a:pPr>
             <a:r>
               <a:rPr lang="en-US" dirty="0"/>
-              <a:t>Windows Event ID 4769 – A Kerberos Service Ticket was requested with Account Name (requestor), Service Name (requested ticket), and Client Address</a:t>
-            </a:r>
-          </a:p>
-          <a:p>
-            <a:pPr marL="285750" indent="-285750">
-              <a:buFont typeface="Arial" panose="020B0604020202020204" pitchFamily="34" charset="0"/>
-              <a:buChar char="•"/>
-            </a:pPr>
-            <a:r>
-              <a:rPr lang="en-US" dirty="0"/>
-              <a:t>The sub bullets build on the slide as you talk through “the data you’re collecting” and follow up afterwards with “how would we collect this data?”</a:t>
-            </a:r>
-          </a:p>
-          <a:p>
-            <a:pPr marL="285750" indent="-285750">
-              <a:buFont typeface="Arial" panose="020B0604020202020204" pitchFamily="34" charset="0"/>
-              <a:buChar char="•"/>
-            </a:pPr>
-            <a:r>
-              <a:rPr lang="en-US" dirty="0"/>
-              <a:t>For collecting all service accounts with SPN assigned:</a:t>
-            </a:r>
-          </a:p>
-          <a:p>
-            <a:pPr marL="514350" lvl="1" indent="-285750">
-              <a:buFont typeface="Arial" panose="020B0604020202020204" pitchFamily="34" charset="0"/>
-              <a:buChar char="•"/>
-            </a:pPr>
-            <a:r>
-              <a:rPr lang="en-US" dirty="0"/>
-              <a:t>get-</a:t>
-            </a:r>
-            <a:r>
-              <a:rPr lang="en-US" dirty="0" err="1"/>
-              <a:t>adobject</a:t>
-            </a:r>
-            <a:r>
-              <a:rPr lang="en-US" dirty="0"/>
-              <a:t> | Where-Object {$_.</a:t>
-            </a:r>
-            <a:r>
-              <a:rPr lang="en-US" dirty="0" err="1"/>
-              <a:t>serviceprincipalname</a:t>
-            </a:r>
-            <a:r>
-              <a:rPr lang="en-US" dirty="0"/>
-              <a:t> -ne $null -and $_.</a:t>
-            </a:r>
-            <a:r>
-              <a:rPr lang="en-US" dirty="0" err="1"/>
-              <a:t>distinguishedname</a:t>
-            </a:r>
-            <a:r>
-              <a:rPr lang="en-US" dirty="0"/>
-              <a:t> -like "*CN=Users*" -and $_.cn -ne "</a:t>
-            </a:r>
-            <a:r>
-              <a:rPr lang="en-US" dirty="0" err="1"/>
-              <a:t>krbtgt</a:t>
-            </a:r>
-            <a:r>
-              <a:rPr lang="en-US" dirty="0"/>
-              <a:t>"}</a:t>
-            </a:r>
-          </a:p>
-          <a:p>
-            <a:pPr marL="514350" lvl="1" indent="-285750">
-              <a:buFont typeface="Arial" panose="020B0604020202020204" pitchFamily="34" charset="0"/>
-              <a:buChar char="•"/>
-            </a:pPr>
-            <a:r>
-              <a:rPr lang="en-US" dirty="0" err="1">
-                <a:effectLst/>
-              </a:rPr>
-              <a:t>setspn</a:t>
-            </a:r>
-            <a:r>
-              <a:rPr lang="en-US" dirty="0">
-                <a:effectLst/>
-              </a:rPr>
-              <a:t> -T offense -Q */*</a:t>
-            </a:r>
+              <a:t>Identification is</a:t>
+            </a:r>
+          </a:p>
+          <a:p>
             <a:endParaRPr lang="en-US" dirty="0"/>
-          </a:p>
-          <a:p>
-            <a:endParaRPr lang="en-US" dirty="0"/>
-          </a:p>
-          <a:p>
-            <a:r>
-              <a:rPr lang="en-US" dirty="0"/>
-              <a:t>Sources: </a:t>
-            </a:r>
-          </a:p>
-          <a:p>
-            <a:pPr marL="342900" indent="-342900">
-              <a:buFont typeface="+mj-lt"/>
-              <a:buAutoNum type="arabicPeriod"/>
-            </a:pPr>
-            <a:r>
-              <a:rPr lang="en-US" dirty="0"/>
-              <a:t>https://www.picussecurity.com/resource/blog/kerberoasting-attack-explained-mitre-attack-t1558.003#:~:text=The%20key%20Windows%20Event%20ID,Key%20Distribution%20Center%20(KDC).</a:t>
-            </a:r>
-          </a:p>
-          <a:p>
-            <a:pPr marL="342900" indent="-342900">
-              <a:buFont typeface="+mj-lt"/>
-              <a:buAutoNum type="arabicPeriod"/>
-            </a:pPr>
-            <a:r>
-              <a:rPr lang="en-US" dirty="0"/>
-              <a:t>https://posts.specterops.io/capability-abstraction-fbeaeeb26384</a:t>
-            </a:r>
-          </a:p>
-          <a:p>
-            <a:pPr marL="342900" indent="-342900">
-              <a:buFont typeface="+mj-lt"/>
-              <a:buAutoNum type="arabicPeriod"/>
-            </a:pPr>
-            <a:r>
-              <a:rPr lang="en-US" dirty="0"/>
-              <a:t>https://posts.specterops.io/kerberoasting-revisited-d434351bd4d1</a:t>
-            </a:r>
           </a:p>
         </p:txBody>
       </p:sp>
     </p:spTree>
     <p:extLst>
       <p:ext uri="{BB962C8B-B14F-4D97-AF65-F5344CB8AC3E}">
-        <p14:creationId xmlns:p14="http://schemas.microsoft.com/office/powerpoint/2010/main" val="685201440"/>
+        <p14:creationId xmlns:p14="http://schemas.microsoft.com/office/powerpoint/2010/main" val="3208978470"/>
       </p:ext>
     </p:extLst>
   </p:cSld>
@@ -1304,16 +1264,6 @@
           <a:bodyPr/>
           <a:lstStyle/>
           <a:p>
-            <a:pPr marL="285750" lvl="0" indent="-285750">
-              <a:buFont typeface="Arial" panose="020B0604020202020204" pitchFamily="34" charset="0"/>
-              <a:buChar char="•"/>
-            </a:pPr>
-            <a:r>
-              <a:rPr lang="en-US" dirty="0"/>
-              <a:t>Identification is</a:t>
-            </a:r>
-          </a:p>
-          <a:p>
             <a:endParaRPr lang="en-US" dirty="0"/>
           </a:p>
         </p:txBody>
@@ -1321,7 +1271,7 @@
     </p:spTree>
     <p:extLst>
       <p:ext uri="{BB962C8B-B14F-4D97-AF65-F5344CB8AC3E}">
-        <p14:creationId xmlns:p14="http://schemas.microsoft.com/office/powerpoint/2010/main" val="3208978470"/>
+        <p14:creationId xmlns:p14="http://schemas.microsoft.com/office/powerpoint/2010/main" val="661297293"/>
       </p:ext>
     </p:extLst>
   </p:cSld>
@@ -1375,14 +1325,33 @@
           <a:bodyPr/>
           <a:lstStyle/>
           <a:p>
-            <a:endParaRPr lang="en-US" dirty="0"/>
+            <a:r>
+              <a:rPr lang="en-US" dirty="0"/>
+              <a:t>This is meant to show that we’ve taken a hypothesis and gone through a hasty detection process and encountered some of our conditions. However, the problem wasn’t fully scoped! The detection wasn’t identified or classified, and with that information we’ll know whether this view is security related.</a:t>
+            </a:r>
+          </a:p>
+          <a:p>
+            <a:r>
+              <a:rPr lang="en-US" dirty="0"/>
+              <a:t>Source</a:t>
+            </a:r>
+          </a:p>
+          <a:p>
+            <a:pPr marL="342900" indent="-342900">
+              <a:buFont typeface="+mj-lt"/>
+              <a:buAutoNum type="arabicPeriod"/>
+            </a:pPr>
+            <a:r>
+              <a:rPr lang="en-US" dirty="0"/>
+              <a:t>https://learn.microsoft.com/en-us/sharepoint/troubleshoot/performance/event-id-4769-error</a:t>
+            </a:r>
           </a:p>
         </p:txBody>
       </p:sp>
     </p:spTree>
     <p:extLst>
       <p:ext uri="{BB962C8B-B14F-4D97-AF65-F5344CB8AC3E}">
-        <p14:creationId xmlns:p14="http://schemas.microsoft.com/office/powerpoint/2010/main" val="661297293"/>
+        <p14:creationId xmlns:p14="http://schemas.microsoft.com/office/powerpoint/2010/main" val="2958509555"/>
       </p:ext>
     </p:extLst>
   </p:cSld>
@@ -1436,33 +1405,44 @@
           <a:bodyPr/>
           <a:lstStyle/>
           <a:p>
-            <a:r>
-              <a:rPr lang="en-US" dirty="0"/>
-              <a:t>This is meant to show that we’ve taken a hypothesis and gone through a hasty detection process and encountered some of our conditions. However, the problem wasn’t fully scoped! The detection wasn’t identified or classified, and with that information we’ll know whether this view is security related.</a:t>
-            </a:r>
-          </a:p>
-          <a:p>
-            <a:r>
-              <a:rPr lang="en-US" dirty="0"/>
-              <a:t>Source</a:t>
-            </a:r>
-          </a:p>
-          <a:p>
-            <a:pPr marL="342900" indent="-342900">
-              <a:buFont typeface="+mj-lt"/>
-              <a:buAutoNum type="arabicPeriod"/>
+            <a:pPr marL="285750" indent="-285750">
+              <a:buFont typeface="Arial" panose="020B0604020202020204" pitchFamily="34" charset="0"/>
+              <a:buChar char="•"/>
             </a:pPr>
             <a:r>
               <a:rPr lang="en-US" dirty="0"/>
-              <a:t>https://learn.microsoft.com/en-us/sharepoint/troubleshoot/performance/event-id-4769-error</a:t>
-            </a:r>
+              <a:t>Not the funnel of fidelity!</a:t>
+            </a:r>
+          </a:p>
+          <a:p>
+            <a:pPr marL="285750" lvl="0" indent="-285750">
+              <a:buFont typeface="Arial" panose="020B0604020202020204" pitchFamily="34" charset="0"/>
+              <a:buChar char="•"/>
+            </a:pPr>
+            <a:r>
+              <a:rPr lang="en-US" dirty="0"/>
+              <a:t>This slide describes the funnel of data that a cyber defender is faced with handling in any given engagement. While you may be presented with logs, sensors strategies, alerts, etc. You must identify each individual piece of the detection process to form a scientific and measured method to identifying the adversary</a:t>
+            </a:r>
+          </a:p>
+          <a:p>
+            <a:pPr marL="285750" lvl="0" indent="-285750">
+              <a:buFont typeface="Arial" panose="020B0604020202020204" pitchFamily="34" charset="0"/>
+              <a:buChar char="•"/>
+            </a:pPr>
+            <a:r>
+              <a:rPr lang="en-US" dirty="0"/>
+              <a:t>Detection is</a:t>
+            </a:r>
+          </a:p>
+          <a:p>
+            <a:endParaRPr lang="en-US" dirty="0"/>
           </a:p>
         </p:txBody>
       </p:sp>
     </p:spTree>
     <p:extLst>
       <p:ext uri="{BB962C8B-B14F-4D97-AF65-F5344CB8AC3E}">
-        <p14:creationId xmlns:p14="http://schemas.microsoft.com/office/powerpoint/2010/main" val="2958509555"/>
+        <p14:creationId xmlns:p14="http://schemas.microsoft.com/office/powerpoint/2010/main" val="2897954133"/>
       </p:ext>
     </p:extLst>
   </p:cSld>
@@ -1516,44 +1496,33 @@
           <a:bodyPr/>
           <a:lstStyle/>
           <a:p>
-            <a:pPr marL="285750" indent="-285750">
-              <a:buFont typeface="Arial" panose="020B0604020202020204" pitchFamily="34" charset="0"/>
-              <a:buChar char="•"/>
+            <a:r>
+              <a:rPr lang="en-US" dirty="0"/>
+              <a:t>Now that we’ve identified our classification criteria there shouldn’t be any question when looking at these events whether they are security related or not. We’ve identified what the conditions are for a high signal event, and what we’re looking at is noise.</a:t>
+            </a:r>
+          </a:p>
+          <a:p>
+            <a:r>
+              <a:rPr lang="en-US" dirty="0"/>
+              <a:t>Source</a:t>
+            </a:r>
+          </a:p>
+          <a:p>
+            <a:pPr marL="342900" indent="-342900">
+              <a:buFont typeface="+mj-lt"/>
+              <a:buAutoNum type="arabicPeriod"/>
             </a:pPr>
             <a:r>
               <a:rPr lang="en-US" dirty="0"/>
-              <a:t>Not the funnel of fidelity!</a:t>
-            </a:r>
-          </a:p>
-          <a:p>
-            <a:pPr marL="285750" lvl="0" indent="-285750">
-              <a:buFont typeface="Arial" panose="020B0604020202020204" pitchFamily="34" charset="0"/>
-              <a:buChar char="•"/>
-            </a:pPr>
-            <a:r>
-              <a:rPr lang="en-US" dirty="0"/>
-              <a:t>This slide describes the funnel of data that a cyber defender is faced with handling in any given engagement. While you may be presented with logs, sensors strategies, alerts, etc. You must identify each individual piece of the detection process to form a scientific and measured method to identifying the adversary</a:t>
-            </a:r>
-          </a:p>
-          <a:p>
-            <a:pPr marL="285750" lvl="0" indent="-285750">
-              <a:buFont typeface="Arial" panose="020B0604020202020204" pitchFamily="34" charset="0"/>
-              <a:buChar char="•"/>
-            </a:pPr>
-            <a:r>
-              <a:rPr lang="en-US" dirty="0"/>
-              <a:t>Detection is</a:t>
-            </a:r>
-          </a:p>
-          <a:p>
-            <a:endParaRPr lang="en-US" dirty="0"/>
+              <a:t>https://learn.microsoft.com/en-us/sharepoint/troubleshoot/performance/event-id-4769-error</a:t>
+            </a:r>
           </a:p>
         </p:txBody>
       </p:sp>
     </p:spTree>
     <p:extLst>
       <p:ext uri="{BB962C8B-B14F-4D97-AF65-F5344CB8AC3E}">
-        <p14:creationId xmlns:p14="http://schemas.microsoft.com/office/powerpoint/2010/main" val="2897954133"/>
+        <p14:creationId xmlns:p14="http://schemas.microsoft.com/office/powerpoint/2010/main" val="474625283"/>
       </p:ext>
     </p:extLst>
   </p:cSld>
@@ -1607,25 +1576,13 @@
           <a:bodyPr/>
           <a:lstStyle/>
           <a:p>
-            <a:r>
-              <a:rPr lang="en-US" dirty="0"/>
-              <a:t>Now that we’ve identified our classification criteria there shouldn’t be any question when looking at these events whether they are security related or not. We’ve identified what the conditions are for a high signal event, and what we’re looking at is noise.</a:t>
-            </a:r>
-          </a:p>
-          <a:p>
-            <a:r>
-              <a:rPr lang="en-US" dirty="0"/>
-              <a:t>Source</a:t>
-            </a:r>
-          </a:p>
-          <a:p>
-            <a:pPr marL="342900" indent="-342900">
-              <a:buFont typeface="+mj-lt"/>
-              <a:buAutoNum type="arabicPeriod"/>
+            <a:pPr marL="285750" indent="-285750">
+              <a:buFont typeface="Arial" panose="020B0604020202020204" pitchFamily="34" charset="0"/>
+              <a:buChar char="•"/>
             </a:pPr>
             <a:r>
               <a:rPr lang="en-US" dirty="0"/>
-              <a:t>https://learn.microsoft.com/en-us/sharepoint/troubleshoot/performance/event-id-4769-error</a:t>
+              <a:t>“When everything is an alert, its all noise”</a:t>
             </a:r>
           </a:p>
         </p:txBody>
@@ -1633,7 +1590,7 @@
     </p:spTree>
     <p:extLst>
       <p:ext uri="{BB962C8B-B14F-4D97-AF65-F5344CB8AC3E}">
-        <p14:creationId xmlns:p14="http://schemas.microsoft.com/office/powerpoint/2010/main" val="474625283"/>
+        <p14:creationId xmlns:p14="http://schemas.microsoft.com/office/powerpoint/2010/main" val="2999811622"/>
       </p:ext>
     </p:extLst>
   </p:cSld>
@@ -1688,20 +1645,27 @@
           <a:lstStyle/>
           <a:p>
             <a:pPr marL="285750" indent="-285750">
-              <a:buFont typeface="Arial" panose="020B0604020202020204" pitchFamily="34" charset="0"/>
-              <a:buChar char="•"/>
+              <a:buFontTx/>
+              <a:buChar char="-"/>
             </a:pPr>
             <a:r>
               <a:rPr lang="en-US" dirty="0"/>
-              <a:t>“When everything is an alert, its all noise”</a:t>
-            </a:r>
+              <a:t>Transition: After focusing on identifying malicious activity, how can we use our tools and sensors to aid the analysis process? This will work mostly through queries and filters. We’ll go more in depth on the scientific methods of using queries in filters next.</a:t>
+            </a:r>
+          </a:p>
+          <a:p>
+            <a:pPr marL="285750" indent="-285750">
+              <a:buFontTx/>
+              <a:buChar char="-"/>
+            </a:pPr>
+            <a:endParaRPr lang="en-US" dirty="0"/>
           </a:p>
         </p:txBody>
       </p:sp>
     </p:spTree>
     <p:extLst>
       <p:ext uri="{BB962C8B-B14F-4D97-AF65-F5344CB8AC3E}">
-        <p14:creationId xmlns:p14="http://schemas.microsoft.com/office/powerpoint/2010/main" val="2999811622"/>
+        <p14:creationId xmlns:p14="http://schemas.microsoft.com/office/powerpoint/2010/main" val="380324967"/>
       </p:ext>
     </p:extLst>
   </p:cSld>
@@ -1760,8 +1724,8 @@
               <a:buChar char="-"/>
             </a:pPr>
             <a:r>
-              <a:rPr lang="en-US" dirty="0"/>
-              <a:t>Transition: After focusing on identifying malicious activity, how can we use our tools and sensors to aid the analysis process? This will work mostly through queries and filters. We’ll go more in depth on the scientific methods of using queries in filters next.</a:t>
+              <a:rPr lang="en-US" i="1" dirty="0"/>
+              <a:t>Reference “Indicators of Compromise: Strength of IOCs/MSN750KD”</a:t>
             </a:r>
           </a:p>
           <a:p>
@@ -1769,6 +1733,12 @@
               <a:buFontTx/>
               <a:buChar char="-"/>
             </a:pPr>
+            <a:r>
+              <a:rPr lang="en-US" i="1" dirty="0"/>
+              <a:t>This slide is built directly from that presentation, and will be talked about more in depth there </a:t>
+            </a:r>
+          </a:p>
+          <a:p>
             <a:endParaRPr lang="en-US" dirty="0"/>
           </a:p>
         </p:txBody>
@@ -1776,7 +1746,7 @@
     </p:spTree>
     <p:extLst>
       <p:ext uri="{BB962C8B-B14F-4D97-AF65-F5344CB8AC3E}">
-        <p14:creationId xmlns:p14="http://schemas.microsoft.com/office/powerpoint/2010/main" val="380324967"/>
+        <p14:creationId xmlns:p14="http://schemas.microsoft.com/office/powerpoint/2010/main" val="3815683909"/>
       </p:ext>
     </p:extLst>
   </p:cSld>
@@ -1834,22 +1804,6 @@
               <a:buFontTx/>
               <a:buChar char="-"/>
             </a:pPr>
-            <a:r>
-              <a:rPr lang="en-US" i="1" dirty="0"/>
-              <a:t>Reference “Indicators of Compromise: Strength of IOCs/MSN750KD”</a:t>
-            </a:r>
-          </a:p>
-          <a:p>
-            <a:pPr marL="285750" indent="-285750">
-              <a:buFontTx/>
-              <a:buChar char="-"/>
-            </a:pPr>
-            <a:r>
-              <a:rPr lang="en-US" i="1" dirty="0"/>
-              <a:t>This slide is built directly from that presentation, and will be talked about more in depth there </a:t>
-            </a:r>
-          </a:p>
-          <a:p>
             <a:endParaRPr lang="en-US" dirty="0"/>
           </a:p>
         </p:txBody>
@@ -1857,7 +1811,7 @@
     </p:spTree>
     <p:extLst>
       <p:ext uri="{BB962C8B-B14F-4D97-AF65-F5344CB8AC3E}">
-        <p14:creationId xmlns:p14="http://schemas.microsoft.com/office/powerpoint/2010/main" val="3815683909"/>
+        <p14:creationId xmlns:p14="http://schemas.microsoft.com/office/powerpoint/2010/main" val="1813609183"/>
       </p:ext>
     </p:extLst>
   </p:cSld>
@@ -1886,35 +1840,23 @@
       </p:grpSpPr>
       <p:sp>
         <p:nvSpPr>
-          <p:cNvPr id="63500" name="Rectangle 12"/>
+          <p:cNvPr id="3" name="Notes Placeholder 2"/>
           <p:cNvSpPr>
-            <a:spLocks noGrp="1" noChangeArrowheads="1"/>
+            <a:spLocks noGrp="1"/>
           </p:cNvSpPr>
           <p:nvPr>
             <p:ph type="body" idx="1"/>
           </p:nvPr>
         </p:nvSpPr>
-        <p:spPr/>
+        <p:spPr>
+          <a:xfrm>
+            <a:off x="556816" y="945318"/>
+            <a:ext cx="5888736" cy="8175235"/>
+          </a:xfrm>
+        </p:spPr>
         <p:txBody>
-          <a:bodyPr>
-            <a:normAutofit/>
-          </a:bodyPr>
+          <a:bodyPr/>
           <a:lstStyle/>
-          <a:p>
-            <a:r>
-              <a:rPr lang="en-US" b="0" dirty="0"/>
-              <a:t>MSN9xxK, </a:t>
-            </a:r>
-            <a:r>
-              <a:rPr lang="en-US" b="0" i="1" dirty="0"/>
-              <a:t>DCO Planning: Detection, Analysis and Pivoting</a:t>
-            </a:r>
-            <a:endParaRPr lang="en-US" b="0" dirty="0"/>
-          </a:p>
-          <a:p>
-            <a:pPr lvl="1"/>
-            <a:endParaRPr lang="en-US" b="0" dirty="0"/>
-          </a:p>
           <a:p>
             <a:endParaRPr lang="en-US" b="0" dirty="0"/>
           </a:p>
@@ -1932,15 +1874,15 @@
         </p:nvSpPr>
         <p:spPr>
           <a:xfrm>
-            <a:off x="2235200" y="944563"/>
-            <a:ext cx="2547938" cy="1911350"/>
+            <a:off x="3908425" y="944563"/>
+            <a:ext cx="2546350" cy="1911350"/>
           </a:xfrm>
         </p:spPr>
       </p:sp>
     </p:spTree>
     <p:extLst>
       <p:ext uri="{BB962C8B-B14F-4D97-AF65-F5344CB8AC3E}">
-        <p14:creationId xmlns:p14="http://schemas.microsoft.com/office/powerpoint/2010/main" val="1971429243"/>
+        <p14:creationId xmlns:p14="http://schemas.microsoft.com/office/powerpoint/2010/main" val="3066752260"/>
       </p:ext>
     </p:extLst>
   </p:cSld>
@@ -1994,18 +1936,21 @@
           <a:bodyPr/>
           <a:lstStyle/>
           <a:p>
-            <a:pPr marL="285750" indent="-285750">
-              <a:buFontTx/>
-              <a:buChar char="-"/>
+            <a:pPr marL="342900" indent="-342900">
+              <a:buFont typeface="Arial" panose="020B0604020202020204" pitchFamily="34" charset="0"/>
+              <a:buChar char="•"/>
             </a:pPr>
-            <a:endParaRPr lang="en-US" dirty="0"/>
+            <a:r>
+              <a:rPr lang="en-US" dirty="0"/>
+              <a:t>Based on the requirements of temporal analysis, it makes sense that this is something that would be difficult to apply to a single host by manually pulling logs</a:t>
+            </a:r>
           </a:p>
         </p:txBody>
       </p:sp>
     </p:spTree>
     <p:extLst>
       <p:ext uri="{BB962C8B-B14F-4D97-AF65-F5344CB8AC3E}">
-        <p14:creationId xmlns:p14="http://schemas.microsoft.com/office/powerpoint/2010/main" val="1813609183"/>
+        <p14:creationId xmlns:p14="http://schemas.microsoft.com/office/powerpoint/2010/main" val="2891984790"/>
       </p:ext>
     </p:extLst>
   </p:cSld>
@@ -2059,13 +2004,13 @@
           <a:bodyPr/>
           <a:lstStyle/>
           <a:p>
-            <a:pPr marL="342900" indent="-342900">
+            <a:pPr marL="285750" indent="-285750">
               <a:buFont typeface="Arial" panose="020B0604020202020204" pitchFamily="34" charset="0"/>
               <a:buChar char="•"/>
             </a:pPr>
             <a:r>
               <a:rPr lang="en-US" dirty="0"/>
-              <a:t>Based on the requirements of temporal analysis, it makes sense that this is something that would be difficult to apply to a single host by manually pulling logs</a:t>
+              <a:t>Another way to define this method is “bridging the gap between the human factors and the technical factors”</a:t>
             </a:r>
           </a:p>
         </p:txBody>
@@ -2073,7 +2018,7 @@
     </p:spTree>
     <p:extLst>
       <p:ext uri="{BB962C8B-B14F-4D97-AF65-F5344CB8AC3E}">
-        <p14:creationId xmlns:p14="http://schemas.microsoft.com/office/powerpoint/2010/main" val="2891984790"/>
+        <p14:creationId xmlns:p14="http://schemas.microsoft.com/office/powerpoint/2010/main" val="573421612"/>
       </p:ext>
     </p:extLst>
   </p:cSld>
@@ -2133,7 +2078,7 @@
             </a:pPr>
             <a:r>
               <a:rPr lang="en-US" dirty="0"/>
-              <a:t>Another way to define this method is “bridging the gap between the human factors and the technical factors”</a:t>
+              <a:t>I’ve italicized the “user behavior” example because while this is an example of cluster analysis, this particular example would require a significant amount of analysis and would be most efficiently done with machine learning. Cluster Analysis in general would best be addressed with ML/AI.</a:t>
             </a:r>
           </a:p>
         </p:txBody>
@@ -2141,7 +2086,7 @@
     </p:spTree>
     <p:extLst>
       <p:ext uri="{BB962C8B-B14F-4D97-AF65-F5344CB8AC3E}">
-        <p14:creationId xmlns:p14="http://schemas.microsoft.com/office/powerpoint/2010/main" val="573421612"/>
+        <p14:creationId xmlns:p14="http://schemas.microsoft.com/office/powerpoint/2010/main" val="2505851729"/>
       </p:ext>
     </p:extLst>
   </p:cSld>
@@ -2201,7 +2146,7 @@
             </a:pPr>
             <a:r>
               <a:rPr lang="en-US" dirty="0"/>
-              <a:t>I’ve italicized the “user behavior” example because while this is an example of cluster analysis, this particular example would require a significant amount of analysis and would be most efficiently done with machine learning. Cluster Analysis in general would best be addressed with ML/AI.</a:t>
+              <a:t>Another italicized portion since ML/AI is not widely deployed in the DoD, however with sufficient information, this type of analysis can be done at a very small scale. The larger the organization and scope of the network, the more difficult this method becomes.</a:t>
             </a:r>
           </a:p>
         </p:txBody>
@@ -2209,7 +2154,7 @@
     </p:spTree>
     <p:extLst>
       <p:ext uri="{BB962C8B-B14F-4D97-AF65-F5344CB8AC3E}">
-        <p14:creationId xmlns:p14="http://schemas.microsoft.com/office/powerpoint/2010/main" val="2505851729"/>
+        <p14:creationId xmlns:p14="http://schemas.microsoft.com/office/powerpoint/2010/main" val="1357693784"/>
       </p:ext>
     </p:extLst>
   </p:cSld>
@@ -2269,15 +2214,72 @@
             </a:pPr>
             <a:r>
               <a:rPr lang="en-US" dirty="0"/>
-              <a:t>Another italicized portion since ML/AI is not widely deployed in the DoD, however with sufficient information, this type of analysis can be done at a very small scale. The larger the organization and scope of the network, the more difficult this method becomes.</a:t>
-            </a:r>
+              <a:t>Is our </a:t>
+            </a:r>
+            <a:r>
+              <a:rPr lang="en-US" dirty="0" err="1"/>
+              <a:t>HRSoM</a:t>
+            </a:r>
+            <a:r>
+              <a:rPr lang="en-US" dirty="0"/>
+              <a:t> still valid based on current detections?</a:t>
+            </a:r>
+          </a:p>
+          <a:p>
+            <a:pPr marL="285750" indent="-285750">
+              <a:buFont typeface="Arial" panose="020B0604020202020204" pitchFamily="34" charset="0"/>
+              <a:buChar char="•"/>
+            </a:pPr>
+            <a:r>
+              <a:rPr lang="en-US" dirty="0"/>
+              <a:t>How often will we update or </a:t>
+            </a:r>
+            <a:r>
+              <a:rPr lang="en-US" dirty="0" err="1"/>
+              <a:t>HRSoM</a:t>
+            </a:r>
+            <a:r>
+              <a:rPr lang="en-US" dirty="0"/>
+              <a:t>? What will the triggers be?</a:t>
+            </a:r>
+          </a:p>
+          <a:p>
+            <a:pPr marL="285750" indent="-285750">
+              <a:buFont typeface="Arial" panose="020B0604020202020204" pitchFamily="34" charset="0"/>
+              <a:buChar char="•"/>
+            </a:pPr>
+            <a:r>
+              <a:rPr lang="en-US" dirty="0"/>
+              <a:t>Moving through detections should trigger investigations based on a combination of ambiguous and unambiguous signals.</a:t>
+            </a:r>
+          </a:p>
+          <a:p>
+            <a:pPr marL="285750" indent="-285750">
+              <a:buFont typeface="Arial" panose="020B0604020202020204" pitchFamily="34" charset="0"/>
+              <a:buChar char="•"/>
+            </a:pPr>
+            <a:r>
+              <a:rPr lang="en-US" dirty="0"/>
+              <a:t>How you pivot between identifying adversary activity and identifying an entire </a:t>
+            </a:r>
+            <a:r>
+              <a:rPr lang="en-US" dirty="0" err="1"/>
+              <a:t>RSoM</a:t>
+            </a:r>
+            <a:r>
+              <a:rPr lang="en-US" dirty="0"/>
+              <a:t> is by using investigations</a:t>
+            </a:r>
+          </a:p>
+          <a:p>
+            <a:endParaRPr lang="en-US" dirty="0"/>
           </a:p>
         </p:txBody>
       </p:sp>
     </p:spTree>
     <p:extLst>
       <p:ext uri="{BB962C8B-B14F-4D97-AF65-F5344CB8AC3E}">
-        <p14:creationId xmlns:p14="http://schemas.microsoft.com/office/powerpoint/2010/main" val="1357693784"/>
+        <p14:creationId xmlns:p14="http://schemas.microsoft.com/office/powerpoint/2010/main" val="3180020388"/>
       </p:ext>
     </p:extLst>
   </p:cSld>
@@ -2337,72 +2339,15 @@
             </a:pPr>
             <a:r>
               <a:rPr lang="en-US" dirty="0"/>
-              <a:t>Is our </a:t>
-            </a:r>
-            <a:r>
-              <a:rPr lang="en-US" dirty="0" err="1"/>
-              <a:t>HRSoM</a:t>
-            </a:r>
-            <a:r>
-              <a:rPr lang="en-US" dirty="0"/>
-              <a:t> still valid based on current detections?</a:t>
-            </a:r>
-          </a:p>
-          <a:p>
-            <a:pPr marL="285750" indent="-285750">
-              <a:buFont typeface="Arial" panose="020B0604020202020204" pitchFamily="34" charset="0"/>
-              <a:buChar char="•"/>
-            </a:pPr>
-            <a:r>
-              <a:rPr lang="en-US" dirty="0"/>
-              <a:t>How often will we update or </a:t>
-            </a:r>
-            <a:r>
-              <a:rPr lang="en-US" dirty="0" err="1"/>
-              <a:t>HRSoM</a:t>
-            </a:r>
-            <a:r>
-              <a:rPr lang="en-US" dirty="0"/>
-              <a:t>? What will the triggers be?</a:t>
-            </a:r>
-          </a:p>
-          <a:p>
-            <a:pPr marL="285750" indent="-285750">
-              <a:buFont typeface="Arial" panose="020B0604020202020204" pitchFamily="34" charset="0"/>
-              <a:buChar char="•"/>
-            </a:pPr>
-            <a:r>
-              <a:rPr lang="en-US" dirty="0"/>
-              <a:t>Moving through detections should trigger investigations based on a combination of ambiguous and unambiguous signals.</a:t>
-            </a:r>
-          </a:p>
-          <a:p>
-            <a:pPr marL="285750" indent="-285750">
-              <a:buFont typeface="Arial" panose="020B0604020202020204" pitchFamily="34" charset="0"/>
-              <a:buChar char="•"/>
-            </a:pPr>
-            <a:r>
-              <a:rPr lang="en-US" dirty="0"/>
-              <a:t>How you pivot between identifying adversary activity and identifying an entire </a:t>
-            </a:r>
-            <a:r>
-              <a:rPr lang="en-US" dirty="0" err="1"/>
-              <a:t>RSoM</a:t>
-            </a:r>
-            <a:r>
-              <a:rPr lang="en-US" dirty="0"/>
-              <a:t> is by using investigations</a:t>
-            </a:r>
-          </a:p>
-          <a:p>
-            <a:endParaRPr lang="en-US" dirty="0"/>
+              <a:t>Preparation is mostly focused on organizational training and developing detections which we’ve already discussed</a:t>
+            </a:r>
           </a:p>
         </p:txBody>
       </p:sp>
     </p:spTree>
     <p:extLst>
       <p:ext uri="{BB962C8B-B14F-4D97-AF65-F5344CB8AC3E}">
-        <p14:creationId xmlns:p14="http://schemas.microsoft.com/office/powerpoint/2010/main" val="3180020388"/>
+        <p14:creationId xmlns:p14="http://schemas.microsoft.com/office/powerpoint/2010/main" val="2838522008"/>
       </p:ext>
     </p:extLst>
   </p:cSld>
@@ -2456,21 +2401,49 @@
           <a:bodyPr/>
           <a:lstStyle/>
           <a:p>
+            <a:pPr marL="285750" marR="0" lvl="0" indent="-285750" algn="l" defTabSz="914400" rtl="0" eaLnBrk="0" fontAlgn="base" latinLnBrk="0" hangingPunct="0">
+              <a:lnSpc>
+                <a:spcPct val="100000"/>
+              </a:lnSpc>
+              <a:spcBef>
+                <a:spcPts val="300"/>
+              </a:spcBef>
+              <a:spcAft>
+                <a:spcPts val="300"/>
+              </a:spcAft>
+              <a:buClrTx/>
+              <a:buSzTx/>
+              <a:buFont typeface="Arial" panose="020B0604020202020204" pitchFamily="34" charset="0"/>
+              <a:buChar char="•"/>
+              <a:tabLst/>
+              <a:defRPr/>
+            </a:pPr>
+            <a:r>
+              <a:rPr lang="en-US" dirty="0"/>
+              <a:t>Tactical pause is taking a “woof” or breathe to identify the difference between what the </a:t>
+            </a:r>
+            <a:r>
+              <a:rPr lang="en-US" dirty="0" err="1"/>
+              <a:t>HRSoM</a:t>
+            </a:r>
+            <a:r>
+              <a:rPr lang="en-US" dirty="0"/>
+              <a:t> is and what was found</a:t>
+            </a:r>
+          </a:p>
+          <a:p>
             <a:pPr marL="285750" indent="-285750">
               <a:buFont typeface="Arial" panose="020B0604020202020204" pitchFamily="34" charset="0"/>
               <a:buChar char="•"/>
             </a:pPr>
-            <a:r>
-              <a:rPr lang="en-US" dirty="0"/>
-              <a:t>Preparation is mostly focused on organizational training and developing detections which we’ve already discussed</a:t>
-            </a:r>
+            <a:endParaRPr lang="en-US" dirty="0"/>
           </a:p>
         </p:txBody>
       </p:sp>
     </p:spTree>
     <p:extLst>
       <p:ext uri="{BB962C8B-B14F-4D97-AF65-F5344CB8AC3E}">
-        <p14:creationId xmlns:p14="http://schemas.microsoft.com/office/powerpoint/2010/main" val="2838522008"/>
+        <p14:creationId xmlns:p14="http://schemas.microsoft.com/office/powerpoint/2010/main" val="2845997203"/>
       </p:ext>
     </p:extLst>
   </p:cSld>
@@ -2524,49 +2497,31 @@
           <a:bodyPr/>
           <a:lstStyle/>
           <a:p>
-            <a:pPr marL="285750" marR="0" lvl="0" indent="-285750" algn="l" defTabSz="914400" rtl="0" eaLnBrk="0" fontAlgn="base" latinLnBrk="0" hangingPunct="0">
-              <a:lnSpc>
-                <a:spcPct val="100000"/>
-              </a:lnSpc>
-              <a:spcBef>
-                <a:spcPts val="300"/>
-              </a:spcBef>
-              <a:spcAft>
-                <a:spcPts val="300"/>
-              </a:spcAft>
-              <a:buClrTx/>
-              <a:buSzTx/>
-              <a:buFont typeface="Arial" panose="020B0604020202020204" pitchFamily="34" charset="0"/>
-              <a:buChar char="•"/>
-              <a:tabLst/>
-              <a:defRPr/>
-            </a:pPr>
-            <a:r>
-              <a:rPr lang="en-US" dirty="0"/>
-              <a:t>Tactical pause is taking a “woof” or breathe to identify the difference between what the </a:t>
-            </a:r>
-            <a:r>
-              <a:rPr lang="en-US" dirty="0" err="1"/>
-              <a:t>HRSoM</a:t>
-            </a:r>
-            <a:r>
-              <a:rPr lang="en-US" dirty="0"/>
-              <a:t> is and what was found</a:t>
-            </a:r>
-          </a:p>
-          <a:p>
             <a:pPr marL="285750" indent="-285750">
               <a:buFont typeface="Arial" panose="020B0604020202020204" pitchFamily="34" charset="0"/>
               <a:buChar char="•"/>
             </a:pPr>
-            <a:endParaRPr lang="en-US" dirty="0"/>
+            <a:r>
+              <a:rPr lang="en-US" dirty="0"/>
+              <a:t>Examples of categorization high/medium/malware/unauthorized access</a:t>
+            </a:r>
+          </a:p>
+          <a:p>
+            <a:pPr marL="285750" indent="-285750">
+              <a:buFont typeface="Arial" panose="020B0604020202020204" pitchFamily="34" charset="0"/>
+              <a:buChar char="•"/>
+            </a:pPr>
+            <a:r>
+              <a:rPr lang="en-US" dirty="0"/>
+              <a:t>In communications “external” refers to external to the incident response team</a:t>
+            </a:r>
           </a:p>
         </p:txBody>
       </p:sp>
     </p:spTree>
     <p:extLst>
       <p:ext uri="{BB962C8B-B14F-4D97-AF65-F5344CB8AC3E}">
-        <p14:creationId xmlns:p14="http://schemas.microsoft.com/office/powerpoint/2010/main" val="2845997203"/>
+        <p14:creationId xmlns:p14="http://schemas.microsoft.com/office/powerpoint/2010/main" val="852001118"/>
       </p:ext>
     </p:extLst>
   </p:cSld>
@@ -2620,31 +2575,37 @@
           <a:bodyPr/>
           <a:lstStyle/>
           <a:p>
-            <a:pPr marL="285750" indent="-285750">
+            <a:pPr marL="285750" marR="0" lvl="0" indent="-285750" algn="l" defTabSz="914400" rtl="0" eaLnBrk="0" fontAlgn="base" latinLnBrk="0" hangingPunct="0">
+              <a:lnSpc>
+                <a:spcPct val="100000"/>
+              </a:lnSpc>
+              <a:spcBef>
+                <a:spcPts val="300"/>
+              </a:spcBef>
+              <a:spcAft>
+                <a:spcPts val="300"/>
+              </a:spcAft>
+              <a:buClrTx/>
+              <a:buSzTx/>
               <a:buFont typeface="Arial" panose="020B0604020202020204" pitchFamily="34" charset="0"/>
               <a:buChar char="•"/>
+              <a:tabLst/>
+              <a:defRPr/>
             </a:pPr>
             <a:r>
               <a:rPr lang="en-US" dirty="0"/>
-              <a:t>Examples of categorization high/medium/malware/unauthorized access</a:t>
-            </a:r>
-          </a:p>
-          <a:p>
-            <a:pPr marL="285750" indent="-285750">
-              <a:buFont typeface="Arial" panose="020B0604020202020204" pitchFamily="34" charset="0"/>
-              <a:buChar char="•"/>
-            </a:pPr>
-            <a:r>
-              <a:rPr lang="en-US" dirty="0"/>
-              <a:t>In communications “external” refers to external to the incident response team</a:t>
-            </a:r>
+              <a:t>Build a case based off the detection shown in slide 21 “Is This Malicious”</a:t>
+            </a:r>
+          </a:p>
+          <a:p>
+            <a:endParaRPr lang="en-US" dirty="0"/>
           </a:p>
         </p:txBody>
       </p:sp>
     </p:spTree>
     <p:extLst>
       <p:ext uri="{BB962C8B-B14F-4D97-AF65-F5344CB8AC3E}">
-        <p14:creationId xmlns:p14="http://schemas.microsoft.com/office/powerpoint/2010/main" val="852001118"/>
+        <p14:creationId xmlns:p14="http://schemas.microsoft.com/office/powerpoint/2010/main" val="1860435458"/>
       </p:ext>
     </p:extLst>
   </p:cSld>
@@ -2698,37 +2659,21 @@
           <a:bodyPr/>
           <a:lstStyle/>
           <a:p>
-            <a:pPr marL="285750" marR="0" lvl="0" indent="-285750" algn="l" defTabSz="914400" rtl="0" eaLnBrk="0" fontAlgn="base" latinLnBrk="0" hangingPunct="0">
-              <a:lnSpc>
-                <a:spcPct val="100000"/>
-              </a:lnSpc>
-              <a:spcBef>
-                <a:spcPts val="300"/>
-              </a:spcBef>
-              <a:spcAft>
-                <a:spcPts val="300"/>
-              </a:spcAft>
-              <a:buClrTx/>
-              <a:buSzTx/>
+            <a:pPr marL="285750" indent="-285750">
               <a:buFont typeface="Arial" panose="020B0604020202020204" pitchFamily="34" charset="0"/>
               <a:buChar char="•"/>
-              <a:tabLst/>
-              <a:defRPr/>
             </a:pPr>
             <a:r>
               <a:rPr lang="en-US" dirty="0"/>
               <a:t>Build a case based off the detection shown in slide 21 “Is This Malicious”</a:t>
             </a:r>
-          </a:p>
-          <a:p>
-            <a:endParaRPr lang="en-US" dirty="0"/>
           </a:p>
         </p:txBody>
       </p:sp>
     </p:spTree>
     <p:extLst>
       <p:ext uri="{BB962C8B-B14F-4D97-AF65-F5344CB8AC3E}">
-        <p14:creationId xmlns:p14="http://schemas.microsoft.com/office/powerpoint/2010/main" val="1860435458"/>
+        <p14:creationId xmlns:p14="http://schemas.microsoft.com/office/powerpoint/2010/main" val="3766471184"/>
       </p:ext>
     </p:extLst>
   </p:cSld>
@@ -2739,77 +2684,6 @@
 </file>
 
 <file path=ppt/notesSlides/notesSlide3.xml><?xml version="1.0" encoding="utf-8"?>
-<p:notes xmlns:a="http://schemas.openxmlformats.org/drawingml/2006/main" xmlns:r="http://schemas.openxmlformats.org/officeDocument/2006/relationships" xmlns:p="http://schemas.openxmlformats.org/presentationml/2006/main">
-  <p:cSld>
-    <p:spTree>
-      <p:nvGrpSpPr>
-        <p:cNvPr id="1" name=""/>
-        <p:cNvGrpSpPr/>
-        <p:nvPr/>
-      </p:nvGrpSpPr>
-      <p:grpSpPr>
-        <a:xfrm>
-          <a:off x="0" y="0"/>
-          <a:ext cx="0" cy="0"/>
-          <a:chOff x="0" y="0"/>
-          <a:chExt cx="0" cy="0"/>
-        </a:xfrm>
-      </p:grpSpPr>
-      <p:sp>
-        <p:nvSpPr>
-          <p:cNvPr id="3" name="Notes Placeholder 2"/>
-          <p:cNvSpPr>
-            <a:spLocks noGrp="1"/>
-          </p:cNvSpPr>
-          <p:nvPr>
-            <p:ph type="body" idx="1"/>
-          </p:nvPr>
-        </p:nvSpPr>
-        <p:spPr>
-          <a:xfrm>
-            <a:off x="556816" y="945318"/>
-            <a:ext cx="5888736" cy="8175235"/>
-          </a:xfrm>
-        </p:spPr>
-        <p:txBody>
-          <a:bodyPr/>
-          <a:lstStyle/>
-          <a:p>
-            <a:endParaRPr lang="en-US" b="0" dirty="0"/>
-          </a:p>
-        </p:txBody>
-      </p:sp>
-      <p:sp>
-        <p:nvSpPr>
-          <p:cNvPr id="5" name="Slide Image Placeholder 4"/>
-          <p:cNvSpPr>
-            <a:spLocks noGrp="1" noRot="1" noChangeAspect="1"/>
-          </p:cNvSpPr>
-          <p:nvPr>
-            <p:ph type="sldImg"/>
-          </p:nvPr>
-        </p:nvSpPr>
-        <p:spPr>
-          <a:xfrm>
-            <a:off x="3908425" y="944563"/>
-            <a:ext cx="2546350" cy="1911350"/>
-          </a:xfrm>
-        </p:spPr>
-      </p:sp>
-    </p:spTree>
-    <p:extLst>
-      <p:ext uri="{BB962C8B-B14F-4D97-AF65-F5344CB8AC3E}">
-        <p14:creationId xmlns:p14="http://schemas.microsoft.com/office/powerpoint/2010/main" val="3066752260"/>
-      </p:ext>
-    </p:extLst>
-  </p:cSld>
-  <p:clrMapOvr>
-    <a:masterClrMapping/>
-  </p:clrMapOvr>
-</p:notes>
-</file>
-
-<file path=ppt/notesSlides/notesSlide30.xml><?xml version="1.0" encoding="utf-8"?>
 <p:notes xmlns:a="http://schemas.openxmlformats.org/drawingml/2006/main" xmlns:r="http://schemas.openxmlformats.org/officeDocument/2006/relationships" xmlns:p="http://schemas.openxmlformats.org/presentationml/2006/main">
   <p:cSld>
     <p:spTree>
@@ -2859,7 +2733,40 @@
             </a:pPr>
             <a:r>
               <a:rPr lang="en-US" dirty="0"/>
-              <a:t>Build a case based off the detection shown in slide 21 “Is This Malicious”</a:t>
+              <a:t>Motivator/Work Method: -</a:t>
+            </a:r>
+          </a:p>
+          <a:p>
+            <a:pPr marL="285750" indent="-285750">
+              <a:buFont typeface="Arial" panose="020B0604020202020204" pitchFamily="34" charset="0"/>
+              <a:buChar char="•"/>
+            </a:pPr>
+            <a:r>
+              <a:rPr lang="en-US" dirty="0"/>
+              <a:t>Method: -</a:t>
+            </a:r>
+          </a:p>
+          <a:p>
+            <a:pPr marL="285750" indent="-285750">
+              <a:buFont typeface="Arial" panose="020B0604020202020204" pitchFamily="34" charset="0"/>
+              <a:buChar char="•"/>
+            </a:pPr>
+            <a:r>
+              <a:rPr lang="en-US" dirty="0"/>
+              <a:t>Characteristics: -</a:t>
+            </a:r>
+          </a:p>
+          <a:p>
+            <a:pPr marL="285750" indent="-285750">
+              <a:buFont typeface="Arial" panose="020B0604020202020204" pitchFamily="34" charset="0"/>
+              <a:buChar char="•"/>
+            </a:pPr>
+            <a:endParaRPr lang="en-US" dirty="0"/>
+          </a:p>
+          <a:p>
+            <a:r>
+              <a:rPr lang="en-US" dirty="0"/>
+              <a:t>Set expectations here for the scenario, which is a CPT responding to a potential compromise. While students may feel left out from MSP/CSSP units, these concepts still apply but on a much longer timeline with much finer tuning, but the overall process is the same. The goal for this lesson is to be able to charge into unfamiliar territory with a process to identify adversary activity. We’ll highlight more differences when we get to “Focusing Detection Coverage”</a:t>
             </a:r>
           </a:p>
         </p:txBody>
@@ -2867,7 +2774,7 @@
     </p:spTree>
     <p:extLst>
       <p:ext uri="{BB962C8B-B14F-4D97-AF65-F5344CB8AC3E}">
-        <p14:creationId xmlns:p14="http://schemas.microsoft.com/office/powerpoint/2010/main" val="3766471184"/>
+        <p14:creationId xmlns:p14="http://schemas.microsoft.com/office/powerpoint/2010/main" val="1304145600"/>
       </p:ext>
     </p:extLst>
   </p:cSld>
@@ -2877,7 +2784,7 @@
 </p:notes>
 </file>
 
-<file path=ppt/notesSlides/notesSlide31.xml><?xml version="1.0" encoding="utf-8"?>
+<file path=ppt/notesSlides/notesSlide30.xml><?xml version="1.0" encoding="utf-8"?>
 <p:notes xmlns:a="http://schemas.openxmlformats.org/drawingml/2006/main" xmlns:r="http://schemas.openxmlformats.org/officeDocument/2006/relationships" xmlns:p="http://schemas.openxmlformats.org/presentationml/2006/main">
   <p:cSld>
     <p:spTree>
@@ -2949,7 +2856,7 @@
 </p:notes>
 </file>
 
-<file path=ppt/notesSlides/notesSlide32.xml><?xml version="1.0" encoding="utf-8"?>
+<file path=ppt/notesSlides/notesSlide31.xml><?xml version="1.0" encoding="utf-8"?>
 <p:notes xmlns:a="http://schemas.openxmlformats.org/drawingml/2006/main" xmlns:r="http://schemas.openxmlformats.org/officeDocument/2006/relationships" xmlns:p="http://schemas.openxmlformats.org/presentationml/2006/main">
   <p:cSld>
     <p:spTree>
@@ -3013,7 +2920,7 @@
 </p:notes>
 </file>
 
-<file path=ppt/notesSlides/notesSlide33.xml><?xml version="1.0" encoding="utf-8"?>
+<file path=ppt/notesSlides/notesSlide32.xml><?xml version="1.0" encoding="utf-8"?>
 <p:notes xmlns:a="http://schemas.openxmlformats.org/drawingml/2006/main" xmlns:r="http://schemas.openxmlformats.org/officeDocument/2006/relationships" xmlns:p="http://schemas.openxmlformats.org/presentationml/2006/main">
   <p:cSld>
     <p:spTree>
@@ -3141,53 +3048,37 @@
           <a:lstStyle/>
           <a:p>
             <a:pPr marL="285750" indent="-285750">
-              <a:buFont typeface="Arial" panose="020B0604020202020204" pitchFamily="34" charset="0"/>
-              <a:buChar char="•"/>
+              <a:buFontTx/>
+              <a:buChar char="-"/>
             </a:pPr>
             <a:r>
               <a:rPr lang="en-US" dirty="0"/>
-              <a:t>Motivator/Work Method: -</a:t>
+              <a:t>The purpose of this slide is to give a clean definition for “detection” in order to set the stage for the next few slides. The instructor should emphasize that the processes we’ll be going over will be focused on IDENTIFYING malicious activity, with pivoting/ investigations to come later.</a:t>
             </a:r>
           </a:p>
           <a:p>
             <a:pPr marL="285750" indent="-285750">
-              <a:buFont typeface="Arial" panose="020B0604020202020204" pitchFamily="34" charset="0"/>
-              <a:buChar char="•"/>
+              <a:buFontTx/>
+              <a:buChar char="-"/>
             </a:pPr>
             <a:r>
               <a:rPr lang="en-US" dirty="0"/>
-              <a:t>Method: -</a:t>
+              <a:t>Transition: You can’t begin an investigation until you identify malicious activity, so we’ll start by going over the process to do it.</a:t>
             </a:r>
           </a:p>
           <a:p>
             <a:pPr marL="285750" indent="-285750">
-              <a:buFont typeface="Arial" panose="020B0604020202020204" pitchFamily="34" charset="0"/>
-              <a:buChar char="•"/>
-            </a:pPr>
-            <a:r>
-              <a:rPr lang="en-US" dirty="0"/>
-              <a:t>Characteristics: -</a:t>
-            </a:r>
-          </a:p>
-          <a:p>
-            <a:pPr marL="285750" indent="-285750">
-              <a:buFont typeface="Arial" panose="020B0604020202020204" pitchFamily="34" charset="0"/>
-              <a:buChar char="•"/>
+              <a:buFontTx/>
+              <a:buChar char="-"/>
             </a:pPr>
             <a:endParaRPr lang="en-US" dirty="0"/>
-          </a:p>
-          <a:p>
-            <a:r>
-              <a:rPr lang="en-US" dirty="0"/>
-              <a:t>Set expectations here for the scenario, which is a CPT responding to a potential compromise. While students may feel left out from MSP/CSSP units, these concepts still apply but on a much longer timeline with much finer tuning, but the overall process is the same. The goal for this lesson is to be able to charge into unfamiliar territory with a process to identify adversary activity. We’ll highlight more differences when we get to “Focusing Detection Coverage”</a:t>
-            </a:r>
           </a:p>
         </p:txBody>
       </p:sp>
     </p:spTree>
     <p:extLst>
       <p:ext uri="{BB962C8B-B14F-4D97-AF65-F5344CB8AC3E}">
-        <p14:creationId xmlns:p14="http://schemas.microsoft.com/office/powerpoint/2010/main" val="1304145600"/>
+        <p14:creationId xmlns:p14="http://schemas.microsoft.com/office/powerpoint/2010/main" val="1964256167"/>
       </p:ext>
     </p:extLst>
   </p:cSld>
@@ -3242,29 +3133,35 @@
           <a:lstStyle/>
           <a:p>
             <a:pPr marL="285750" indent="-285750">
-              <a:buFontTx/>
-              <a:buChar char="-"/>
+              <a:buFont typeface="Arial" panose="020B0604020202020204" pitchFamily="34" charset="0"/>
+              <a:buChar char="•"/>
             </a:pPr>
             <a:r>
               <a:rPr lang="en-US" dirty="0"/>
-              <a:t>The purpose of this slide is to give a clean definition for “detection” in order to set the stage for the next few slides. The instructor should emphasize that the processes we’ll be going over will be focused on IDENTIFYING malicious activity, with pivoting/ investigations to come later.</a:t>
-            </a:r>
-          </a:p>
-          <a:p>
-            <a:pPr marL="285750" indent="-285750">
-              <a:buFontTx/>
-              <a:buChar char="-"/>
+              <a:t>Not the funnel of fidelity!</a:t>
+            </a:r>
+          </a:p>
+          <a:p>
+            <a:pPr marL="285750" lvl="0" indent="-285750">
+              <a:buFont typeface="Arial" panose="020B0604020202020204" pitchFamily="34" charset="0"/>
+              <a:buChar char="•"/>
             </a:pPr>
             <a:r>
               <a:rPr lang="en-US" dirty="0"/>
-              <a:t>Transition: You can’t begin an investigation until you identify malicious activity, so we’ll start by going over the process to do it.</a:t>
-            </a:r>
-          </a:p>
-          <a:p>
-            <a:pPr marL="285750" indent="-285750">
-              <a:buFontTx/>
-              <a:buChar char="-"/>
+              <a:t>This slide describes the funnel of data that a cyber defender is faced with handling in any given engagement. While you may be presented with logs, sensors strategies, alerts, etc. You must identify each individual piece of the detection process to form a scientific and measured method to identifying the adversary</a:t>
+            </a:r>
+          </a:p>
+          <a:p>
+            <a:pPr marL="285750" lvl="0" indent="-285750">
+              <a:buFont typeface="Arial" panose="020B0604020202020204" pitchFamily="34" charset="0"/>
+              <a:buChar char="•"/>
             </a:pPr>
+            <a:r>
+              <a:rPr lang="en-US" dirty="0"/>
+              <a:t>Collection is</a:t>
+            </a:r>
+          </a:p>
+          <a:p>
             <a:endParaRPr lang="en-US" dirty="0"/>
           </a:p>
         </p:txBody>
@@ -3272,7 +3169,7 @@
     </p:spTree>
     <p:extLst>
       <p:ext uri="{BB962C8B-B14F-4D97-AF65-F5344CB8AC3E}">
-        <p14:creationId xmlns:p14="http://schemas.microsoft.com/office/powerpoint/2010/main" val="1964256167"/>
+        <p14:creationId xmlns:p14="http://schemas.microsoft.com/office/powerpoint/2010/main" val="1967727407"/>
       </p:ext>
     </p:extLst>
   </p:cSld>
@@ -3326,44 +3223,103 @@
           <a:bodyPr/>
           <a:lstStyle/>
           <a:p>
-            <a:pPr marL="285750" indent="-285750">
+            <a:pPr marL="285750" marR="0" lvl="0" indent="-285750" algn="l" defTabSz="914400" rtl="0" eaLnBrk="0" fontAlgn="base" latinLnBrk="0" hangingPunct="0">
+              <a:lnSpc>
+                <a:spcPct val="100000"/>
+              </a:lnSpc>
+              <a:spcBef>
+                <a:spcPts val="300"/>
+              </a:spcBef>
+              <a:spcAft>
+                <a:spcPts val="300"/>
+              </a:spcAft>
+              <a:buClrTx/>
+              <a:buSzTx/>
               <a:buFont typeface="Arial" panose="020B0604020202020204" pitchFamily="34" charset="0"/>
               <a:buChar char="•"/>
+              <a:tabLst/>
+              <a:defRPr/>
             </a:pPr>
             <a:r>
               <a:rPr lang="en-US" dirty="0"/>
-              <a:t>Not the funnel of fidelity!</a:t>
-            </a:r>
-          </a:p>
-          <a:p>
-            <a:pPr marL="285750" lvl="0" indent="-285750">
+              <a:t>The guilty vs. not guilty example is used to both illustrate the FP/FN point as well as to question to students on which is worse.</a:t>
+            </a:r>
+          </a:p>
+          <a:p>
+            <a:pPr marL="514350" marR="0" lvl="1" indent="-285750" algn="l" defTabSz="914400" rtl="0" eaLnBrk="0" fontAlgn="base" latinLnBrk="0" hangingPunct="0">
+              <a:lnSpc>
+                <a:spcPct val="100000"/>
+              </a:lnSpc>
+              <a:spcBef>
+                <a:spcPts val="300"/>
+              </a:spcBef>
+              <a:spcAft>
+                <a:spcPts val="300"/>
+              </a:spcAft>
+              <a:buClrTx/>
+              <a:buSzTx/>
               <a:buFont typeface="Arial" panose="020B0604020202020204" pitchFamily="34" charset="0"/>
               <a:buChar char="•"/>
+              <a:tabLst/>
+              <a:defRPr/>
             </a:pPr>
             <a:r>
               <a:rPr lang="en-US" dirty="0"/>
-              <a:t>This slide describes the funnel of data that a cyber defender is faced with handling in any given engagement. While you may be presented with logs, sensors strategies, alerts, etc. You must identify each individual piece of the detection process to form a scientific and measured method to identifying the adversary</a:t>
-            </a:r>
-          </a:p>
-          <a:p>
-            <a:pPr marL="285750" lvl="0" indent="-285750">
+              <a:t>If someone is identified as a criminal and falsely imprisoned (FP) is that worse than someone who is not identified and theoretically still free committing crimes?</a:t>
+            </a:r>
+          </a:p>
+          <a:p>
+            <a:pPr marL="285750" marR="0" lvl="0" indent="-285750" algn="l" defTabSz="914400" rtl="0" eaLnBrk="0" fontAlgn="base" latinLnBrk="0" hangingPunct="0">
+              <a:lnSpc>
+                <a:spcPct val="100000"/>
+              </a:lnSpc>
+              <a:spcBef>
+                <a:spcPts val="300"/>
+              </a:spcBef>
+              <a:spcAft>
+                <a:spcPts val="300"/>
+              </a:spcAft>
+              <a:buClrTx/>
+              <a:buSzTx/>
               <a:buFont typeface="Arial" panose="020B0604020202020204" pitchFamily="34" charset="0"/>
               <a:buChar char="•"/>
+              <a:tabLst/>
+              <a:defRPr/>
             </a:pPr>
             <a:r>
               <a:rPr lang="en-US" dirty="0"/>
-              <a:t>Collection is</a:t>
-            </a:r>
-          </a:p>
-          <a:p>
-            <a:endParaRPr lang="en-US" dirty="0"/>
+              <a:t>“FP ∝ 1/FN“ is saying “False Positives are inversely proportional to False Negatives</a:t>
+            </a:r>
+          </a:p>
+          <a:p>
+            <a:pPr marL="514350" marR="0" lvl="1" indent="-285750" algn="l" defTabSz="914400" rtl="0" eaLnBrk="0" fontAlgn="base" latinLnBrk="0" hangingPunct="0">
+              <a:lnSpc>
+                <a:spcPct val="100000"/>
+              </a:lnSpc>
+              <a:spcBef>
+                <a:spcPts val="300"/>
+              </a:spcBef>
+              <a:spcAft>
+                <a:spcPts val="300"/>
+              </a:spcAft>
+              <a:buClrTx/>
+              <a:buSzTx/>
+              <a:buFont typeface="Arial" panose="020B0604020202020204" pitchFamily="34" charset="0"/>
+              <a:buChar char="•"/>
+              <a:tabLst/>
+              <a:defRPr/>
+            </a:pPr>
+            <a:r>
+              <a:rPr lang="en-US" dirty="0"/>
+              <a:t>This means that the more false positives you have, the more likely it is to reduce false negatives due to your sensor posture and the amount of data you are consuming.</a:t>
+            </a:r>
           </a:p>
         </p:txBody>
       </p:sp>
     </p:spTree>
     <p:extLst>
       <p:ext uri="{BB962C8B-B14F-4D97-AF65-F5344CB8AC3E}">
-        <p14:creationId xmlns:p14="http://schemas.microsoft.com/office/powerpoint/2010/main" val="1967727407"/>
+        <p14:creationId xmlns:p14="http://schemas.microsoft.com/office/powerpoint/2010/main" val="715454685"/>
       </p:ext>
     </p:extLst>
   </p:cSld>
@@ -3417,103 +3373,105 @@
           <a:bodyPr/>
           <a:lstStyle/>
           <a:p>
-            <a:pPr marL="285750" marR="0" lvl="0" indent="-285750" algn="l" defTabSz="914400" rtl="0" eaLnBrk="0" fontAlgn="base" latinLnBrk="0" hangingPunct="0">
-              <a:lnSpc>
-                <a:spcPct val="100000"/>
-              </a:lnSpc>
-              <a:spcBef>
-                <a:spcPts val="300"/>
-              </a:spcBef>
-              <a:spcAft>
-                <a:spcPts val="300"/>
-              </a:spcAft>
-              <a:buClrTx/>
-              <a:buSzTx/>
-              <a:buFont typeface="Arial" panose="020B0604020202020204" pitchFamily="34" charset="0"/>
-              <a:buChar char="•"/>
-              <a:tabLst/>
-              <a:defRPr/>
+            <a:pPr marL="285750" indent="-285750">
+              <a:buFontTx/>
+              <a:buChar char="-"/>
             </a:pPr>
             <a:r>
               <a:rPr lang="en-US" dirty="0"/>
-              <a:t>The guilty vs. not guilty example is used to both illustrate the FP/FN point as well as to question to students on which is worse.</a:t>
-            </a:r>
-          </a:p>
-          <a:p>
-            <a:pPr marL="514350" marR="0" lvl="1" indent="-285750" algn="l" defTabSz="914400" rtl="0" eaLnBrk="0" fontAlgn="base" latinLnBrk="0" hangingPunct="0">
-              <a:lnSpc>
-                <a:spcPct val="100000"/>
-              </a:lnSpc>
-              <a:spcBef>
-                <a:spcPts val="300"/>
-              </a:spcBef>
-              <a:spcAft>
-                <a:spcPts val="300"/>
-              </a:spcAft>
-              <a:buClrTx/>
-              <a:buSzTx/>
-              <a:buFont typeface="Arial" panose="020B0604020202020204" pitchFamily="34" charset="0"/>
-              <a:buChar char="•"/>
-              <a:tabLst/>
-              <a:defRPr/>
+              <a:t>TIPs – Threat Intelligence Platform</a:t>
+            </a:r>
+          </a:p>
+          <a:p>
+            <a:pPr marL="285750" indent="-285750">
+              <a:buFontTx/>
+              <a:buChar char="-"/>
             </a:pPr>
             <a:r>
               <a:rPr lang="en-US" dirty="0"/>
-              <a:t>If someone is identified as a criminal and falsely imprisoned (FP) is that worse than someone who is not identified and theoretically still free committing crimes?</a:t>
-            </a:r>
-          </a:p>
-          <a:p>
-            <a:pPr marL="285750" marR="0" lvl="0" indent="-285750" algn="l" defTabSz="914400" rtl="0" eaLnBrk="0" fontAlgn="base" latinLnBrk="0" hangingPunct="0">
-              <a:lnSpc>
-                <a:spcPct val="100000"/>
-              </a:lnSpc>
-              <a:spcBef>
-                <a:spcPts val="300"/>
-              </a:spcBef>
-              <a:spcAft>
-                <a:spcPts val="300"/>
-              </a:spcAft>
-              <a:buClrTx/>
-              <a:buSzTx/>
-              <a:buFont typeface="Arial" panose="020B0604020202020204" pitchFamily="34" charset="0"/>
-              <a:buChar char="•"/>
-              <a:tabLst/>
-              <a:defRPr/>
+              <a:t>SIEM – Security Information and Event Management</a:t>
+            </a:r>
+          </a:p>
+          <a:p>
+            <a:pPr marL="285750" indent="-285750">
+              <a:buFontTx/>
+              <a:buChar char="-"/>
             </a:pPr>
             <a:r>
               <a:rPr lang="en-US" dirty="0"/>
-              <a:t>“FP ∝ 1/FN“ is saying “False Positives are inversely proportional to False Negatives</a:t>
-            </a:r>
-          </a:p>
-          <a:p>
-            <a:pPr marL="514350" marR="0" lvl="1" indent="-285750" algn="l" defTabSz="914400" rtl="0" eaLnBrk="0" fontAlgn="base" latinLnBrk="0" hangingPunct="0">
-              <a:lnSpc>
-                <a:spcPct val="100000"/>
-              </a:lnSpc>
-              <a:spcBef>
-                <a:spcPts val="300"/>
-              </a:spcBef>
-              <a:spcAft>
-                <a:spcPts val="300"/>
-              </a:spcAft>
-              <a:buClrTx/>
-              <a:buSzTx/>
-              <a:buFont typeface="Arial" panose="020B0604020202020204" pitchFamily="34" charset="0"/>
-              <a:buChar char="•"/>
-              <a:tabLst/>
-              <a:defRPr/>
+              <a:t>NIDS – Network Intrusion Detection System</a:t>
+            </a:r>
+          </a:p>
+          <a:p>
+            <a:pPr marL="285750" indent="-285750">
+              <a:buFontTx/>
+              <a:buChar char="-"/>
             </a:pPr>
             <a:r>
               <a:rPr lang="en-US" dirty="0"/>
-              <a:t>This means that the more false positives you have, the more likely it is to reduce false negatives due to your sensor posture and the amount of data you are consuming.</a:t>
-            </a:r>
+              <a:t>NIPS – Network Intrusion Prevention System</a:t>
+            </a:r>
+          </a:p>
+          <a:p>
+            <a:pPr marL="285750" indent="-285750">
+              <a:buFontTx/>
+              <a:buChar char="-"/>
+            </a:pPr>
+            <a:r>
+              <a:rPr lang="en-US" dirty="0"/>
+              <a:t>EDR – Endpoint Detection and Response</a:t>
+            </a:r>
+          </a:p>
+          <a:p>
+            <a:pPr marL="285750" indent="-285750">
+              <a:buFontTx/>
+              <a:buChar char="-"/>
+            </a:pPr>
+            <a:endParaRPr lang="en-US" dirty="0"/>
+          </a:p>
+          <a:p>
+            <a:pPr marL="285750" indent="-285750">
+              <a:buFontTx/>
+              <a:buChar char="-"/>
+            </a:pPr>
+            <a:r>
+              <a:rPr lang="en-US" dirty="0"/>
+              <a:t>The purpose of this slide is to introduce data sources as a refresher for beginning the discussion on data quality.</a:t>
+            </a:r>
+          </a:p>
+          <a:p>
+            <a:pPr marL="285750" indent="-285750">
+              <a:buFontTx/>
+              <a:buChar char="-"/>
+            </a:pPr>
+            <a:r>
+              <a:rPr lang="en-US" dirty="0"/>
+              <a:t>This is the where our data comes from</a:t>
+            </a:r>
+          </a:p>
+          <a:p>
+            <a:pPr marL="285750" indent="-285750">
+              <a:buFontTx/>
+              <a:buChar char="-"/>
+            </a:pPr>
+            <a:r>
+              <a:rPr lang="en-US" dirty="0"/>
+              <a:t>Make into a build slide with the values under each category a click to reveal leaving the instructor time to ask students to name a few</a:t>
+            </a:r>
+          </a:p>
+          <a:p>
+            <a:pPr marL="285750" indent="-285750">
+              <a:buFontTx/>
+              <a:buChar char="-"/>
+            </a:pPr>
+            <a:endParaRPr lang="en-US" dirty="0"/>
           </a:p>
         </p:txBody>
       </p:sp>
     </p:spTree>
     <p:extLst>
       <p:ext uri="{BB962C8B-B14F-4D97-AF65-F5344CB8AC3E}">
-        <p14:creationId xmlns:p14="http://schemas.microsoft.com/office/powerpoint/2010/main" val="715454685"/>
+        <p14:creationId xmlns:p14="http://schemas.microsoft.com/office/powerpoint/2010/main" val="1339565372"/>
       </p:ext>
     </p:extLst>
   </p:cSld>
@@ -3567,97 +3525,286 @@
           <a:bodyPr/>
           <a:lstStyle/>
           <a:p>
+            <a:pPr marL="285750" marR="0" lvl="0" indent="-285750" algn="l" defTabSz="914400" rtl="0" eaLnBrk="0" fontAlgn="base" latinLnBrk="0" hangingPunct="0">
+              <a:lnSpc>
+                <a:spcPct val="100000"/>
+              </a:lnSpc>
+              <a:spcBef>
+                <a:spcPts val="300"/>
+              </a:spcBef>
+              <a:spcAft>
+                <a:spcPts val="300"/>
+              </a:spcAft>
+              <a:buClrTx/>
+              <a:buSzTx/>
+              <a:buFont typeface="Arial" panose="020B0604020202020204" pitchFamily="34" charset="0"/>
+              <a:buChar char="•"/>
+              <a:tabLst/>
+              <a:defRPr/>
+            </a:pPr>
+            <a:r>
+              <a:rPr lang="en-US" dirty="0"/>
+              <a:t>Data quality can be defined as “data are of high quality if they are fit for their intended uses in operations, decision making and planning”. </a:t>
+            </a:r>
+          </a:p>
+          <a:p>
+            <a:pPr marL="285750" marR="0" lvl="0" indent="-285750" algn="l" defTabSz="914400" rtl="0" eaLnBrk="0" fontAlgn="base" latinLnBrk="0" hangingPunct="0">
+              <a:lnSpc>
+                <a:spcPct val="100000"/>
+              </a:lnSpc>
+              <a:spcBef>
+                <a:spcPts val="300"/>
+              </a:spcBef>
+              <a:spcAft>
+                <a:spcPts val="300"/>
+              </a:spcAft>
+              <a:buClrTx/>
+              <a:buSzTx/>
+              <a:buFont typeface="Arial" panose="020B0604020202020204" pitchFamily="34" charset="0"/>
+              <a:buChar char="•"/>
+              <a:tabLst/>
+              <a:defRPr/>
+            </a:pPr>
+            <a:r>
+              <a:rPr lang="en-US" dirty="0"/>
+              <a:t>Categories are defined by “DOD Guidelines on Data Quality Management”</a:t>
+            </a:r>
+          </a:p>
+          <a:p>
+            <a:pPr marL="285750" marR="0" lvl="0" indent="-285750" algn="l" defTabSz="914400" rtl="0" eaLnBrk="0" fontAlgn="base" latinLnBrk="0" hangingPunct="0">
+              <a:lnSpc>
+                <a:spcPct val="100000"/>
+              </a:lnSpc>
+              <a:spcBef>
+                <a:spcPts val="300"/>
+              </a:spcBef>
+              <a:spcAft>
+                <a:spcPts val="300"/>
+              </a:spcAft>
+              <a:buClrTx/>
+              <a:buSzTx/>
+              <a:buFont typeface="Arial" panose="020B0604020202020204" pitchFamily="34" charset="0"/>
+              <a:buChar char="•"/>
+              <a:tabLst/>
+              <a:defRPr/>
+            </a:pPr>
+            <a:r>
+              <a:rPr lang="en-US" dirty="0"/>
+              <a:t>End with “Not all the categories are particularly useful for building collection plans, but we’ll focus on </a:t>
+            </a:r>
+          </a:p>
+          <a:p>
             <a:pPr marL="285750" indent="-285750">
-              <a:buFontTx/>
-              <a:buChar char="-"/>
+              <a:buFont typeface="Arial" panose="020B0604020202020204" pitchFamily="34" charset="0"/>
+              <a:buChar char="•"/>
             </a:pPr>
             <a:r>
               <a:rPr lang="en-US" dirty="0"/>
-              <a:t>TIPs – Threat Intelligence Platform</a:t>
-            </a:r>
-          </a:p>
-          <a:p>
-            <a:pPr marL="285750" indent="-285750">
-              <a:buFontTx/>
-              <a:buChar char="-"/>
+              <a:t>Use the Kerberoasting scenario to help bring out examples to explain the categories</a:t>
+            </a:r>
+          </a:p>
+          <a:p>
+            <a:pPr marL="514350" lvl="1" indent="-285750">
+              <a:buFont typeface="Arial" panose="020B0604020202020204" pitchFamily="34" charset="0"/>
+              <a:buChar char="•"/>
             </a:pPr>
             <a:r>
               <a:rPr lang="en-US" dirty="0"/>
-              <a:t>SIEM – Security Information and Event Management</a:t>
-            </a:r>
-          </a:p>
-          <a:p>
-            <a:pPr marL="285750" indent="-285750">
-              <a:buFontTx/>
-              <a:buChar char="-"/>
+              <a:t>You’re about to start taking stock of the data available to find Kerberoasting. </a:t>
+            </a:r>
+          </a:p>
+          <a:p>
+            <a:pPr marL="514350" lvl="1" indent="-285750">
+              <a:buFont typeface="Arial" panose="020B0604020202020204" pitchFamily="34" charset="0"/>
+              <a:buChar char="•"/>
             </a:pPr>
             <a:r>
               <a:rPr lang="en-US" dirty="0"/>
-              <a:t>NIDS – Network Intrusion Detection System</a:t>
-            </a:r>
-          </a:p>
-          <a:p>
-            <a:pPr marL="285750" indent="-285750">
-              <a:buFontTx/>
-              <a:buChar char="-"/>
+              <a:t>Accuracy: “A qualitative assessment of freedom from error”. To determine if the logs, artifacts and other telemetry are free from tampering would be a time-consuming effort, thus this category is not particularly useful for threat hunting.</a:t>
+            </a:r>
+          </a:p>
+          <a:p>
+            <a:pPr marL="514350" lvl="1" indent="-285750">
+              <a:buFont typeface="Arial" panose="020B0604020202020204" pitchFamily="34" charset="0"/>
+              <a:buChar char="•"/>
             </a:pPr>
             <a:r>
               <a:rPr lang="en-US" dirty="0"/>
-              <a:t>NIPS – Network Intrusion Prevention System</a:t>
-            </a:r>
-          </a:p>
-          <a:p>
-            <a:pPr marL="285750" indent="-285750">
-              <a:buFontTx/>
-              <a:buChar char="-"/>
+              <a:t>Completeness: “The degree to which values are present in the attributes that require them”. To effectively evaluate completeness the ADS framework is a great tool to aid this process. The next lesson will cover this in more detail. Some metrics to pull for this are the % of endpoints sending required/needed data or % of data sources missing events or data values. A good question to help evaluate this metric is are all endpoints shipping all the data I need? </a:t>
+            </a:r>
+          </a:p>
+          <a:p>
+            <a:pPr marL="742950" lvl="2" indent="-285750">
+              <a:buFont typeface="Arial" panose="020B0604020202020204" pitchFamily="34" charset="0"/>
+              <a:buChar char="•"/>
             </a:pPr>
             <a:r>
               <a:rPr lang="en-US" dirty="0"/>
-              <a:t>EDR – Endpoint Detection and Response</a:t>
-            </a:r>
-          </a:p>
-          <a:p>
-            <a:pPr marL="285750" indent="-285750">
-              <a:buFontTx/>
-              <a:buChar char="-"/>
+              <a:t>For our example, are all data sources reporting Kerberos ticket creation? </a:t>
+            </a:r>
+          </a:p>
+          <a:p>
+            <a:pPr marL="514350" lvl="1" indent="-285750">
+              <a:buFont typeface="Arial" panose="020B0604020202020204" pitchFamily="34" charset="0"/>
+              <a:buChar char="•"/>
+            </a:pPr>
+            <a:r>
+              <a:rPr lang="en-US" dirty="0"/>
+              <a:t>Consistency: “A measure of the degree to which a set of data satisfies a set of constraints”. This metric refers to difference when comparing records from one data source against others that contain the same type of information. Can you identify the required/needed data fields across all data sources available?</a:t>
+            </a:r>
+          </a:p>
+          <a:p>
+            <a:pPr marL="742950" lvl="2" indent="-285750">
+              <a:buFont typeface="Arial" panose="020B0604020202020204" pitchFamily="34" charset="0"/>
+              <a:buChar char="•"/>
+            </a:pPr>
+            <a:r>
+              <a:rPr lang="en-US" dirty="0"/>
+              <a:t>For our example, there are windows logs that cover Kerberos ticket creation, but what about EDRs? Registry entries? Differences between operating system logs (NT4 vs NT5+)?</a:t>
+            </a:r>
+          </a:p>
+          <a:p>
+            <a:pPr marL="514350" lvl="1" indent="-285750">
+              <a:buFont typeface="Arial" panose="020B0604020202020204" pitchFamily="34" charset="0"/>
+              <a:buChar char="•"/>
+            </a:pPr>
+            <a:r>
+              <a:rPr lang="en-US" dirty="0"/>
+              <a:t>Timeliness: “The degree to which specified data values are up to date”. This metric represent reality from the required/needed point in time. An example metric to help evaluate is the amount of time data needs to be retained.</a:t>
+            </a:r>
+          </a:p>
+          <a:p>
+            <a:pPr marL="742950" lvl="2" indent="-285750">
+              <a:buFont typeface="Arial" panose="020B0604020202020204" pitchFamily="34" charset="0"/>
+              <a:buChar char="•"/>
+            </a:pPr>
+            <a:r>
+              <a:rPr lang="en-US" dirty="0"/>
+              <a:t>For our example, which log are Kerberos ticket creation entries made in? How often does this log rotate by default? What about the data in our SIEM, how often does that rotate?</a:t>
+            </a:r>
+          </a:p>
+          <a:p>
+            <a:pPr marL="514350" lvl="1" indent="-285750">
+              <a:buFont typeface="Arial" panose="020B0604020202020204" pitchFamily="34" charset="0"/>
+              <a:buChar char="•"/>
+            </a:pPr>
+            <a:r>
+              <a:rPr lang="en-US" dirty="0"/>
+              <a:t>Uniqueness: “The state of being the only one of its kind”. This is a difficult metric to evaluate and is satisfied by completeness, with the removal of duplicates from other data sources. An example of evaluating this metric would be when building an ELK  data pipeline, creating a schema that correctly coalesces data from windows and vendor logs.</a:t>
+            </a:r>
+          </a:p>
+          <a:p>
+            <a:pPr marL="514350" lvl="1" indent="-285750">
+              <a:buFont typeface="Arial" panose="020B0604020202020204" pitchFamily="34" charset="0"/>
+              <a:buChar char="•"/>
+            </a:pPr>
+            <a:r>
+              <a:rPr lang="en-US" dirty="0"/>
+              <a:t>Validity: “The quality of data that is founded on an adequate system of classification and is rigorous enough to compel acceptance”. Same problem as evaluating accuracy, when it comes to identifying tampering or data being misreported. </a:t>
+            </a:r>
+          </a:p>
+          <a:p>
+            <a:pPr marL="285750" marR="0" lvl="0" indent="-285750" algn="l" defTabSz="914400" rtl="0" eaLnBrk="0" fontAlgn="base" latinLnBrk="0" hangingPunct="0">
+              <a:lnSpc>
+                <a:spcPct val="100000"/>
+              </a:lnSpc>
+              <a:spcBef>
+                <a:spcPts val="300"/>
+              </a:spcBef>
+              <a:spcAft>
+                <a:spcPts val="300"/>
+              </a:spcAft>
+              <a:buClrTx/>
+              <a:buSzTx/>
+              <a:buFont typeface="Arial" panose="020B0604020202020204" pitchFamily="34" charset="0"/>
+              <a:buChar char="•"/>
+              <a:tabLst/>
+              <a:defRPr/>
             </a:pPr>
             <a:endParaRPr lang="en-US" dirty="0"/>
           </a:p>
           <a:p>
-            <a:pPr marL="285750" indent="-285750">
+            <a:pPr marL="0" marR="0" lvl="0" indent="0" algn="l" defTabSz="914400" rtl="0" eaLnBrk="0" fontAlgn="base" latinLnBrk="0" hangingPunct="0">
+              <a:lnSpc>
+                <a:spcPct val="100000"/>
+              </a:lnSpc>
+              <a:spcBef>
+                <a:spcPts val="300"/>
+              </a:spcBef>
+              <a:spcAft>
+                <a:spcPts val="300"/>
+              </a:spcAft>
+              <a:buClrTx/>
+              <a:buSzTx/>
               <a:buFontTx/>
-              <a:buChar char="-"/>
+              <a:buNone/>
+              <a:tabLst/>
+              <a:defRPr/>
             </a:pPr>
             <a:r>
               <a:rPr lang="en-US" dirty="0"/>
-              <a:t>The purpose of this slide is to introduce data sources as a refresher for beginning the discussion on data quality.</a:t>
-            </a:r>
-          </a:p>
-          <a:p>
-            <a:pPr marL="285750" indent="-285750">
-              <a:buFontTx/>
-              <a:buChar char="-"/>
+              <a:t>Sources: </a:t>
+            </a:r>
+          </a:p>
+          <a:p>
+            <a:pPr marL="285750" marR="0" lvl="0" indent="-285750" algn="l" defTabSz="914400" rtl="0" eaLnBrk="0" fontAlgn="base" latinLnBrk="0" hangingPunct="0">
+              <a:lnSpc>
+                <a:spcPct val="100000"/>
+              </a:lnSpc>
+              <a:spcBef>
+                <a:spcPts val="300"/>
+              </a:spcBef>
+              <a:spcAft>
+                <a:spcPts val="300"/>
+              </a:spcAft>
+              <a:buClrTx/>
+              <a:buSzTx/>
+              <a:buFont typeface="Arial" panose="020B0604020202020204" pitchFamily="34" charset="0"/>
+              <a:buChar char="•"/>
+              <a:tabLst/>
+              <a:defRPr/>
             </a:pPr>
             <a:r>
-              <a:rPr lang="en-US" dirty="0"/>
-              <a:t>This is the where our data comes from</a:t>
-            </a:r>
-          </a:p>
-          <a:p>
-            <a:pPr marL="285750" indent="-285750">
-              <a:buFontTx/>
-              <a:buChar char="-"/>
+              <a:rPr lang="en-US" b="0" u="sng" dirty="0">
+                <a:solidFill>
+                  <a:srgbClr val="D4D4D4"/>
+                </a:solidFill>
+                <a:effectLst/>
+                <a:latin typeface="Consolas" panose="020B0609020204030204" pitchFamily="49" charset="0"/>
+              </a:rPr>
+              <a:t>https://posts.specterops.io/ready-to-hunt-first-show-me-your-data-a642c6b170d6</a:t>
+            </a:r>
+          </a:p>
+          <a:p>
+            <a:pPr marL="285750" marR="0" lvl="0" indent="-285750" algn="l" defTabSz="914400" rtl="0" eaLnBrk="0" fontAlgn="base" latinLnBrk="0" hangingPunct="0">
+              <a:lnSpc>
+                <a:spcPct val="100000"/>
+              </a:lnSpc>
+              <a:spcBef>
+                <a:spcPts val="300"/>
+              </a:spcBef>
+              <a:spcAft>
+                <a:spcPts val="300"/>
+              </a:spcAft>
+              <a:buClrTx/>
+              <a:buSzTx/>
+              <a:buFont typeface="Arial" panose="020B0604020202020204" pitchFamily="34" charset="0"/>
+              <a:buChar char="•"/>
+              <a:tabLst/>
+              <a:defRPr/>
             </a:pPr>
             <a:r>
-              <a:rPr lang="en-US" dirty="0"/>
-              <a:t>Make into a build slide with the values under each category a click to reveal leaving the instructor time to ask students to name a few</a:t>
-            </a:r>
-          </a:p>
-          <a:p>
-            <a:pPr marL="285750" indent="-285750">
-              <a:buFontTx/>
-              <a:buChar char="-"/>
-            </a:pPr>
+              <a:rPr lang="en-US" b="0" dirty="0">
+                <a:solidFill>
+                  <a:srgbClr val="D4D4D4"/>
+                </a:solidFill>
+                <a:effectLst/>
+                <a:latin typeface="Consolas" panose="020B0609020204030204" pitchFamily="49" charset="0"/>
+              </a:rPr>
+              <a:t>http://mitiq.mit.edu/ICIQ/Documents/IQ%20Conference%201996/Papers/DODGuidelinesonDataQualityManagement.pdf</a:t>
+            </a:r>
+          </a:p>
+          <a:p>
             <a:endParaRPr lang="en-US" dirty="0"/>
           </a:p>
         </p:txBody>
@@ -3665,7 +3812,7 @@
     </p:spTree>
     <p:extLst>
       <p:ext uri="{BB962C8B-B14F-4D97-AF65-F5344CB8AC3E}">
-        <p14:creationId xmlns:p14="http://schemas.microsoft.com/office/powerpoint/2010/main" val="1339565372"/>
+        <p14:creationId xmlns:p14="http://schemas.microsoft.com/office/powerpoint/2010/main" val="3685928485"/>
       </p:ext>
     </p:extLst>
   </p:cSld>
@@ -3719,286 +3866,66 @@
           <a:bodyPr/>
           <a:lstStyle/>
           <a:p>
-            <a:pPr marL="285750" marR="0" lvl="0" indent="-285750" algn="l" defTabSz="914400" rtl="0" eaLnBrk="0" fontAlgn="base" latinLnBrk="0" hangingPunct="0">
-              <a:lnSpc>
-                <a:spcPct val="100000"/>
-              </a:lnSpc>
-              <a:spcBef>
-                <a:spcPts val="300"/>
-              </a:spcBef>
-              <a:spcAft>
-                <a:spcPts val="300"/>
-              </a:spcAft>
-              <a:buClrTx/>
-              <a:buSzTx/>
-              <a:buFont typeface="Arial" panose="020B0604020202020204" pitchFamily="34" charset="0"/>
-              <a:buChar char="•"/>
-              <a:tabLst/>
-              <a:defRPr/>
-            </a:pPr>
-            <a:r>
-              <a:rPr lang="en-US" dirty="0"/>
-              <a:t>Data quality can be defined as “data are of high quality if they are fit for their intended uses in operations, decision making and planning”. </a:t>
-            </a:r>
-          </a:p>
-          <a:p>
-            <a:pPr marL="285750" marR="0" lvl="0" indent="-285750" algn="l" defTabSz="914400" rtl="0" eaLnBrk="0" fontAlgn="base" latinLnBrk="0" hangingPunct="0">
-              <a:lnSpc>
-                <a:spcPct val="100000"/>
-              </a:lnSpc>
-              <a:spcBef>
-                <a:spcPts val="300"/>
-              </a:spcBef>
-              <a:spcAft>
-                <a:spcPts val="300"/>
-              </a:spcAft>
-              <a:buClrTx/>
-              <a:buSzTx/>
-              <a:buFont typeface="Arial" panose="020B0604020202020204" pitchFamily="34" charset="0"/>
-              <a:buChar char="•"/>
-              <a:tabLst/>
-              <a:defRPr/>
-            </a:pPr>
-            <a:r>
-              <a:rPr lang="en-US" dirty="0"/>
-              <a:t>Categories are defined by “DOD Guidelines on Data Quality Management”</a:t>
-            </a:r>
-          </a:p>
-          <a:p>
-            <a:pPr marL="285750" marR="0" lvl="0" indent="-285750" algn="l" defTabSz="914400" rtl="0" eaLnBrk="0" fontAlgn="base" latinLnBrk="0" hangingPunct="0">
-              <a:lnSpc>
-                <a:spcPct val="100000"/>
-              </a:lnSpc>
-              <a:spcBef>
-                <a:spcPts val="300"/>
-              </a:spcBef>
-              <a:spcAft>
-                <a:spcPts val="300"/>
-              </a:spcAft>
-              <a:buClrTx/>
-              <a:buSzTx/>
-              <a:buFont typeface="Arial" panose="020B0604020202020204" pitchFamily="34" charset="0"/>
-              <a:buChar char="•"/>
-              <a:tabLst/>
-              <a:defRPr/>
-            </a:pPr>
-            <a:r>
-              <a:rPr lang="en-US" dirty="0"/>
-              <a:t>End with “Not all the categories are particularly useful for building collection plans, but we’ll focus on </a:t>
-            </a:r>
-          </a:p>
-          <a:p>
             <a:pPr marL="285750" indent="-285750">
               <a:buFont typeface="Arial" panose="020B0604020202020204" pitchFamily="34" charset="0"/>
               <a:buChar char="•"/>
             </a:pPr>
             <a:r>
               <a:rPr lang="en-US" dirty="0"/>
-              <a:t>Use the Kerberoasting scenario to help bring out examples to explain the categories</a:t>
-            </a:r>
-          </a:p>
-          <a:p>
-            <a:pPr marL="514350" lvl="1" indent="-285750">
+              <a:t>To begin our process of detecting Kerberoasting we look at each step of the process and identify the actions taken by each entity involved as well as the requirements to execute this action</a:t>
+            </a:r>
+          </a:p>
+          <a:p>
+            <a:pPr marL="285750" indent="-285750">
               <a:buFont typeface="Arial" panose="020B0604020202020204" pitchFamily="34" charset="0"/>
               <a:buChar char="•"/>
             </a:pPr>
             <a:r>
               <a:rPr lang="en-US" dirty="0"/>
-              <a:t>You’re about to start taking stock of the data available to find Kerberoasting. </a:t>
-            </a:r>
-          </a:p>
-          <a:p>
-            <a:pPr marL="514350" lvl="1" indent="-285750">
+              <a:t>While an adversary having access to a TGT is still a major vulnerability, it would require separate analysis to identify. For now, lets focus on “Credential Access via Kerberoasting”. (addresses first green highlight)</a:t>
+            </a:r>
+          </a:p>
+          <a:p>
+            <a:pPr marL="285750" indent="-285750">
               <a:buFont typeface="Arial" panose="020B0604020202020204" pitchFamily="34" charset="0"/>
               <a:buChar char="•"/>
             </a:pPr>
             <a:r>
               <a:rPr lang="en-US" dirty="0"/>
-              <a:t>Accuracy: “A qualitative assessment of freedom from error”. To determine if the logs, artifacts and other telemetry are free from tampering would be a time-consuming effort, thus this category is not particularly useful for threat hunting.</a:t>
-            </a:r>
-          </a:p>
-          <a:p>
-            <a:pPr marL="514350" lvl="1" indent="-285750">
+              <a:t>For the 2</a:t>
+            </a:r>
+            <a:r>
+              <a:rPr lang="en-US" baseline="30000" dirty="0"/>
+              <a:t>nd</a:t>
+            </a:r>
+            <a:r>
+              <a:rPr lang="en-US" dirty="0"/>
+              <a:t> bullet there’s 3 green highlights and I’ll explain why. First, identifying a TGS-REQ is something that would most easily be done via network traffic, thus making it difficult to show historical abuse, but still a valid collection. Second, only accounts with an assigned SPN (Service Principal Name) can be used to </a:t>
+            </a:r>
+            <a:r>
+              <a:rPr lang="en-US" dirty="0" err="1"/>
+              <a:t>kerberoast</a:t>
+            </a:r>
+            <a:r>
+              <a:rPr lang="en-US" dirty="0"/>
+              <a:t>, so this information is somewhat useful. Lastly, an attacker can change the type of encryption used (RC4, AES128 or AES256).</a:t>
+            </a:r>
+          </a:p>
+          <a:p>
+            <a:pPr marL="285750" indent="-285750">
               <a:buFont typeface="Arial" panose="020B0604020202020204" pitchFamily="34" charset="0"/>
               <a:buChar char="•"/>
             </a:pPr>
             <a:r>
               <a:rPr lang="en-US" dirty="0"/>
-              <a:t>Completeness: “The degree to which values are present in the attributes that require them”. To effectively evaluate completeness the ADS framework is a great tool to aid this process. The next lesson will cover this in more detail. Some metrics to pull for this are the % of endpoints sending required/needed data or % of data sources missing events or data values. A good question to help evaluate this metric is are all endpoints shipping all the data I need? </a:t>
-            </a:r>
-          </a:p>
-          <a:p>
-            <a:pPr marL="742950" lvl="2" indent="-285750">
+              <a:t>The rest of the highlights similarly show specific actions taken and data that can be tracked and collected.</a:t>
+            </a:r>
+          </a:p>
+          <a:p>
+            <a:pPr marL="285750" indent="-285750">
               <a:buFont typeface="Arial" panose="020B0604020202020204" pitchFamily="34" charset="0"/>
               <a:buChar char="•"/>
             </a:pPr>
-            <a:r>
-              <a:rPr lang="en-US" dirty="0"/>
-              <a:t>For our example, are all data sources reporting Kerberos ticket creation? </a:t>
-            </a:r>
-          </a:p>
-          <a:p>
-            <a:pPr marL="514350" lvl="1" indent="-285750">
-              <a:buFont typeface="Arial" panose="020B0604020202020204" pitchFamily="34" charset="0"/>
-              <a:buChar char="•"/>
-            </a:pPr>
-            <a:r>
-              <a:rPr lang="en-US" dirty="0"/>
-              <a:t>Consistency: “A measure of the degree to which a set of data satisfies a set of constraints”. This metric refers to difference when comparing records from one data source against others that contain the same type of information. Can you identify the required/needed data fields across all data sources available?</a:t>
-            </a:r>
-          </a:p>
-          <a:p>
-            <a:pPr marL="742950" lvl="2" indent="-285750">
-              <a:buFont typeface="Arial" panose="020B0604020202020204" pitchFamily="34" charset="0"/>
-              <a:buChar char="•"/>
-            </a:pPr>
-            <a:r>
-              <a:rPr lang="en-US" dirty="0"/>
-              <a:t>For our example, there are windows logs that cover Kerberos ticket creation, but what about EDRs? Registry entries? Differences between operating system logs (NT4 vs NT5+)?</a:t>
-            </a:r>
-          </a:p>
-          <a:p>
-            <a:pPr marL="514350" lvl="1" indent="-285750">
-              <a:buFont typeface="Arial" panose="020B0604020202020204" pitchFamily="34" charset="0"/>
-              <a:buChar char="•"/>
-            </a:pPr>
-            <a:r>
-              <a:rPr lang="en-US" dirty="0"/>
-              <a:t>Timeliness: “The degree to which specified data values are up to date”. This metric represent reality from the required/needed point in time. An example metric to help evaluate is the amount of time data needs to be retained.</a:t>
-            </a:r>
-          </a:p>
-          <a:p>
-            <a:pPr marL="742950" lvl="2" indent="-285750">
-              <a:buFont typeface="Arial" panose="020B0604020202020204" pitchFamily="34" charset="0"/>
-              <a:buChar char="•"/>
-            </a:pPr>
-            <a:r>
-              <a:rPr lang="en-US" dirty="0"/>
-              <a:t>For our example, which log are Kerberos ticket creation entries made in? How often does this log rotate by default? What about the data in our SIEM, how often does that rotate?</a:t>
-            </a:r>
-          </a:p>
-          <a:p>
-            <a:pPr marL="514350" lvl="1" indent="-285750">
-              <a:buFont typeface="Arial" panose="020B0604020202020204" pitchFamily="34" charset="0"/>
-              <a:buChar char="•"/>
-            </a:pPr>
-            <a:r>
-              <a:rPr lang="en-US" dirty="0"/>
-              <a:t>Uniqueness: “The state of being the only one of its kind”. This is a difficult metric to evaluate and is satisfied by completeness, with the removal of duplicates from other data sources. An example of evaluating this metric would be when building an ELK  data pipeline, creating a schema that correctly coalesces data from windows and vendor logs.</a:t>
-            </a:r>
-          </a:p>
-          <a:p>
-            <a:pPr marL="514350" lvl="1" indent="-285750">
-              <a:buFont typeface="Arial" panose="020B0604020202020204" pitchFamily="34" charset="0"/>
-              <a:buChar char="•"/>
-            </a:pPr>
-            <a:r>
-              <a:rPr lang="en-US" dirty="0"/>
-              <a:t>Validity: “The quality of data that is founded on an adequate system of classification and is rigorous enough to compel acceptance”. Same problem as evaluating accuracy, when it comes to identifying tampering or data being misreported. </a:t>
-            </a:r>
-          </a:p>
-          <a:p>
-            <a:pPr marL="285750" marR="0" lvl="0" indent="-285750" algn="l" defTabSz="914400" rtl="0" eaLnBrk="0" fontAlgn="base" latinLnBrk="0" hangingPunct="0">
-              <a:lnSpc>
-                <a:spcPct val="100000"/>
-              </a:lnSpc>
-              <a:spcBef>
-                <a:spcPts val="300"/>
-              </a:spcBef>
-              <a:spcAft>
-                <a:spcPts val="300"/>
-              </a:spcAft>
-              <a:buClrTx/>
-              <a:buSzTx/>
-              <a:buFont typeface="Arial" panose="020B0604020202020204" pitchFamily="34" charset="0"/>
-              <a:buChar char="•"/>
-              <a:tabLst/>
-              <a:defRPr/>
-            </a:pPr>
-            <a:endParaRPr lang="en-US" dirty="0"/>
-          </a:p>
-          <a:p>
-            <a:pPr marL="0" marR="0" lvl="0" indent="0" algn="l" defTabSz="914400" rtl="0" eaLnBrk="0" fontAlgn="base" latinLnBrk="0" hangingPunct="0">
-              <a:lnSpc>
-                <a:spcPct val="100000"/>
-              </a:lnSpc>
-              <a:spcBef>
-                <a:spcPts val="300"/>
-              </a:spcBef>
-              <a:spcAft>
-                <a:spcPts val="300"/>
-              </a:spcAft>
-              <a:buClrTx/>
-              <a:buSzTx/>
-              <a:buFontTx/>
-              <a:buNone/>
-              <a:tabLst/>
-              <a:defRPr/>
-            </a:pPr>
-            <a:r>
-              <a:rPr lang="en-US" dirty="0"/>
-              <a:t>Sources: </a:t>
-            </a:r>
-          </a:p>
-          <a:p>
-            <a:pPr marL="285750" marR="0" lvl="0" indent="-285750" algn="l" defTabSz="914400" rtl="0" eaLnBrk="0" fontAlgn="base" latinLnBrk="0" hangingPunct="0">
-              <a:lnSpc>
-                <a:spcPct val="100000"/>
-              </a:lnSpc>
-              <a:spcBef>
-                <a:spcPts val="300"/>
-              </a:spcBef>
-              <a:spcAft>
-                <a:spcPts val="300"/>
-              </a:spcAft>
-              <a:buClrTx/>
-              <a:buSzTx/>
-              <a:buFont typeface="Arial" panose="020B0604020202020204" pitchFamily="34" charset="0"/>
-              <a:buChar char="•"/>
-              <a:tabLst/>
-              <a:defRPr/>
-            </a:pPr>
-            <a:r>
-              <a:rPr lang="en-US" b="0" u="sng" dirty="0">
-                <a:solidFill>
-                  <a:srgbClr val="D4D4D4"/>
-                </a:solidFill>
-                <a:effectLst/>
-                <a:latin typeface="Consolas" panose="020B0609020204030204" pitchFamily="49" charset="0"/>
-              </a:rPr>
-              <a:t>https://posts.specterops.io/ready-to-hunt-first-show-me-your-data-a642c6b170d6</a:t>
-            </a:r>
-          </a:p>
-          <a:p>
-            <a:pPr marL="285750" marR="0" lvl="0" indent="-285750" algn="l" defTabSz="914400" rtl="0" eaLnBrk="0" fontAlgn="base" latinLnBrk="0" hangingPunct="0">
-              <a:lnSpc>
-                <a:spcPct val="100000"/>
-              </a:lnSpc>
-              <a:spcBef>
-                <a:spcPts val="300"/>
-              </a:spcBef>
-              <a:spcAft>
-                <a:spcPts val="300"/>
-              </a:spcAft>
-              <a:buClrTx/>
-              <a:buSzTx/>
-              <a:buFont typeface="Arial" panose="020B0604020202020204" pitchFamily="34" charset="0"/>
-              <a:buChar char="•"/>
-              <a:tabLst/>
-              <a:defRPr/>
-            </a:pPr>
-            <a:r>
-              <a:rPr lang="en-US" b="0" dirty="0">
-                <a:solidFill>
-                  <a:srgbClr val="D4D4D4"/>
-                </a:solidFill>
-                <a:effectLst/>
-                <a:latin typeface="Consolas" panose="020B0609020204030204" pitchFamily="49" charset="0"/>
-              </a:rPr>
-              <a:t>http://mitiq.mit.edu/ICIQ/Documents/IQ%20Conference%201996/Papers/DODGuidelinesonDataQualityManagement.pdf</a:t>
-            </a:r>
-          </a:p>
-          <a:p>
             <a:endParaRPr lang="en-US" dirty="0"/>
           </a:p>
         </p:txBody>
@@ -4006,7 +3933,7 @@
     </p:spTree>
     <p:extLst>
       <p:ext uri="{BB962C8B-B14F-4D97-AF65-F5344CB8AC3E}">
-        <p14:creationId xmlns:p14="http://schemas.microsoft.com/office/powerpoint/2010/main" val="3685928485"/>
+        <p14:creationId xmlns:p14="http://schemas.microsoft.com/office/powerpoint/2010/main" val="2125233189"/>
       </p:ext>
     </p:extLst>
   </p:cSld>
@@ -4234,304 +4161,6 @@
       </p:sp>
       <p:sp>
         <p:nvSpPr>
-          <p:cNvPr id="184324" name="Text Box 4"/>
-          <p:cNvSpPr txBox="1">
-            <a:spLocks noChangeArrowheads="1"/>
-          </p:cNvSpPr>
-          <p:nvPr/>
-        </p:nvSpPr>
-        <p:spPr bwMode="auto">
-          <a:xfrm>
-            <a:off x="1732987" y="6078540"/>
-            <a:ext cx="5669280" cy="461665"/>
-          </a:xfrm>
-          <a:prstGeom prst="rect">
-            <a:avLst/>
-          </a:prstGeom>
-          <a:noFill/>
-          <a:ln w="12700">
-            <a:noFill/>
-            <a:miter lim="800000"/>
-            <a:headEnd/>
-            <a:tailEnd/>
-          </a:ln>
-          <a:effectLst/>
-        </p:spPr>
-        <p:txBody>
-          <a:bodyPr anchor="ctr" anchorCtr="1">
-            <a:spAutoFit/>
-          </a:bodyPr>
-          <a:lstStyle/>
-          <a:p>
-            <a:pPr algn="ctr">
-              <a:lnSpc>
-                <a:spcPct val="100000"/>
-              </a:lnSpc>
-              <a:spcBef>
-                <a:spcPts val="0"/>
-              </a:spcBef>
-            </a:pPr>
-            <a:r>
-              <a:rPr lang="en-US" dirty="0">
-                <a:solidFill>
-                  <a:srgbClr val="00DFCA"/>
-                </a:solidFill>
-                <a:effectLst>
-                  <a:outerShdw blurRad="38100" dist="38100" dir="2700000" algn="tl">
-                    <a:srgbClr val="000000">
-                      <a:alpha val="43137"/>
-                    </a:srgbClr>
-                  </a:outerShdw>
-                </a:effectLst>
-              </a:rPr>
-              <a:t>USAF Weapons School • Nellis AFB</a:t>
-            </a:r>
-            <a:endParaRPr lang="en-US" sz="1800" b="0" dirty="0">
-              <a:solidFill>
-                <a:srgbClr val="00DFCA"/>
-              </a:solidFill>
-              <a:effectLst>
-                <a:outerShdw blurRad="38100" dist="38100" dir="2700000" algn="tl">
-                  <a:srgbClr val="000000">
-                    <a:alpha val="43137"/>
-                  </a:srgbClr>
-                </a:outerShdw>
-              </a:effectLst>
-              <a:latin typeface="Arial" charset="0"/>
-            </a:endParaRPr>
-          </a:p>
-        </p:txBody>
-      </p:sp>
-      <p:grpSp>
-        <p:nvGrpSpPr>
-          <p:cNvPr id="184328" name="Group 8"/>
-          <p:cNvGrpSpPr>
-            <a:grpSpLocks/>
-          </p:cNvGrpSpPr>
-          <p:nvPr/>
-        </p:nvGrpSpPr>
-        <p:grpSpPr bwMode="auto">
-          <a:xfrm>
-            <a:off x="3838575" y="3817940"/>
-            <a:ext cx="1447800" cy="1393825"/>
-            <a:chOff x="2418" y="2405"/>
-            <a:chExt cx="912" cy="878"/>
-          </a:xfrm>
-        </p:grpSpPr>
-        <p:pic>
-          <p:nvPicPr>
-            <p:cNvPr id="184329" name="Picture 9" descr="template_ws_patch"/>
-            <p:cNvPicPr>
-              <a:picLocks noChangeAspect="1" noChangeArrowheads="1"/>
-            </p:cNvPicPr>
-            <p:nvPr/>
-          </p:nvPicPr>
-          <p:blipFill>
-            <a:blip r:embed="rId2" cstate="print"/>
-            <a:srcRect/>
-            <a:stretch>
-              <a:fillRect/>
-            </a:stretch>
-          </p:blipFill>
-          <p:spPr bwMode="auto">
-            <a:xfrm>
-              <a:off x="2572" y="2405"/>
-              <a:ext cx="617" cy="748"/>
-            </a:xfrm>
-            <a:prstGeom prst="rect">
-              <a:avLst/>
-            </a:prstGeom>
-            <a:noFill/>
-            <a:ln w="9525">
-              <a:noFill/>
-              <a:miter lim="800000"/>
-              <a:headEnd/>
-              <a:tailEnd/>
-            </a:ln>
-          </p:spPr>
-        </p:pic>
-        <p:sp>
-          <p:nvSpPr>
-            <p:cNvPr id="184330" name="AutoShape 10" descr="Large checker board"/>
-            <p:cNvSpPr>
-              <a:spLocks noChangeArrowheads="1"/>
-            </p:cNvSpPr>
-            <p:nvPr/>
-          </p:nvSpPr>
-          <p:spPr bwMode="auto">
-            <a:xfrm flipH="1" flipV="1">
-              <a:off x="2418" y="3043"/>
-              <a:ext cx="912" cy="240"/>
-            </a:xfrm>
-            <a:prstGeom prst="ellipseRibbon2">
-              <a:avLst>
-                <a:gd name="adj1" fmla="val 50000"/>
-                <a:gd name="adj2" fmla="val 56019"/>
-                <a:gd name="adj3" fmla="val 25000"/>
-              </a:avLst>
-            </a:prstGeom>
-            <a:pattFill prst="lgCheck">
-              <a:fgClr>
-                <a:schemeClr val="tx2"/>
-              </a:fgClr>
-              <a:bgClr>
-                <a:schemeClr val="bg2"/>
-              </a:bgClr>
-            </a:pattFill>
-            <a:ln w="12700">
-              <a:solidFill>
-                <a:schemeClr val="bg2"/>
-              </a:solidFill>
-              <a:round/>
-              <a:headEnd/>
-              <a:tailEnd/>
-            </a:ln>
-            <a:effectLst/>
-          </p:spPr>
-          <p:txBody>
-            <a:bodyPr wrap="none" anchor="ctr"/>
-            <a:lstStyle/>
-            <a:p>
-              <a:endParaRPr lang="en-US" dirty="0">
-                <a:effectLst>
-                  <a:outerShdw blurRad="38100" dist="38100" dir="2700000" algn="tl">
-                    <a:srgbClr val="000000">
-                      <a:alpha val="43137"/>
-                    </a:srgbClr>
-                  </a:outerShdw>
-                </a:effectLst>
-              </a:endParaRPr>
-            </a:p>
-          </p:txBody>
-        </p:sp>
-      </p:grpSp>
-      <p:sp>
-        <p:nvSpPr>
-          <p:cNvPr id="184331" name="Rectangle 11"/>
-          <p:cNvSpPr>
-            <a:spLocks noChangeArrowheads="1"/>
-          </p:cNvSpPr>
-          <p:nvPr userDrawn="1"/>
-        </p:nvSpPr>
-        <p:spPr bwMode="auto">
-          <a:xfrm>
-            <a:off x="0" y="2"/>
-            <a:ext cx="9144000" cy="366767"/>
-          </a:xfrm>
-          <a:prstGeom prst="rect">
-            <a:avLst/>
-          </a:prstGeom>
-          <a:noFill/>
-          <a:ln w="12700">
-            <a:noFill/>
-            <a:miter lim="800000"/>
-            <a:headEnd/>
-            <a:tailEnd/>
-          </a:ln>
-          <a:effectLst/>
-        </p:spPr>
-        <p:txBody>
-          <a:bodyPr lIns="90488" tIns="44450" rIns="90488" bIns="44450" anchor="ctr" anchorCtr="1">
-            <a:spAutoFit/>
-          </a:bodyPr>
-          <a:lstStyle/>
-          <a:p>
-            <a:pPr marL="0" marR="0" indent="0" algn="ctr" defTabSz="914400" rtl="0" eaLnBrk="0" fontAlgn="base" latinLnBrk="0" hangingPunct="0">
-              <a:lnSpc>
-                <a:spcPct val="100000"/>
-              </a:lnSpc>
-              <a:spcBef>
-                <a:spcPts val="0"/>
-              </a:spcBef>
-              <a:spcAft>
-                <a:spcPct val="0"/>
-              </a:spcAft>
-              <a:buClrTx/>
-              <a:buSzTx/>
-              <a:buFontTx/>
-              <a:buNone/>
-              <a:tabLst/>
-              <a:defRPr/>
-            </a:pPr>
-            <a:r>
-              <a:rPr lang="en-US" sz="1800" dirty="0">
-                <a:solidFill>
-                  <a:schemeClr val="accent2"/>
-                </a:solidFill>
-                <a:effectLst>
-                  <a:outerShdw blurRad="38100" dist="38100" dir="2700000" algn="tl">
-                    <a:srgbClr val="000000">
-                      <a:alpha val="43137"/>
-                    </a:srgbClr>
-                  </a:outerShdw>
-                </a:effectLst>
-                <a:latin typeface="Arial" charset="0"/>
-              </a:rPr>
-              <a:t>UNCLASSIFIED</a:t>
-            </a:r>
-          </a:p>
-        </p:txBody>
-      </p:sp>
-      <p:sp>
-        <p:nvSpPr>
-          <p:cNvPr id="184332" name="Rectangle 12"/>
-          <p:cNvSpPr>
-            <a:spLocks noChangeArrowheads="1"/>
-          </p:cNvSpPr>
-          <p:nvPr userDrawn="1"/>
-        </p:nvSpPr>
-        <p:spPr bwMode="auto">
-          <a:xfrm>
-            <a:off x="0" y="6494465"/>
-            <a:ext cx="9144000" cy="366767"/>
-          </a:xfrm>
-          <a:prstGeom prst="rect">
-            <a:avLst/>
-          </a:prstGeom>
-          <a:noFill/>
-          <a:ln w="12700">
-            <a:noFill/>
-            <a:miter lim="800000"/>
-            <a:headEnd/>
-            <a:tailEnd/>
-          </a:ln>
-          <a:effectLst/>
-        </p:spPr>
-        <p:txBody>
-          <a:bodyPr lIns="90488" tIns="44450" rIns="90488" bIns="44450" anchor="ctr" anchorCtr="1">
-            <a:spAutoFit/>
-          </a:bodyPr>
-          <a:lstStyle/>
-          <a:p>
-            <a:pPr algn="ctr">
-              <a:lnSpc>
-                <a:spcPct val="100000"/>
-              </a:lnSpc>
-              <a:spcBef>
-                <a:spcPts val="0"/>
-              </a:spcBef>
-            </a:pPr>
-            <a:r>
-              <a:rPr lang="en-US" sz="1800" dirty="0">
-                <a:solidFill>
-                  <a:schemeClr val="accent2"/>
-                </a:solidFill>
-                <a:effectLst>
-                  <a:outerShdw blurRad="38100" dist="38100" dir="2700000" algn="tl">
-                    <a:srgbClr val="000000">
-                      <a:alpha val="43137"/>
-                    </a:srgbClr>
-                  </a:outerShdw>
-                </a:effectLst>
-                <a:latin typeface="Arial" charset="0"/>
-              </a:rPr>
-              <a:t>UNCLASSIFIED</a:t>
-            </a:r>
-          </a:p>
-        </p:txBody>
-      </p:sp>
-      <p:sp>
-        <p:nvSpPr>
           <p:cNvPr id="11" name="Rectangle 1036"/>
           <p:cNvSpPr>
             <a:spLocks noChangeArrowheads="1"/>
@@ -4579,7 +4208,7 @@
                   </a:outerShdw>
                 </a:effectLst>
               </a:rPr>
-              <a:t>Instructor: SSgt Thomas “Blue” Blauvelt</a:t>
+              <a:t>Instructor: Thomas “Blue” Blauvelt</a:t>
             </a:r>
             <a:endParaRPr lang="en-US" sz="3200" b="0" dirty="0">
               <a:solidFill>
@@ -4626,7 +4255,7 @@
             <a:r>
               <a:rPr lang="en-US" sz="4800" dirty="0">
                 <a:solidFill>
-                  <a:srgbClr val="FF9B03"/>
+                  <a:schemeClr val="tx2"/>
                 </a:solidFill>
                 <a:effectLst>
                   <a:outerShdw blurRad="38100" dist="38100" dir="2700000" algn="tl">
@@ -4636,7 +4265,7 @@
                   </a:outerShdw>
                 </a:effectLst>
               </a:rPr>
-              <a:t>DCO Planning: Detection, Analysis &amp; Pivoting</a:t>
+              <a:t>Detection, Analysis &amp; Pivoting</a:t>
             </a:r>
           </a:p>
         </p:txBody>
@@ -4664,22 +4293,19 @@
           <a:lstStyle/>
           <a:p>
             <a:pPr algn="ctr"/>
-            <a:r>
-              <a:rPr lang="en-US" sz="6000" dirty="0">
-                <a:solidFill>
-                  <a:srgbClr val="FFFF00"/>
-                </a:solidFill>
-                <a:effectLst>
-                  <a:outerShdw blurRad="38100" dist="38100" dir="2700000" algn="tl">
-                    <a:srgbClr val="000000">
-                      <a:alpha val="43137"/>
-                    </a:srgbClr>
-                  </a:outerShdw>
-                </a:effectLst>
-                <a:latin typeface="+mj-lt"/>
-              </a:rPr>
-              <a:t>MSNXXXK</a:t>
-            </a:r>
+            <a:endParaRPr lang="en-US" sz="6000" dirty="0">
+              <a:solidFill>
+                <a:srgbClr val="FFFF00"/>
+              </a:solidFill>
+              <a:effectLst>
+                <a:outerShdw blurRad="38100" dist="38100" dir="2700000" algn="tl">
+                  <a:srgbClr val="000000">
+                    <a:alpha val="43137"/>
+                  </a:srgbClr>
+                </a:outerShdw>
+              </a:effectLst>
+              <a:latin typeface="+mj-lt"/>
+            </a:endParaRPr>
           </a:p>
         </p:txBody>
       </p:sp>
@@ -5446,7 +5072,7 @@
                   </a:outerShdw>
                 </a:effectLst>
               </a:rPr>
-              <a:t>Instructor’s name:	SSgt Thomas “Blue” Blauvelt</a:t>
+              <a:t>Instructor’s name:	Thomas “Blue” Blauvelt</a:t>
             </a:r>
           </a:p>
           <a:p>
@@ -5484,141 +5110,7 @@
                   </a:outerShdw>
                 </a:effectLst>
               </a:rPr>
-              <a:t>Instructor’s address:	USAF Weapons School</a:t>
-            </a:r>
-            <a:br>
-              <a:rPr lang="en-US" sz="2800" dirty="0">
-                <a:solidFill>
-                  <a:schemeClr val="tx1"/>
-                </a:solidFill>
-                <a:effectLst>
-                  <a:outerShdw blurRad="38100" dist="38100" dir="2700000" algn="tl">
-                    <a:srgbClr val="000000">
-                      <a:alpha val="43137"/>
-                    </a:srgbClr>
-                  </a:outerShdw>
-                </a:effectLst>
-              </a:rPr>
-            </a:br>
-            <a:r>
-              <a:rPr lang="en-US" sz="2800" dirty="0">
-                <a:solidFill>
-                  <a:schemeClr val="tx1"/>
-                </a:solidFill>
-                <a:effectLst>
-                  <a:outerShdw blurRad="38100" dist="38100" dir="2700000" algn="tl">
-                    <a:srgbClr val="000000">
-                      <a:alpha val="43137"/>
-                    </a:srgbClr>
-                  </a:outerShdw>
-                </a:effectLst>
-              </a:rPr>
-              <a:t>	4269 Tyndall Avenue</a:t>
-            </a:r>
-            <a:br>
-              <a:rPr lang="en-US" sz="2800" dirty="0">
-                <a:solidFill>
-                  <a:schemeClr val="tx1"/>
-                </a:solidFill>
-                <a:effectLst>
-                  <a:outerShdw blurRad="38100" dist="38100" dir="2700000" algn="tl">
-                    <a:srgbClr val="000000">
-                      <a:alpha val="43137"/>
-                    </a:srgbClr>
-                  </a:outerShdw>
-                </a:effectLst>
-              </a:rPr>
-            </a:br>
-            <a:r>
-              <a:rPr lang="en-US" sz="2800" dirty="0">
-                <a:solidFill>
-                  <a:schemeClr val="tx1"/>
-                </a:solidFill>
-                <a:effectLst>
-                  <a:outerShdw blurRad="38100" dist="38100" dir="2700000" algn="tl">
-                    <a:srgbClr val="000000">
-                      <a:alpha val="43137"/>
-                    </a:srgbClr>
-                  </a:outerShdw>
-                </a:effectLst>
-              </a:rPr>
-              <a:t>	Nellis AFB NV 89191-6062</a:t>
-            </a:r>
-          </a:p>
-          <a:p>
-            <a:pPr marL="320040" lvl="0" indent="-320040" algn="l">
-              <a:lnSpc>
-                <a:spcPct val="100000"/>
-              </a:lnSpc>
-              <a:spcBef>
-                <a:spcPts val="300"/>
-              </a:spcBef>
-              <a:spcAft>
-                <a:spcPts val="300"/>
-              </a:spcAft>
-              <a:buClr>
-                <a:schemeClr val="tx2"/>
-              </a:buClr>
-              <a:buSzPct val="125000"/>
-              <a:buFont typeface="Arial Narrow" pitchFamily="34" charset="0"/>
-              <a:buChar char="–"/>
-              <a:tabLst>
-                <a:tab pos="3430588" algn="l"/>
-                <a:tab pos="8064500" algn="l"/>
-              </a:tabLst>
-            </a:pPr>
-            <a:r>
-              <a:rPr lang="en-US" sz="2800" dirty="0">
-                <a:solidFill>
-                  <a:schemeClr val="tx1"/>
-                </a:solidFill>
-                <a:effectLst>
-                  <a:outerShdw blurRad="38100" dist="38100" dir="2700000" algn="tl">
-                    <a:srgbClr val="000000">
-                      <a:alpha val="43137"/>
-                    </a:srgbClr>
-                  </a:outerShdw>
-                </a:effectLst>
-              </a:rPr>
-              <a:t>Instructor’s phone:	(702) 679-0335</a:t>
-            </a:r>
-          </a:p>
-          <a:p>
-            <a:pPr marL="320040" lvl="0" indent="-320040" algn="l">
-              <a:lnSpc>
-                <a:spcPct val="100000"/>
-              </a:lnSpc>
-              <a:spcBef>
-                <a:spcPts val="300"/>
-              </a:spcBef>
-              <a:spcAft>
-                <a:spcPts val="300"/>
-              </a:spcAft>
-              <a:buClr>
-                <a:schemeClr val="tx2"/>
-              </a:buClr>
-              <a:buSzPct val="125000"/>
-              <a:buFont typeface="Arial Narrow" pitchFamily="34" charset="0"/>
-              <a:buChar char="–"/>
-              <a:tabLst>
-                <a:tab pos="3430588" algn="l"/>
-                <a:tab pos="8064500" algn="l"/>
-              </a:tabLst>
-            </a:pPr>
-            <a:r>
-              <a:rPr lang="en-US" sz="2800" dirty="0">
-                <a:solidFill>
-                  <a:schemeClr val="tx1"/>
-                </a:solidFill>
-                <a:effectLst>
-                  <a:outerShdw blurRad="38100" dist="38100" dir="2700000" algn="tl">
-                    <a:srgbClr val="000000">
-                      <a:alpha val="43137"/>
-                    </a:srgbClr>
-                  </a:outerShdw>
-                </a:effectLst>
-              </a:rPr>
-              <a:t>Instructor’s e-mail:	thomas.blauvelt@us.af.mil</a:t>
+              <a:t>Instructor’s e-mail:	tcblauvelt@gmail.com</a:t>
             </a:r>
           </a:p>
         </p:txBody>
@@ -6269,108 +5761,6 @@
       </p:sp>
       <p:sp>
         <p:nvSpPr>
-          <p:cNvPr id="183300" name="Rectangle 4"/>
-          <p:cNvSpPr>
-            <a:spLocks noChangeArrowheads="1"/>
-          </p:cNvSpPr>
-          <p:nvPr/>
-        </p:nvSpPr>
-        <p:spPr bwMode="auto">
-          <a:xfrm>
-            <a:off x="0" y="2"/>
-            <a:ext cx="9144000" cy="366767"/>
-          </a:xfrm>
-          <a:prstGeom prst="rect">
-            <a:avLst/>
-          </a:prstGeom>
-          <a:noFill/>
-          <a:ln w="12700">
-            <a:noFill/>
-            <a:miter lim="800000"/>
-            <a:headEnd/>
-            <a:tailEnd/>
-          </a:ln>
-          <a:effectLst/>
-        </p:spPr>
-        <p:txBody>
-          <a:bodyPr lIns="90488" tIns="44450" rIns="90488" bIns="44450" anchor="ctr" anchorCtr="1">
-            <a:spAutoFit/>
-          </a:bodyPr>
-          <a:lstStyle/>
-          <a:p>
-            <a:pPr algn="ctr"/>
-            <a:r>
-              <a:rPr lang="en-US" sz="1800" dirty="0">
-                <a:solidFill>
-                  <a:schemeClr val="accent2"/>
-                </a:solidFill>
-                <a:effectLst>
-                  <a:outerShdw blurRad="38100" dist="38100" dir="2700000" algn="tl">
-                    <a:srgbClr val="000000">
-                      <a:alpha val="43137"/>
-                    </a:srgbClr>
-                  </a:outerShdw>
-                </a:effectLst>
-                <a:latin typeface="Arial" charset="0"/>
-              </a:rPr>
-              <a:t>UNCLASSIFIED</a:t>
-            </a:r>
-          </a:p>
-        </p:txBody>
-      </p:sp>
-      <p:sp>
-        <p:nvSpPr>
-          <p:cNvPr id="183301" name="Rectangle 5"/>
-          <p:cNvSpPr>
-            <a:spLocks noChangeArrowheads="1"/>
-          </p:cNvSpPr>
-          <p:nvPr/>
-        </p:nvSpPr>
-        <p:spPr bwMode="auto">
-          <a:xfrm>
-            <a:off x="0" y="6494465"/>
-            <a:ext cx="9144000" cy="366767"/>
-          </a:xfrm>
-          <a:prstGeom prst="rect">
-            <a:avLst/>
-          </a:prstGeom>
-          <a:noFill/>
-          <a:ln w="12700">
-            <a:noFill/>
-            <a:miter lim="800000"/>
-            <a:headEnd/>
-            <a:tailEnd/>
-          </a:ln>
-          <a:effectLst/>
-        </p:spPr>
-        <p:txBody>
-          <a:bodyPr lIns="90488" tIns="44450" rIns="90488" bIns="44450" anchor="ctr" anchorCtr="1">
-            <a:spAutoFit/>
-          </a:bodyPr>
-          <a:lstStyle/>
-          <a:p>
-            <a:pPr algn="ctr"/>
-            <a:r>
-              <a:rPr lang="en-US" sz="1800" dirty="0">
-                <a:solidFill>
-                  <a:schemeClr val="accent2"/>
-                </a:solidFill>
-                <a:effectLst>
-                  <a:outerShdw blurRad="38100" dist="38100" dir="2700000" algn="tl">
-                    <a:srgbClr val="000000">
-                      <a:alpha val="43137"/>
-                    </a:srgbClr>
-                  </a:outerShdw>
-                </a:effectLst>
-                <a:latin typeface="Arial" charset="0"/>
-              </a:rPr>
-              <a:t>UNCLASSIFIED</a:t>
-            </a:r>
-          </a:p>
-        </p:txBody>
-      </p:sp>
-      <p:sp>
-        <p:nvSpPr>
           <p:cNvPr id="183302" name="Rectangle 6"/>
           <p:cNvSpPr>
             <a:spLocks noGrp="1" noChangeArrowheads="1"/>
@@ -6412,109 +5802,6 @@
           </a:p>
         </p:txBody>
       </p:sp>
-      <p:grpSp>
-        <p:nvGrpSpPr>
-          <p:cNvPr id="183303" name="Group 7"/>
-          <p:cNvGrpSpPr>
-            <a:grpSpLocks/>
-          </p:cNvGrpSpPr>
-          <p:nvPr/>
-        </p:nvGrpSpPr>
-        <p:grpSpPr bwMode="auto">
-          <a:xfrm>
-            <a:off x="149225" y="112715"/>
-            <a:ext cx="1447800" cy="1393825"/>
-            <a:chOff x="94" y="71"/>
-            <a:chExt cx="912" cy="878"/>
-          </a:xfrm>
-        </p:grpSpPr>
-        <p:pic>
-          <p:nvPicPr>
-            <p:cNvPr id="183304" name="Picture 8" descr="template_ws_patch"/>
-            <p:cNvPicPr>
-              <a:picLocks noChangeAspect="1" noChangeArrowheads="1"/>
-            </p:cNvPicPr>
-            <p:nvPr userDrawn="1"/>
-          </p:nvPicPr>
-          <p:blipFill>
-            <a:blip r:embed="rId8" cstate="print"/>
-            <a:srcRect/>
-            <a:stretch>
-              <a:fillRect/>
-            </a:stretch>
-          </p:blipFill>
-          <p:spPr bwMode="auto">
-            <a:xfrm>
-              <a:off x="242" y="71"/>
-              <a:ext cx="617" cy="748"/>
-            </a:xfrm>
-            <a:prstGeom prst="rect">
-              <a:avLst/>
-            </a:prstGeom>
-            <a:noFill/>
-            <a:ln w="9525">
-              <a:noFill/>
-              <a:miter lim="800000"/>
-              <a:headEnd/>
-              <a:tailEnd/>
-            </a:ln>
-          </p:spPr>
-        </p:pic>
-        <p:sp>
-          <p:nvSpPr>
-            <p:cNvPr id="183305" name="AutoShape 9" descr="Large checker board"/>
-            <p:cNvSpPr>
-              <a:spLocks noChangeArrowheads="1"/>
-            </p:cNvSpPr>
-            <p:nvPr userDrawn="1"/>
-          </p:nvSpPr>
-          <p:spPr bwMode="auto">
-            <a:xfrm flipH="1" flipV="1">
-              <a:off x="94" y="709"/>
-              <a:ext cx="912" cy="240"/>
-            </a:xfrm>
-            <a:prstGeom prst="ellipseRibbon2">
-              <a:avLst>
-                <a:gd name="adj1" fmla="val 50000"/>
-                <a:gd name="adj2" fmla="val 56019"/>
-                <a:gd name="adj3" fmla="val 25000"/>
-              </a:avLst>
-            </a:prstGeom>
-            <a:pattFill prst="lgCheck">
-              <a:fgClr>
-                <a:schemeClr val="tx2"/>
-              </a:fgClr>
-              <a:bgClr>
-                <a:schemeClr val="bg2"/>
-              </a:bgClr>
-            </a:pattFill>
-            <a:ln w="12700">
-              <a:solidFill>
-                <a:schemeClr val="bg2"/>
-              </a:solidFill>
-              <a:round/>
-              <a:headEnd/>
-              <a:tailEnd/>
-            </a:ln>
-            <a:effectLst/>
-          </p:spPr>
-          <p:txBody>
-            <a:bodyPr wrap="none" anchor="ctr"/>
-            <a:lstStyle/>
-            <a:p>
-              <a:endParaRPr lang="en-US" dirty="0">
-                <a:effectLst>
-                  <a:outerShdw blurRad="38100" dist="38100" dir="2700000" algn="tl">
-                    <a:srgbClr val="000000">
-                      <a:alpha val="43137"/>
-                    </a:srgbClr>
-                  </a:outerShdw>
-                </a:effectLst>
-              </a:endParaRPr>
-            </a:p>
-          </p:txBody>
-        </p:sp>
-      </p:grpSp>
       <p:sp>
         <p:nvSpPr>
           <p:cNvPr id="183306" name="Rectangle 10"/>
@@ -7146,139 +6433,6 @@
 </file>
 
 <file path=ppt/slides/slide1.xml><?xml version="1.0" encoding="utf-8"?>
-<p:sld xmlns:a="http://schemas.openxmlformats.org/drawingml/2006/main" xmlns:r="http://schemas.openxmlformats.org/officeDocument/2006/relationships" xmlns:p="http://schemas.openxmlformats.org/presentationml/2006/main" show="0">
-  <p:cSld>
-    <p:spTree>
-      <p:nvGrpSpPr>
-        <p:cNvPr id="1" name=""/>
-        <p:cNvGrpSpPr/>
-        <p:nvPr/>
-      </p:nvGrpSpPr>
-      <p:grpSpPr>
-        <a:xfrm>
-          <a:off x="0" y="0"/>
-          <a:ext cx="0" cy="0"/>
-          <a:chOff x="0" y="0"/>
-          <a:chExt cx="0" cy="0"/>
-        </a:xfrm>
-      </p:grpSpPr>
-      <p:sp>
-        <p:nvSpPr>
-          <p:cNvPr id="2" name="Content Placeholder 1"/>
-          <p:cNvSpPr>
-            <a:spLocks noGrp="1"/>
-          </p:cNvSpPr>
-          <p:nvPr>
-            <p:ph idx="1"/>
-          </p:nvPr>
-        </p:nvSpPr>
-        <p:spPr/>
-        <p:txBody>
-          <a:bodyPr/>
-          <a:lstStyle/>
-          <a:p>
-            <a:r>
-              <a:rPr lang="en-US" dirty="0"/>
-              <a:t>Instructor prefers key sections of notes to be in bold</a:t>
-            </a:r>
-          </a:p>
-          <a:p>
-            <a:r>
-              <a:rPr lang="en-US" dirty="0"/>
-              <a:t>Do not print the following hidden slides in SSG: 0, 13, 14, 16, 18, 20, 22-27, 37, 46, 58-60, 64, 77, 86-90, 95, 96 and 105-110</a:t>
-            </a:r>
-          </a:p>
-          <a:p>
-            <a:r>
-              <a:rPr lang="en-US" dirty="0"/>
-              <a:t>Print the following slides full-size and in </a:t>
-            </a:r>
-            <a:r>
-              <a:rPr lang="en-US" dirty="0">
-                <a:solidFill>
-                  <a:schemeClr val="accent1"/>
-                </a:solidFill>
-              </a:rPr>
-              <a:t>c</a:t>
-            </a:r>
-            <a:r>
-              <a:rPr lang="en-US" dirty="0">
-                <a:solidFill>
-                  <a:schemeClr val="accent2"/>
-                </a:solidFill>
-              </a:rPr>
-              <a:t>o</a:t>
-            </a:r>
-            <a:r>
-              <a:rPr lang="en-US" dirty="0">
-                <a:solidFill>
-                  <a:srgbClr val="C00000"/>
-                </a:solidFill>
-              </a:rPr>
-              <a:t>l</a:t>
-            </a:r>
-            <a:r>
-              <a:rPr lang="en-US" dirty="0">
-                <a:solidFill>
-                  <a:schemeClr val="tx2"/>
-                </a:solidFill>
-              </a:rPr>
-              <a:t>o</a:t>
-            </a:r>
-            <a:r>
-              <a:rPr lang="en-US" dirty="0">
-                <a:solidFill>
-                  <a:srgbClr val="00B0F0"/>
-                </a:solidFill>
-              </a:rPr>
-              <a:t>r</a:t>
-            </a:r>
-            <a:r>
-              <a:rPr lang="en-US" dirty="0"/>
-              <a:t> in the back of the SSG: 12, 15, 17, 19, 21, 44, 68, 74, 76, 79, 80, 82, 83, 84 and 85</a:t>
-            </a:r>
-          </a:p>
-          <a:p>
-            <a:endParaRPr lang="en-US" dirty="0"/>
-          </a:p>
-        </p:txBody>
-      </p:sp>
-      <p:sp>
-        <p:nvSpPr>
-          <p:cNvPr id="3" name="Title 2"/>
-          <p:cNvSpPr>
-            <a:spLocks noGrp="1"/>
-          </p:cNvSpPr>
-          <p:nvPr>
-            <p:ph type="title"/>
-          </p:nvPr>
-        </p:nvSpPr>
-        <p:spPr/>
-        <p:txBody>
-          <a:bodyPr/>
-          <a:lstStyle/>
-          <a:p>
-            <a:r>
-              <a:rPr lang="en-US" dirty="0"/>
-              <a:t>Print Instructions</a:t>
-            </a:r>
-          </a:p>
-        </p:txBody>
-      </p:sp>
-    </p:spTree>
-    <p:extLst>
-      <p:ext uri="{BB962C8B-B14F-4D97-AF65-F5344CB8AC3E}">
-        <p14:creationId xmlns:p14="http://schemas.microsoft.com/office/powerpoint/2010/main" val="3381313841"/>
-      </p:ext>
-    </p:extLst>
-  </p:cSld>
-  <p:clrMapOvr>
-    <a:masterClrMapping/>
-  </p:clrMapOvr>
-</p:sld>
-</file>
-
-<file path=ppt/slides/slide10.xml><?xml version="1.0" encoding="utf-8"?>
 <p:sld xmlns:a="http://schemas.openxmlformats.org/drawingml/2006/main" xmlns:r="http://schemas.openxmlformats.org/officeDocument/2006/relationships" xmlns:p="http://schemas.openxmlformats.org/presentationml/2006/main">
   <p:cSld>
     <p:spTree>
@@ -7295,125 +6449,16 @@
           <a:chExt cx="0" cy="0"/>
         </a:xfrm>
       </p:grpSpPr>
-      <p:sp>
-        <p:nvSpPr>
-          <p:cNvPr id="2" name="Content Placeholder 1">
-            <a:extLst>
-              <a:ext uri="{FF2B5EF4-FFF2-40B4-BE49-F238E27FC236}">
-                <a16:creationId xmlns:a16="http://schemas.microsoft.com/office/drawing/2014/main" id="{8A36D28E-94B7-60E0-D0CA-F657A5AC6048}"/>
-              </a:ext>
-            </a:extLst>
-          </p:cNvPr>
-          <p:cNvSpPr>
-            <a:spLocks noGrp="1"/>
-          </p:cNvSpPr>
-          <p:nvPr>
-            <p:ph idx="1"/>
-          </p:nvPr>
-        </p:nvSpPr>
-        <p:spPr/>
-        <p:txBody>
-          <a:bodyPr/>
-          <a:lstStyle/>
-          <a:p>
-            <a:r>
-              <a:rPr lang="en-US" dirty="0">
-                <a:solidFill>
-                  <a:schemeClr val="tx2"/>
-                </a:solidFill>
-              </a:rPr>
-              <a:t>True Positive – Identified security related event</a:t>
-            </a:r>
-          </a:p>
-          <a:p>
-            <a:r>
-              <a:rPr lang="en-US" dirty="0">
-                <a:solidFill>
-                  <a:schemeClr val="tx2"/>
-                </a:solidFill>
-              </a:rPr>
-              <a:t>True Negative – Un-identified non-security related event</a:t>
-            </a:r>
-          </a:p>
-          <a:p>
-            <a:r>
-              <a:rPr lang="en-US" dirty="0">
-                <a:solidFill>
-                  <a:schemeClr val="tx2"/>
-                </a:solidFill>
-              </a:rPr>
-              <a:t>False Positive – Identified non-security related event</a:t>
-            </a:r>
-          </a:p>
-          <a:p>
-            <a:r>
-              <a:rPr lang="en-US" dirty="0">
-                <a:solidFill>
-                  <a:schemeClr val="tx2"/>
-                </a:solidFill>
-              </a:rPr>
-              <a:t>False Negative – Un-identified security related event</a:t>
-            </a:r>
-          </a:p>
-          <a:p>
-            <a:r>
-              <a:rPr lang="en-US" dirty="0"/>
-              <a:t>Guilty vs. Not Guilty</a:t>
-            </a:r>
-          </a:p>
-          <a:p>
-            <a:r>
-              <a:rPr lang="en-US" dirty="0"/>
-              <a:t>FP ∝ 1/FN</a:t>
-            </a:r>
-          </a:p>
-          <a:p>
-            <a:endParaRPr lang="en-US" dirty="0"/>
-          </a:p>
-        </p:txBody>
-      </p:sp>
-      <p:sp>
-        <p:nvSpPr>
-          <p:cNvPr id="3" name="Title 2">
-            <a:extLst>
-              <a:ext uri="{FF2B5EF4-FFF2-40B4-BE49-F238E27FC236}">
-                <a16:creationId xmlns:a16="http://schemas.microsoft.com/office/drawing/2014/main" id="{BD6E398B-A66E-A5E9-873A-C885C5FBADAE}"/>
-              </a:ext>
-            </a:extLst>
-          </p:cNvPr>
-          <p:cNvSpPr>
-            <a:spLocks noGrp="1"/>
-          </p:cNvSpPr>
-          <p:nvPr>
-            <p:ph type="title"/>
-          </p:nvPr>
-        </p:nvSpPr>
-        <p:spPr/>
-        <p:txBody>
-          <a:bodyPr/>
-          <a:lstStyle/>
-          <a:p>
-            <a:r>
-              <a:rPr lang="en-US" dirty="0"/>
-              <a:t>TP/TN/FP/FN</a:t>
-            </a:r>
-          </a:p>
-        </p:txBody>
-      </p:sp>
     </p:spTree>
-    <p:extLst>
-      <p:ext uri="{BB962C8B-B14F-4D97-AF65-F5344CB8AC3E}">
-        <p14:creationId xmlns:p14="http://schemas.microsoft.com/office/powerpoint/2010/main" val="1887401539"/>
-      </p:ext>
-    </p:extLst>
   </p:cSld>
   <p:clrMapOvr>
     <a:masterClrMapping/>
   </p:clrMapOvr>
+  <p:transition/>
 </p:sld>
 </file>
 
-<file path=ppt/slides/slide11.xml><?xml version="1.0" encoding="utf-8"?>
+<file path=ppt/slides/slide10.xml><?xml version="1.0" encoding="utf-8"?>
 <p:sld xmlns:a="http://schemas.openxmlformats.org/drawingml/2006/main" xmlns:r="http://schemas.openxmlformats.org/officeDocument/2006/relationships" xmlns:p="http://schemas.openxmlformats.org/presentationml/2006/main">
   <p:cSld>
     <p:spTree>
@@ -9751,7 +8796,7 @@
 </p:sld>
 </file>
 
-<file path=ppt/slides/slide12.xml><?xml version="1.0" encoding="utf-8"?>
+<file path=ppt/slides/slide11.xml><?xml version="1.0" encoding="utf-8"?>
 <p:sld xmlns:a="http://schemas.openxmlformats.org/drawingml/2006/main" xmlns:r="http://schemas.openxmlformats.org/officeDocument/2006/relationships" xmlns:p="http://schemas.openxmlformats.org/presentationml/2006/main">
   <p:cSld>
     <p:spTree>
@@ -10224,7 +9269,7 @@
 </p:sld>
 </file>
 
-<file path=ppt/slides/slide13.xml><?xml version="1.0" encoding="utf-8"?>
+<file path=ppt/slides/slide12.xml><?xml version="1.0" encoding="utf-8"?>
 <p:sld xmlns:a="http://schemas.openxmlformats.org/drawingml/2006/main" xmlns:r="http://schemas.openxmlformats.org/officeDocument/2006/relationships" xmlns:p="http://schemas.openxmlformats.org/presentationml/2006/main">
   <p:cSld>
     <p:spTree>
@@ -10343,7 +9388,7 @@
 </p:sld>
 </file>
 
-<file path=ppt/slides/slide14.xml><?xml version="1.0" encoding="utf-8"?>
+<file path=ppt/slides/slide13.xml><?xml version="1.0" encoding="utf-8"?>
 <p:sld xmlns:a="http://schemas.openxmlformats.org/drawingml/2006/main" xmlns:r="http://schemas.openxmlformats.org/officeDocument/2006/relationships" xmlns:p="http://schemas.openxmlformats.org/presentationml/2006/main">
   <p:cSld>
     <p:spTree>
@@ -10517,7 +9562,7 @@
 </p:sld>
 </file>
 
-<file path=ppt/slides/slide15.xml><?xml version="1.0" encoding="utf-8"?>
+<file path=ppt/slides/slide14.xml><?xml version="1.0" encoding="utf-8"?>
 <p:sld xmlns:a="http://schemas.openxmlformats.org/drawingml/2006/main" xmlns:r="http://schemas.openxmlformats.org/officeDocument/2006/relationships" xmlns:p="http://schemas.openxmlformats.org/presentationml/2006/main">
   <p:cSld>
     <p:spTree>
@@ -11000,7 +10045,7 @@
 </p:sld>
 </file>
 
-<file path=ppt/slides/slide16.xml><?xml version="1.0" encoding="utf-8"?>
+<file path=ppt/slides/slide15.xml><?xml version="1.0" encoding="utf-8"?>
 <p:sld xmlns:a="http://schemas.openxmlformats.org/drawingml/2006/main" xmlns:r="http://schemas.openxmlformats.org/officeDocument/2006/relationships" xmlns:p="http://schemas.openxmlformats.org/presentationml/2006/main">
   <p:cSld>
     <p:spTree>
@@ -11573,7 +10618,7 @@
 </p:sld>
 </file>
 
-<file path=ppt/slides/slide17.xml><?xml version="1.0" encoding="utf-8"?>
+<file path=ppt/slides/slide16.xml><?xml version="1.0" encoding="utf-8"?>
 <p:sld xmlns:a="http://schemas.openxmlformats.org/drawingml/2006/main" xmlns:r="http://schemas.openxmlformats.org/officeDocument/2006/relationships" xmlns:p="http://schemas.openxmlformats.org/presentationml/2006/main">
   <p:cSld>
     <p:spTree>
@@ -12681,7 +11726,7 @@
 </p:sld>
 </file>
 
-<file path=ppt/slides/slide18.xml><?xml version="1.0" encoding="utf-8"?>
+<file path=ppt/slides/slide17.xml><?xml version="1.0" encoding="utf-8"?>
 <p:sld xmlns:a="http://schemas.openxmlformats.org/drawingml/2006/main" xmlns:r="http://schemas.openxmlformats.org/officeDocument/2006/relationships" xmlns:p="http://schemas.openxmlformats.org/presentationml/2006/main">
   <p:cSld>
     <p:spTree>
@@ -12916,7 +11961,7 @@
 </p:sld>
 </file>
 
-<file path=ppt/slides/slide19.xml><?xml version="1.0" encoding="utf-8"?>
+<file path=ppt/slides/slide18.xml><?xml version="1.0" encoding="utf-8"?>
 <p:sld xmlns:a="http://schemas.openxmlformats.org/drawingml/2006/main" xmlns:r="http://schemas.openxmlformats.org/officeDocument/2006/relationships" xmlns:p="http://schemas.openxmlformats.org/presentationml/2006/main">
   <p:cSld>
     <p:spTree>
@@ -13299,33 +12344,7 @@
 </p:sld>
 </file>
 
-<file path=ppt/slides/slide2.xml><?xml version="1.0" encoding="utf-8"?>
-<p:sld xmlns:a="http://schemas.openxmlformats.org/drawingml/2006/main" xmlns:r="http://schemas.openxmlformats.org/officeDocument/2006/relationships" xmlns:p="http://schemas.openxmlformats.org/presentationml/2006/main">
-  <p:cSld>
-    <p:spTree>
-      <p:nvGrpSpPr>
-        <p:cNvPr id="1" name=""/>
-        <p:cNvGrpSpPr/>
-        <p:nvPr/>
-      </p:nvGrpSpPr>
-      <p:grpSpPr>
-        <a:xfrm>
-          <a:off x="0" y="0"/>
-          <a:ext cx="0" cy="0"/>
-          <a:chOff x="0" y="0"/>
-          <a:chExt cx="0" cy="0"/>
-        </a:xfrm>
-      </p:grpSpPr>
-    </p:spTree>
-  </p:cSld>
-  <p:clrMapOvr>
-    <a:masterClrMapping/>
-  </p:clrMapOvr>
-  <p:transition/>
-</p:sld>
-</file>
-
-<file path=ppt/slides/slide20.xml><?xml version="1.0" encoding="utf-8"?>
+<file path=ppt/slides/slide19.xml><?xml version="1.0" encoding="utf-8"?>
 <p:sld xmlns:a="http://schemas.openxmlformats.org/drawingml/2006/main" xmlns:r="http://schemas.openxmlformats.org/officeDocument/2006/relationships" xmlns:p="http://schemas.openxmlformats.org/presentationml/2006/main">
   <p:cSld>
     <p:spTree>
@@ -15035,7 +14054,223 @@
 </p:sld>
 </file>
 
-<file path=ppt/slides/slide21.xml><?xml version="1.0" encoding="utf-8"?>
+<file path=ppt/slides/slide2.xml><?xml version="1.0" encoding="utf-8"?>
+<p:sld xmlns:a="http://schemas.openxmlformats.org/drawingml/2006/main" xmlns:r="http://schemas.openxmlformats.org/officeDocument/2006/relationships" xmlns:p="http://schemas.openxmlformats.org/presentationml/2006/main">
+  <p:cSld>
+    <p:spTree>
+      <p:nvGrpSpPr>
+        <p:cNvPr id="1" name=""/>
+        <p:cNvGrpSpPr/>
+        <p:nvPr/>
+      </p:nvGrpSpPr>
+      <p:grpSpPr>
+        <a:xfrm>
+          <a:off x="0" y="0"/>
+          <a:ext cx="0" cy="0"/>
+          <a:chOff x="0" y="0"/>
+          <a:chExt cx="0" cy="0"/>
+        </a:xfrm>
+      </p:grpSpPr>
+      <p:sp>
+        <p:nvSpPr>
+          <p:cNvPr id="3" name="Content Placeholder 2"/>
+          <p:cNvSpPr>
+            <a:spLocks noGrp="1"/>
+          </p:cNvSpPr>
+          <p:nvPr>
+            <p:ph idx="1"/>
+          </p:nvPr>
+        </p:nvSpPr>
+        <p:spPr/>
+        <p:txBody>
+          <a:bodyPr>
+            <a:normAutofit/>
+          </a:bodyPr>
+          <a:lstStyle/>
+          <a:p>
+            <a:r>
+              <a:rPr lang="en-US" sz="2400" dirty="0"/>
+              <a:t>“No plan of operations extends with certainty beyond the first encounter with the enemy’s main strength”</a:t>
+            </a:r>
+            <a:br>
+              <a:rPr lang="en-US" sz="2400" dirty="0"/>
+            </a:br>
+            <a:r>
+              <a:rPr lang="en-US" sz="2000" dirty="0"/>
+              <a:t>- Prussian Field Marshal Helmuth von Moltke the Elder</a:t>
+            </a:r>
+          </a:p>
+          <a:p>
+            <a:r>
+              <a:rPr lang="en-US" sz="2400" dirty="0"/>
+              <a:t>Using detection (tools/analysis) with data will provide results, and you must be prepared to handle the outcomes</a:t>
+            </a:r>
+          </a:p>
+          <a:p>
+            <a:r>
+              <a:rPr lang="en-US" sz="2400" dirty="0"/>
+              <a:t>This lesson will provide a science to survive contact with the enemy and how to use information to move forward</a:t>
+            </a:r>
+          </a:p>
+          <a:p>
+            <a:pPr marL="330136" lvl="1" indent="0">
+              <a:buNone/>
+            </a:pPr>
+            <a:endParaRPr lang="en-US" dirty="0"/>
+          </a:p>
+        </p:txBody>
+      </p:sp>
+      <p:sp>
+        <p:nvSpPr>
+          <p:cNvPr id="2" name="Title 1"/>
+          <p:cNvSpPr>
+            <a:spLocks noGrp="1"/>
+          </p:cNvSpPr>
+          <p:nvPr>
+            <p:ph type="title"/>
+          </p:nvPr>
+        </p:nvSpPr>
+        <p:spPr/>
+        <p:txBody>
+          <a:bodyPr>
+            <a:normAutofit/>
+          </a:bodyPr>
+          <a:lstStyle/>
+          <a:p>
+            <a:r>
+              <a:rPr lang="en-US" dirty="0"/>
+              <a:t>So What?</a:t>
+            </a:r>
+          </a:p>
+        </p:txBody>
+      </p:sp>
+      <p:sp>
+        <p:nvSpPr>
+          <p:cNvPr id="4" name="Rectangle 3"/>
+          <p:cNvSpPr/>
+          <p:nvPr/>
+        </p:nvSpPr>
+        <p:spPr bwMode="auto">
+          <a:xfrm>
+            <a:off x="379447" y="4604904"/>
+            <a:ext cx="8383553" cy="1889013"/>
+          </a:xfrm>
+          <a:prstGeom prst="rect">
+            <a:avLst/>
+          </a:prstGeom>
+          <a:noFill/>
+          <a:ln w="38100" cap="flat" cmpd="sng" algn="ctr">
+            <a:solidFill>
+              <a:schemeClr val="accent2"/>
+            </a:solidFill>
+            <a:prstDash val="solid"/>
+            <a:round/>
+            <a:headEnd type="none" w="sm" len="sm"/>
+            <a:tailEnd type="none" w="sm" len="sm"/>
+          </a:ln>
+          <a:effectLst/>
+        </p:spPr>
+        <p:txBody>
+          <a:bodyPr vert="horz" wrap="square" lIns="91440" tIns="45720" rIns="91440" bIns="45720" numCol="1" rtlCol="0" anchor="t" anchorCtr="0" compatLnSpc="1">
+            <a:prstTxWarp prst="textNoShape">
+              <a:avLst/>
+            </a:prstTxWarp>
+          </a:bodyPr>
+          <a:lstStyle/>
+          <a:p>
+            <a:pPr marL="0" marR="0" indent="0" algn="l" defTabSz="914400" rtl="0" eaLnBrk="0" fontAlgn="base" latinLnBrk="0" hangingPunct="0">
+              <a:lnSpc>
+                <a:spcPct val="100000"/>
+              </a:lnSpc>
+              <a:spcBef>
+                <a:spcPct val="0"/>
+              </a:spcBef>
+              <a:spcAft>
+                <a:spcPct val="0"/>
+              </a:spcAft>
+              <a:buClrTx/>
+              <a:buSzTx/>
+              <a:buFontTx/>
+              <a:buNone/>
+              <a:tabLst/>
+            </a:pPr>
+            <a:endParaRPr kumimoji="0" lang="en-US" sz="2400" b="1" i="0" u="none" strike="noStrike" cap="none" normalizeH="0" baseline="0">
+              <a:ln>
+                <a:noFill/>
+              </a:ln>
+              <a:solidFill>
+                <a:srgbClr val="FFA27C"/>
+              </a:solidFill>
+              <a:effectLst/>
+              <a:latin typeface="Arial Narrow" pitchFamily="34" charset="0"/>
+            </a:endParaRPr>
+          </a:p>
+        </p:txBody>
+      </p:sp>
+      <p:sp>
+        <p:nvSpPr>
+          <p:cNvPr id="5" name="Rectangle 4"/>
+          <p:cNvSpPr/>
+          <p:nvPr/>
+        </p:nvSpPr>
+        <p:spPr>
+          <a:xfrm>
+            <a:off x="224057" y="4604904"/>
+            <a:ext cx="8382000" cy="1938992"/>
+          </a:xfrm>
+          <a:prstGeom prst="rect">
+            <a:avLst/>
+          </a:prstGeom>
+        </p:spPr>
+        <p:txBody>
+          <a:bodyPr wrap="square">
+            <a:spAutoFit/>
+          </a:bodyPr>
+          <a:lstStyle/>
+          <a:p>
+            <a:pPr marL="330136" lvl="1" indent="0">
+              <a:buNone/>
+            </a:pPr>
+            <a:r>
+              <a:rPr lang="en-US" sz="2000" dirty="0">
+                <a:solidFill>
+                  <a:schemeClr val="tx1"/>
+                </a:solidFill>
+              </a:rPr>
+              <a:t>“You need some foundation of science literacy so you can inoculate yourself against those who would exploit your absence of knowledge of how the science works for their own gain... the only point of the scientific method is to make sure you are not fooled into thinking something is true that is not or thinking that something is not true, that is. </a:t>
+            </a:r>
+            <a:br>
+              <a:rPr lang="en-US" sz="2000" dirty="0">
+                <a:solidFill>
+                  <a:schemeClr val="tx1"/>
+                </a:solidFill>
+              </a:rPr>
+            </a:br>
+            <a:r>
+              <a:rPr lang="en-US" sz="2000" dirty="0">
+                <a:solidFill>
+                  <a:schemeClr val="tx1"/>
+                </a:solidFill>
+              </a:rPr>
+              <a:t>- Neil deGrasse Tyson</a:t>
+            </a:r>
+          </a:p>
+        </p:txBody>
+      </p:sp>
+    </p:spTree>
+    <p:extLst>
+      <p:ext uri="{BB962C8B-B14F-4D97-AF65-F5344CB8AC3E}">
+        <p14:creationId xmlns:p14="http://schemas.microsoft.com/office/powerpoint/2010/main" val="1245139899"/>
+      </p:ext>
+    </p:extLst>
+  </p:cSld>
+  <p:clrMapOvr>
+    <a:masterClrMapping/>
+  </p:clrMapOvr>
+</p:sld>
+</file>
+
+<file path=ppt/slides/slide20.xml><?xml version="1.0" encoding="utf-8"?>
 <p:sld xmlns:a="http://schemas.openxmlformats.org/drawingml/2006/main" xmlns:r="http://schemas.openxmlformats.org/officeDocument/2006/relationships" xmlns:p="http://schemas.openxmlformats.org/presentationml/2006/main">
   <p:cSld>
     <p:spTree>
@@ -15152,7 +14387,7 @@
 </p:sld>
 </file>
 
-<file path=ppt/slides/slide22.xml><?xml version="1.0" encoding="utf-8"?>
+<file path=ppt/slides/slide21.xml><?xml version="1.0" encoding="utf-8"?>
 <p:sld xmlns:a="http://schemas.openxmlformats.org/drawingml/2006/main" xmlns:r="http://schemas.openxmlformats.org/officeDocument/2006/relationships" xmlns:p="http://schemas.openxmlformats.org/presentationml/2006/main">
   <p:cSld>
     <p:spTree>
@@ -15608,7 +14843,7 @@
 </p:sld>
 </file>
 
-<file path=ppt/slides/slide23.xml><?xml version="1.0" encoding="utf-8"?>
+<file path=ppt/slides/slide22.xml><?xml version="1.0" encoding="utf-8"?>
 <p:sld xmlns:a="http://schemas.openxmlformats.org/drawingml/2006/main" xmlns:r="http://schemas.openxmlformats.org/officeDocument/2006/relationships" xmlns:p="http://schemas.openxmlformats.org/presentationml/2006/main">
   <p:cSld>
     <p:spTree>
@@ -15753,7 +14988,7 @@
 </p:sld>
 </file>
 
-<file path=ppt/slides/slide24.xml><?xml version="1.0" encoding="utf-8"?>
+<file path=ppt/slides/slide23.xml><?xml version="1.0" encoding="utf-8"?>
 <p:sld xmlns:a="http://schemas.openxmlformats.org/drawingml/2006/main" xmlns:r="http://schemas.openxmlformats.org/officeDocument/2006/relationships" xmlns:p="http://schemas.openxmlformats.org/presentationml/2006/main">
   <p:cSld>
     <p:spTree>
@@ -15875,7 +15110,7 @@
 </p:sld>
 </file>
 
-<file path=ppt/slides/slide25.xml><?xml version="1.0" encoding="utf-8"?>
+<file path=ppt/slides/slide24.xml><?xml version="1.0" encoding="utf-8"?>
 <p:sld xmlns:a="http://schemas.openxmlformats.org/drawingml/2006/main" xmlns:r="http://schemas.openxmlformats.org/officeDocument/2006/relationships" xmlns:p="http://schemas.openxmlformats.org/presentationml/2006/main">
   <p:cSld>
     <p:spTree>
@@ -15979,7 +15214,7 @@
 </p:sld>
 </file>
 
-<file path=ppt/slides/slide26.xml><?xml version="1.0" encoding="utf-8"?>
+<file path=ppt/slides/slide25.xml><?xml version="1.0" encoding="utf-8"?>
 <p:sld xmlns:a="http://schemas.openxmlformats.org/drawingml/2006/main" xmlns:r="http://schemas.openxmlformats.org/officeDocument/2006/relationships" xmlns:p="http://schemas.openxmlformats.org/presentationml/2006/main" show="0">
   <p:cSld>
     <p:spTree>
@@ -16136,7 +15371,7 @@
 </p:sld>
 </file>
 
-<file path=ppt/slides/slide27.xml><?xml version="1.0" encoding="utf-8"?>
+<file path=ppt/slides/slide26.xml><?xml version="1.0" encoding="utf-8"?>
 <p:sld xmlns:a="http://schemas.openxmlformats.org/drawingml/2006/main" xmlns:r="http://schemas.openxmlformats.org/officeDocument/2006/relationships" xmlns:p="http://schemas.openxmlformats.org/presentationml/2006/main">
   <p:cSld>
     <p:spTree>
@@ -16254,7 +15489,7 @@
 </p:sld>
 </file>
 
-<file path=ppt/slides/slide28.xml><?xml version="1.0" encoding="utf-8"?>
+<file path=ppt/slides/slide27.xml><?xml version="1.0" encoding="utf-8"?>
 <p:sld xmlns:a="http://schemas.openxmlformats.org/drawingml/2006/main" xmlns:r="http://schemas.openxmlformats.org/officeDocument/2006/relationships" xmlns:p="http://schemas.openxmlformats.org/presentationml/2006/main">
   <p:cSld>
     <p:spTree>
@@ -16423,7 +15658,7 @@
 </p:sld>
 </file>
 
-<file path=ppt/slides/slide29.xml><?xml version="1.0" encoding="utf-8"?>
+<file path=ppt/slides/slide28.xml><?xml version="1.0" encoding="utf-8"?>
 <p:sld xmlns:a="http://schemas.openxmlformats.org/drawingml/2006/main" xmlns:r="http://schemas.openxmlformats.org/officeDocument/2006/relationships" xmlns:p="http://schemas.openxmlformats.org/presentationml/2006/main">
   <p:cSld>
     <p:spTree>
@@ -16560,223 +15795,7 @@
 </p:sld>
 </file>
 
-<file path=ppt/slides/slide3.xml><?xml version="1.0" encoding="utf-8"?>
-<p:sld xmlns:a="http://schemas.openxmlformats.org/drawingml/2006/main" xmlns:r="http://schemas.openxmlformats.org/officeDocument/2006/relationships" xmlns:p="http://schemas.openxmlformats.org/presentationml/2006/main">
-  <p:cSld>
-    <p:spTree>
-      <p:nvGrpSpPr>
-        <p:cNvPr id="1" name=""/>
-        <p:cNvGrpSpPr/>
-        <p:nvPr/>
-      </p:nvGrpSpPr>
-      <p:grpSpPr>
-        <a:xfrm>
-          <a:off x="0" y="0"/>
-          <a:ext cx="0" cy="0"/>
-          <a:chOff x="0" y="0"/>
-          <a:chExt cx="0" cy="0"/>
-        </a:xfrm>
-      </p:grpSpPr>
-      <p:sp>
-        <p:nvSpPr>
-          <p:cNvPr id="3" name="Content Placeholder 2"/>
-          <p:cNvSpPr>
-            <a:spLocks noGrp="1"/>
-          </p:cNvSpPr>
-          <p:nvPr>
-            <p:ph idx="1"/>
-          </p:nvPr>
-        </p:nvSpPr>
-        <p:spPr/>
-        <p:txBody>
-          <a:bodyPr>
-            <a:normAutofit/>
-          </a:bodyPr>
-          <a:lstStyle/>
-          <a:p>
-            <a:r>
-              <a:rPr lang="en-US" sz="2400" dirty="0"/>
-              <a:t>“No plan of operations extends with certainty beyond the first encounter with the enemy’s main strength”</a:t>
-            </a:r>
-            <a:br>
-              <a:rPr lang="en-US" sz="2400" dirty="0"/>
-            </a:br>
-            <a:r>
-              <a:rPr lang="en-US" sz="2000" dirty="0"/>
-              <a:t>- Prussian Field Marshal Helmuth von Moltke the Elder</a:t>
-            </a:r>
-          </a:p>
-          <a:p>
-            <a:r>
-              <a:rPr lang="en-US" sz="2400" dirty="0"/>
-              <a:t>Using detection (tools/analysis) with data will provide results, and you must be prepared to handle the outcomes</a:t>
-            </a:r>
-          </a:p>
-          <a:p>
-            <a:r>
-              <a:rPr lang="en-US" sz="2400" dirty="0"/>
-              <a:t>This lesson will provide a science to survive contact with the enemy and how to use information to move forward</a:t>
-            </a:r>
-          </a:p>
-          <a:p>
-            <a:pPr marL="330136" lvl="1" indent="0">
-              <a:buNone/>
-            </a:pPr>
-            <a:endParaRPr lang="en-US" dirty="0"/>
-          </a:p>
-        </p:txBody>
-      </p:sp>
-      <p:sp>
-        <p:nvSpPr>
-          <p:cNvPr id="2" name="Title 1"/>
-          <p:cNvSpPr>
-            <a:spLocks noGrp="1"/>
-          </p:cNvSpPr>
-          <p:nvPr>
-            <p:ph type="title"/>
-          </p:nvPr>
-        </p:nvSpPr>
-        <p:spPr/>
-        <p:txBody>
-          <a:bodyPr>
-            <a:normAutofit/>
-          </a:bodyPr>
-          <a:lstStyle/>
-          <a:p>
-            <a:r>
-              <a:rPr lang="en-US" dirty="0"/>
-              <a:t>So What?</a:t>
-            </a:r>
-          </a:p>
-        </p:txBody>
-      </p:sp>
-      <p:sp>
-        <p:nvSpPr>
-          <p:cNvPr id="4" name="Rectangle 3"/>
-          <p:cNvSpPr/>
-          <p:nvPr/>
-        </p:nvSpPr>
-        <p:spPr bwMode="auto">
-          <a:xfrm>
-            <a:off x="379447" y="4604904"/>
-            <a:ext cx="8383553" cy="1889013"/>
-          </a:xfrm>
-          <a:prstGeom prst="rect">
-            <a:avLst/>
-          </a:prstGeom>
-          <a:noFill/>
-          <a:ln w="38100" cap="flat" cmpd="sng" algn="ctr">
-            <a:solidFill>
-              <a:schemeClr val="accent2"/>
-            </a:solidFill>
-            <a:prstDash val="solid"/>
-            <a:round/>
-            <a:headEnd type="none" w="sm" len="sm"/>
-            <a:tailEnd type="none" w="sm" len="sm"/>
-          </a:ln>
-          <a:effectLst/>
-        </p:spPr>
-        <p:txBody>
-          <a:bodyPr vert="horz" wrap="square" lIns="91440" tIns="45720" rIns="91440" bIns="45720" numCol="1" rtlCol="0" anchor="t" anchorCtr="0" compatLnSpc="1">
-            <a:prstTxWarp prst="textNoShape">
-              <a:avLst/>
-            </a:prstTxWarp>
-          </a:bodyPr>
-          <a:lstStyle/>
-          <a:p>
-            <a:pPr marL="0" marR="0" indent="0" algn="l" defTabSz="914400" rtl="0" eaLnBrk="0" fontAlgn="base" latinLnBrk="0" hangingPunct="0">
-              <a:lnSpc>
-                <a:spcPct val="100000"/>
-              </a:lnSpc>
-              <a:spcBef>
-                <a:spcPct val="0"/>
-              </a:spcBef>
-              <a:spcAft>
-                <a:spcPct val="0"/>
-              </a:spcAft>
-              <a:buClrTx/>
-              <a:buSzTx/>
-              <a:buFontTx/>
-              <a:buNone/>
-              <a:tabLst/>
-            </a:pPr>
-            <a:endParaRPr kumimoji="0" lang="en-US" sz="2400" b="1" i="0" u="none" strike="noStrike" cap="none" normalizeH="0" baseline="0">
-              <a:ln>
-                <a:noFill/>
-              </a:ln>
-              <a:solidFill>
-                <a:srgbClr val="FFA27C"/>
-              </a:solidFill>
-              <a:effectLst/>
-              <a:latin typeface="Arial Narrow" pitchFamily="34" charset="0"/>
-            </a:endParaRPr>
-          </a:p>
-        </p:txBody>
-      </p:sp>
-      <p:sp>
-        <p:nvSpPr>
-          <p:cNvPr id="5" name="Rectangle 4"/>
-          <p:cNvSpPr/>
-          <p:nvPr/>
-        </p:nvSpPr>
-        <p:spPr>
-          <a:xfrm>
-            <a:off x="224057" y="4604904"/>
-            <a:ext cx="8382000" cy="1938992"/>
-          </a:xfrm>
-          <a:prstGeom prst="rect">
-            <a:avLst/>
-          </a:prstGeom>
-        </p:spPr>
-        <p:txBody>
-          <a:bodyPr wrap="square">
-            <a:spAutoFit/>
-          </a:bodyPr>
-          <a:lstStyle/>
-          <a:p>
-            <a:pPr marL="330136" lvl="1" indent="0">
-              <a:buNone/>
-            </a:pPr>
-            <a:r>
-              <a:rPr lang="en-US" sz="2000" dirty="0">
-                <a:solidFill>
-                  <a:schemeClr val="tx1"/>
-                </a:solidFill>
-              </a:rPr>
-              <a:t>“You need some foundation of science literacy so you can inoculate yourself against those who would exploit your absence of knowledge of how the science works for their own gain... the only point of the scientific method is to make sure you are not fooled into thinking something is true that is not or thinking that something is not true, that is. </a:t>
-            </a:r>
-            <a:br>
-              <a:rPr lang="en-US" sz="2000" dirty="0">
-                <a:solidFill>
-                  <a:schemeClr val="tx1"/>
-                </a:solidFill>
-              </a:rPr>
-            </a:br>
-            <a:r>
-              <a:rPr lang="en-US" sz="2000" dirty="0">
-                <a:solidFill>
-                  <a:schemeClr val="tx1"/>
-                </a:solidFill>
-              </a:rPr>
-              <a:t>- Neil deGrasse Tyson</a:t>
-            </a:r>
-          </a:p>
-        </p:txBody>
-      </p:sp>
-    </p:spTree>
-    <p:extLst>
-      <p:ext uri="{BB962C8B-B14F-4D97-AF65-F5344CB8AC3E}">
-        <p14:creationId xmlns:p14="http://schemas.microsoft.com/office/powerpoint/2010/main" val="1245139899"/>
-      </p:ext>
-    </p:extLst>
-  </p:cSld>
-  <p:clrMapOvr>
-    <a:masterClrMapping/>
-  </p:clrMapOvr>
-</p:sld>
-</file>
-
-<file path=ppt/slides/slide30.xml><?xml version="1.0" encoding="utf-8"?>
+<file path=ppt/slides/slide29.xml><?xml version="1.0" encoding="utf-8"?>
 <p:sld xmlns:a="http://schemas.openxmlformats.org/drawingml/2006/main" xmlns:r="http://schemas.openxmlformats.org/officeDocument/2006/relationships" xmlns:p="http://schemas.openxmlformats.org/presentationml/2006/main">
   <p:cSld>
     <p:spTree>
@@ -16906,7 +15925,141 @@
 </p:sld>
 </file>
 
-<file path=ppt/slides/slide31.xml><?xml version="1.0" encoding="utf-8"?>
+<file path=ppt/slides/slide3.xml><?xml version="1.0" encoding="utf-8"?>
+<p:sld xmlns:a="http://schemas.openxmlformats.org/drawingml/2006/main" xmlns:r="http://schemas.openxmlformats.org/officeDocument/2006/relationships" xmlns:p="http://schemas.openxmlformats.org/presentationml/2006/main">
+  <p:cSld>
+    <p:spTree>
+      <p:nvGrpSpPr>
+        <p:cNvPr id="1" name=""/>
+        <p:cNvGrpSpPr/>
+        <p:nvPr/>
+      </p:nvGrpSpPr>
+      <p:grpSpPr>
+        <a:xfrm>
+          <a:off x="0" y="0"/>
+          <a:ext cx="0" cy="0"/>
+          <a:chOff x="0" y="0"/>
+          <a:chExt cx="0" cy="0"/>
+        </a:xfrm>
+      </p:grpSpPr>
+      <p:sp>
+        <p:nvSpPr>
+          <p:cNvPr id="2" name="Content Placeholder 1">
+            <a:extLst>
+              <a:ext uri="{FF2B5EF4-FFF2-40B4-BE49-F238E27FC236}">
+                <a16:creationId xmlns:a16="http://schemas.microsoft.com/office/drawing/2014/main" id="{73C7C185-5E90-FA69-8618-A0184D8D2F5D}"/>
+              </a:ext>
+            </a:extLst>
+          </p:cNvPr>
+          <p:cNvSpPr>
+            <a:spLocks noGrp="1"/>
+          </p:cNvSpPr>
+          <p:nvPr>
+            <p:ph idx="1"/>
+          </p:nvPr>
+        </p:nvSpPr>
+        <p:spPr/>
+        <p:txBody>
+          <a:bodyPr/>
+          <a:lstStyle/>
+          <a:p>
+            <a:r>
+              <a:rPr lang="en-US" sz="2400" dirty="0"/>
+              <a:t>Define detection</a:t>
+            </a:r>
+          </a:p>
+          <a:p>
+            <a:r>
+              <a:rPr lang="en-US" sz="2400" dirty="0"/>
+              <a:t>Define True/False Positive/Negative</a:t>
+            </a:r>
+          </a:p>
+          <a:p>
+            <a:r>
+              <a:rPr lang="en-US" sz="2400" dirty="0"/>
+              <a:t>List the goals and categories of high-quality data</a:t>
+            </a:r>
+          </a:p>
+          <a:p>
+            <a:r>
+              <a:rPr lang="en-US" sz="2400" dirty="0"/>
+              <a:t>Discuss the factors when developing a collection strategy</a:t>
+            </a:r>
+          </a:p>
+          <a:p>
+            <a:r>
+              <a:rPr lang="en-US" sz="2400" dirty="0"/>
+              <a:t>List the products and steps in the detection phase</a:t>
+            </a:r>
+          </a:p>
+          <a:p>
+            <a:r>
+              <a:rPr lang="en-US" sz="2400" dirty="0"/>
+              <a:t>Define the 8 analysis methods</a:t>
+            </a:r>
+          </a:p>
+          <a:p>
+            <a:r>
+              <a:rPr lang="en-US" sz="2400" dirty="0"/>
+              <a:t>List the 4 stages of the incident response process</a:t>
+            </a:r>
+          </a:p>
+          <a:p>
+            <a:r>
+              <a:rPr lang="en-US" sz="2400" dirty="0"/>
+              <a:t>List the key data in a security incident case</a:t>
+            </a:r>
+          </a:p>
+          <a:p>
+            <a:r>
+              <a:rPr lang="en-US" sz="2400" dirty="0"/>
+              <a:t>List the suggested workflow steps for case management</a:t>
+            </a:r>
+          </a:p>
+        </p:txBody>
+      </p:sp>
+      <p:sp>
+        <p:nvSpPr>
+          <p:cNvPr id="3" name="Title 2">
+            <a:extLst>
+              <a:ext uri="{FF2B5EF4-FFF2-40B4-BE49-F238E27FC236}">
+                <a16:creationId xmlns:a16="http://schemas.microsoft.com/office/drawing/2014/main" id="{DEC316F7-068A-7885-944D-12B2BAD4B4A8}"/>
+              </a:ext>
+            </a:extLst>
+          </p:cNvPr>
+          <p:cNvSpPr>
+            <a:spLocks noGrp="1"/>
+          </p:cNvSpPr>
+          <p:nvPr>
+            <p:ph type="title"/>
+          </p:nvPr>
+        </p:nvSpPr>
+        <p:spPr/>
+        <p:txBody>
+          <a:bodyPr/>
+          <a:lstStyle/>
+          <a:p>
+            <a:r>
+              <a:rPr lang="en-US" dirty="0"/>
+              <a:t>Academic Objectives</a:t>
+            </a:r>
+          </a:p>
+        </p:txBody>
+      </p:sp>
+    </p:spTree>
+    <p:extLst>
+      <p:ext uri="{BB962C8B-B14F-4D97-AF65-F5344CB8AC3E}">
+        <p14:creationId xmlns:p14="http://schemas.microsoft.com/office/powerpoint/2010/main" val="213467570"/>
+      </p:ext>
+    </p:extLst>
+  </p:cSld>
+  <p:clrMapOvr>
+    <a:masterClrMapping/>
+  </p:clrMapOvr>
+</p:sld>
+</file>
+
+<file path=ppt/slides/slide30.xml><?xml version="1.0" encoding="utf-8"?>
 <p:sld xmlns:a="http://schemas.openxmlformats.org/drawingml/2006/main" xmlns:r="http://schemas.openxmlformats.org/officeDocument/2006/relationships" xmlns:p="http://schemas.openxmlformats.org/presentationml/2006/main">
   <p:cSld>
     <p:spTree>
@@ -17036,7 +16189,7 @@
 </p:sld>
 </file>
 
-<file path=ppt/slides/slide32.xml><?xml version="1.0" encoding="utf-8"?>
+<file path=ppt/slides/slide31.xml><?xml version="1.0" encoding="utf-8"?>
 <p:sld xmlns:a="http://schemas.openxmlformats.org/drawingml/2006/main" xmlns:r="http://schemas.openxmlformats.org/officeDocument/2006/relationships" xmlns:p="http://schemas.openxmlformats.org/presentationml/2006/main">
   <p:cSld>
     <p:spTree>
@@ -17166,7 +16319,7 @@
 </p:sld>
 </file>
 
-<file path=ppt/slides/slide33.xml><?xml version="1.0" encoding="utf-8"?>
+<file path=ppt/slides/slide32.xml><?xml version="1.0" encoding="utf-8"?>
 <p:sld xmlns:a="http://schemas.openxmlformats.org/drawingml/2006/main" xmlns:r="http://schemas.openxmlformats.org/officeDocument/2006/relationships" xmlns:p="http://schemas.openxmlformats.org/presentationml/2006/main">
   <p:cSld>
     <p:spTree>
@@ -17307,7 +16460,7 @@
 </p:sld>
 </file>
 
-<file path=ppt/slides/slide34.xml><?xml version="1.0" encoding="utf-8"?>
+<file path=ppt/slides/slide33.xml><?xml version="1.0" encoding="utf-8"?>
 <p:sld xmlns:a="http://schemas.openxmlformats.org/drawingml/2006/main" xmlns:r="http://schemas.openxmlformats.org/officeDocument/2006/relationships" xmlns:p="http://schemas.openxmlformats.org/presentationml/2006/main">
   <p:cSld>
     <p:spTree>
@@ -17437,7 +16590,7 @@
 </p:sld>
 </file>
 
-<file path=ppt/slides/slide35.xml><?xml version="1.0" encoding="utf-8"?>
+<file path=ppt/slides/slide34.xml><?xml version="1.0" encoding="utf-8"?>
 <p:sld xmlns:a="http://schemas.openxmlformats.org/drawingml/2006/main" xmlns:r="http://schemas.openxmlformats.org/officeDocument/2006/relationships" xmlns:p="http://schemas.openxmlformats.org/presentationml/2006/main">
   <p:cSld>
     <p:spTree>
@@ -17563,7 +16716,7 @@
 </p:sld>
 </file>
 
-<file path=ppt/slides/slide36.xml><?xml version="1.0" encoding="utf-8"?>
+<file path=ppt/slides/slide35.xml><?xml version="1.0" encoding="utf-8"?>
 <p:sld xmlns:a="http://schemas.openxmlformats.org/drawingml/2006/main" xmlns:r="http://schemas.openxmlformats.org/officeDocument/2006/relationships" xmlns:p="http://schemas.openxmlformats.org/presentationml/2006/main">
   <p:cSld>
     <p:spTree>
@@ -17696,7 +16849,7 @@
 </p:sld>
 </file>
 
-<file path=ppt/slides/slide37.xml><?xml version="1.0" encoding="utf-8"?>
+<file path=ppt/slides/slide36.xml><?xml version="1.0" encoding="utf-8"?>
 <p:sld xmlns:a="http://schemas.openxmlformats.org/drawingml/2006/main" xmlns:r="http://schemas.openxmlformats.org/officeDocument/2006/relationships" xmlns:p="http://schemas.openxmlformats.org/presentationml/2006/main">
   <p:cSld>
     <p:spTree>
@@ -17811,7 +16964,7 @@
 </p:sld>
 </file>
 
-<file path=ppt/slides/slide38.xml><?xml version="1.0" encoding="utf-8"?>
+<file path=ppt/slides/slide37.xml><?xml version="1.0" encoding="utf-8"?>
 <p:sld xmlns:a="http://schemas.openxmlformats.org/drawingml/2006/main" xmlns:r="http://schemas.openxmlformats.org/officeDocument/2006/relationships" xmlns:p="http://schemas.openxmlformats.org/presentationml/2006/main">
   <p:cSld>
     <p:spTree>
@@ -17943,7 +17096,7 @@
 </p:sld>
 </file>
 
-<file path=ppt/slides/slide39.xml><?xml version="1.0" encoding="utf-8"?>
+<file path=ppt/slides/slide38.xml><?xml version="1.0" encoding="utf-8"?>
 <p:sld xmlns:a="http://schemas.openxmlformats.org/drawingml/2006/main" xmlns:r="http://schemas.openxmlformats.org/officeDocument/2006/relationships" xmlns:p="http://schemas.openxmlformats.org/presentationml/2006/main">
   <p:cSld>
     <p:spTree>
@@ -18079,141 +17232,7 @@
 </p:sld>
 </file>
 
-<file path=ppt/slides/slide4.xml><?xml version="1.0" encoding="utf-8"?>
-<p:sld xmlns:a="http://schemas.openxmlformats.org/drawingml/2006/main" xmlns:r="http://schemas.openxmlformats.org/officeDocument/2006/relationships" xmlns:p="http://schemas.openxmlformats.org/presentationml/2006/main">
-  <p:cSld>
-    <p:spTree>
-      <p:nvGrpSpPr>
-        <p:cNvPr id="1" name=""/>
-        <p:cNvGrpSpPr/>
-        <p:nvPr/>
-      </p:nvGrpSpPr>
-      <p:grpSpPr>
-        <a:xfrm>
-          <a:off x="0" y="0"/>
-          <a:ext cx="0" cy="0"/>
-          <a:chOff x="0" y="0"/>
-          <a:chExt cx="0" cy="0"/>
-        </a:xfrm>
-      </p:grpSpPr>
-      <p:sp>
-        <p:nvSpPr>
-          <p:cNvPr id="2" name="Content Placeholder 1">
-            <a:extLst>
-              <a:ext uri="{FF2B5EF4-FFF2-40B4-BE49-F238E27FC236}">
-                <a16:creationId xmlns:a16="http://schemas.microsoft.com/office/drawing/2014/main" id="{73C7C185-5E90-FA69-8618-A0184D8D2F5D}"/>
-              </a:ext>
-            </a:extLst>
-          </p:cNvPr>
-          <p:cNvSpPr>
-            <a:spLocks noGrp="1"/>
-          </p:cNvSpPr>
-          <p:nvPr>
-            <p:ph idx="1"/>
-          </p:nvPr>
-        </p:nvSpPr>
-        <p:spPr/>
-        <p:txBody>
-          <a:bodyPr/>
-          <a:lstStyle/>
-          <a:p>
-            <a:r>
-              <a:rPr lang="en-US" sz="2400" dirty="0"/>
-              <a:t>Define detection</a:t>
-            </a:r>
-          </a:p>
-          <a:p>
-            <a:r>
-              <a:rPr lang="en-US" sz="2400" dirty="0"/>
-              <a:t>Define True/False Positive/Negative</a:t>
-            </a:r>
-          </a:p>
-          <a:p>
-            <a:r>
-              <a:rPr lang="en-US" sz="2400" dirty="0"/>
-              <a:t>List the goals and categories of high-quality data</a:t>
-            </a:r>
-          </a:p>
-          <a:p>
-            <a:r>
-              <a:rPr lang="en-US" sz="2400" dirty="0"/>
-              <a:t>Discuss the factors when developing a collection strategy</a:t>
-            </a:r>
-          </a:p>
-          <a:p>
-            <a:r>
-              <a:rPr lang="en-US" sz="2400" dirty="0"/>
-              <a:t>List the products and steps in the detection phase</a:t>
-            </a:r>
-          </a:p>
-          <a:p>
-            <a:r>
-              <a:rPr lang="en-US" sz="2400" dirty="0"/>
-              <a:t>Define the 8 analysis methods</a:t>
-            </a:r>
-          </a:p>
-          <a:p>
-            <a:r>
-              <a:rPr lang="en-US" sz="2400" dirty="0"/>
-              <a:t>List the 4 stages of the incident response process</a:t>
-            </a:r>
-          </a:p>
-          <a:p>
-            <a:r>
-              <a:rPr lang="en-US" sz="2400" dirty="0"/>
-              <a:t>List the key data in a security incident case</a:t>
-            </a:r>
-          </a:p>
-          <a:p>
-            <a:r>
-              <a:rPr lang="en-US" sz="2400" dirty="0"/>
-              <a:t>List the suggested workflow steps for case management</a:t>
-            </a:r>
-          </a:p>
-        </p:txBody>
-      </p:sp>
-      <p:sp>
-        <p:nvSpPr>
-          <p:cNvPr id="3" name="Title 2">
-            <a:extLst>
-              <a:ext uri="{FF2B5EF4-FFF2-40B4-BE49-F238E27FC236}">
-                <a16:creationId xmlns:a16="http://schemas.microsoft.com/office/drawing/2014/main" id="{DEC316F7-068A-7885-944D-12B2BAD4B4A8}"/>
-              </a:ext>
-            </a:extLst>
-          </p:cNvPr>
-          <p:cNvSpPr>
-            <a:spLocks noGrp="1"/>
-          </p:cNvSpPr>
-          <p:nvPr>
-            <p:ph type="title"/>
-          </p:nvPr>
-        </p:nvSpPr>
-        <p:spPr/>
-        <p:txBody>
-          <a:bodyPr/>
-          <a:lstStyle/>
-          <a:p>
-            <a:r>
-              <a:rPr lang="en-US" dirty="0"/>
-              <a:t>Academic Objectives</a:t>
-            </a:r>
-          </a:p>
-        </p:txBody>
-      </p:sp>
-    </p:spTree>
-    <p:extLst>
-      <p:ext uri="{BB962C8B-B14F-4D97-AF65-F5344CB8AC3E}">
-        <p14:creationId xmlns:p14="http://schemas.microsoft.com/office/powerpoint/2010/main" val="213467570"/>
-      </p:ext>
-    </p:extLst>
-  </p:cSld>
-  <p:clrMapOvr>
-    <a:masterClrMapping/>
-  </p:clrMapOvr>
-</p:sld>
-</file>
-
-<file path=ppt/slides/slide40.xml><?xml version="1.0" encoding="utf-8"?>
+<file path=ppt/slides/slide39.xml><?xml version="1.0" encoding="utf-8"?>
 <p:sld xmlns:a="http://schemas.openxmlformats.org/drawingml/2006/main" xmlns:r="http://schemas.openxmlformats.org/officeDocument/2006/relationships" xmlns:p="http://schemas.openxmlformats.org/presentationml/2006/main">
   <p:cSld>
     <p:spTree>
@@ -18322,7 +17341,129 @@
 </p:sld>
 </file>
 
-<file path=ppt/slides/slide41.xml><?xml version="1.0" encoding="utf-8"?>
+<file path=ppt/slides/slide4.xml><?xml version="1.0" encoding="utf-8"?>
+<p:sld xmlns:a="http://schemas.openxmlformats.org/drawingml/2006/main" xmlns:r="http://schemas.openxmlformats.org/officeDocument/2006/relationships" xmlns:p="http://schemas.openxmlformats.org/presentationml/2006/main">
+  <p:cSld>
+    <p:spTree>
+      <p:nvGrpSpPr>
+        <p:cNvPr id="1" name=""/>
+        <p:cNvGrpSpPr/>
+        <p:nvPr/>
+      </p:nvGrpSpPr>
+      <p:grpSpPr>
+        <a:xfrm>
+          <a:off x="0" y="0"/>
+          <a:ext cx="0" cy="0"/>
+          <a:chOff x="0" y="0"/>
+          <a:chExt cx="0" cy="0"/>
+        </a:xfrm>
+      </p:grpSpPr>
+      <p:sp>
+        <p:nvSpPr>
+          <p:cNvPr id="2" name="Content Placeholder 1">
+            <a:extLst>
+              <a:ext uri="{FF2B5EF4-FFF2-40B4-BE49-F238E27FC236}">
+                <a16:creationId xmlns:a16="http://schemas.microsoft.com/office/drawing/2014/main" id="{1145FEF4-A4E6-51AE-1E92-BD15F355DD7C}"/>
+              </a:ext>
+            </a:extLst>
+          </p:cNvPr>
+          <p:cNvSpPr>
+            <a:spLocks noGrp="1"/>
+          </p:cNvSpPr>
+          <p:nvPr>
+            <p:ph idx="1"/>
+          </p:nvPr>
+        </p:nvSpPr>
+        <p:spPr/>
+        <p:txBody>
+          <a:bodyPr/>
+          <a:lstStyle/>
+          <a:p>
+            <a:r>
+              <a:rPr lang="en-US" dirty="0"/>
+              <a:t>Detection</a:t>
+            </a:r>
+          </a:p>
+          <a:p>
+            <a:pPr lvl="1"/>
+            <a:r>
+              <a:rPr lang="en-US" dirty="0"/>
+              <a:t>Collection</a:t>
+            </a:r>
+          </a:p>
+          <a:p>
+            <a:pPr lvl="1"/>
+            <a:r>
+              <a:rPr lang="en-US" dirty="0"/>
+              <a:t>Identification</a:t>
+            </a:r>
+          </a:p>
+          <a:p>
+            <a:pPr lvl="1"/>
+            <a:r>
+              <a:rPr lang="en-US" dirty="0"/>
+              <a:t>Classification</a:t>
+            </a:r>
+          </a:p>
+          <a:p>
+            <a:r>
+              <a:rPr lang="en-US" dirty="0"/>
+              <a:t>Analysis</a:t>
+            </a:r>
+          </a:p>
+          <a:p>
+            <a:r>
+              <a:rPr lang="en-US" dirty="0"/>
+              <a:t>Pivoting</a:t>
+            </a:r>
+          </a:p>
+          <a:p>
+            <a:endParaRPr lang="en-US" dirty="0"/>
+          </a:p>
+        </p:txBody>
+      </p:sp>
+      <p:sp>
+        <p:nvSpPr>
+          <p:cNvPr id="3" name="Title 2">
+            <a:extLst>
+              <a:ext uri="{FF2B5EF4-FFF2-40B4-BE49-F238E27FC236}">
+                <a16:creationId xmlns:a16="http://schemas.microsoft.com/office/drawing/2014/main" id="{FE5A3178-453D-FBE6-B727-134B6A827D72}"/>
+              </a:ext>
+            </a:extLst>
+          </p:cNvPr>
+          <p:cNvSpPr>
+            <a:spLocks noGrp="1"/>
+          </p:cNvSpPr>
+          <p:nvPr>
+            <p:ph type="title"/>
+          </p:nvPr>
+        </p:nvSpPr>
+        <p:spPr/>
+        <p:txBody>
+          <a:bodyPr/>
+          <a:lstStyle/>
+          <a:p>
+            <a:r>
+              <a:rPr lang="en-US" dirty="0"/>
+              <a:t>Overview</a:t>
+            </a:r>
+          </a:p>
+        </p:txBody>
+      </p:sp>
+    </p:spTree>
+    <p:extLst>
+      <p:ext uri="{BB962C8B-B14F-4D97-AF65-F5344CB8AC3E}">
+        <p14:creationId xmlns:p14="http://schemas.microsoft.com/office/powerpoint/2010/main" val="2209647537"/>
+      </p:ext>
+    </p:extLst>
+  </p:cSld>
+  <p:clrMapOvr>
+    <a:masterClrMapping/>
+  </p:clrMapOvr>
+</p:sld>
+</file>
+
+<file path=ppt/slides/slide40.xml><?xml version="1.0" encoding="utf-8"?>
 <p:sld xmlns:a="http://schemas.openxmlformats.org/drawingml/2006/main" xmlns:r="http://schemas.openxmlformats.org/officeDocument/2006/relationships" xmlns:p="http://schemas.openxmlformats.org/presentationml/2006/main">
   <p:cSld>
     <p:spTree>
@@ -18448,7 +17589,7 @@
 </p:sld>
 </file>
 
-<file path=ppt/slides/slide42.xml><?xml version="1.0" encoding="utf-8"?>
+<file path=ppt/slides/slide41.xml><?xml version="1.0" encoding="utf-8"?>
 <p:sld xmlns:a="http://schemas.openxmlformats.org/drawingml/2006/main" xmlns:r="http://schemas.openxmlformats.org/officeDocument/2006/relationships" xmlns:p="http://schemas.openxmlformats.org/presentationml/2006/main">
   <p:cSld>
     <p:spTree>
@@ -18560,7 +17701,7 @@
 </p:sld>
 </file>
 
-<file path=ppt/slides/slide43.xml><?xml version="1.0" encoding="utf-8"?>
+<file path=ppt/slides/slide42.xml><?xml version="1.0" encoding="utf-8"?>
 <p:sld xmlns:a="http://schemas.openxmlformats.org/drawingml/2006/main" xmlns:r="http://schemas.openxmlformats.org/officeDocument/2006/relationships" xmlns:p="http://schemas.openxmlformats.org/presentationml/2006/main">
   <p:cSld>
     <p:spTree>
@@ -18672,7 +17813,7 @@
 </p:sld>
 </file>
 
-<file path=ppt/slides/slide44.xml><?xml version="1.0" encoding="utf-8"?>
+<file path=ppt/slides/slide43.xml><?xml version="1.0" encoding="utf-8"?>
 <p:sld xmlns:a="http://schemas.openxmlformats.org/drawingml/2006/main" xmlns:r="http://schemas.openxmlformats.org/officeDocument/2006/relationships" xmlns:p="http://schemas.openxmlformats.org/presentationml/2006/main">
   <p:cSld>
     <p:spTree>
@@ -18833,7 +17974,7 @@
 </p:sld>
 </file>
 
-<file path=ppt/slides/slide45.xml><?xml version="1.0" encoding="utf-8"?>
+<file path=ppt/slides/slide44.xml><?xml version="1.0" encoding="utf-8"?>
 <p:sld xmlns:a="http://schemas.openxmlformats.org/drawingml/2006/main" xmlns:r="http://schemas.openxmlformats.org/officeDocument/2006/relationships" xmlns:p="http://schemas.openxmlformats.org/presentationml/2006/main">
   <p:cSld>
     <p:spTree>
@@ -19013,7 +18154,7 @@
 </p:sld>
 </file>
 
-<file path=ppt/slides/slide46.xml><?xml version="1.0" encoding="utf-8"?>
+<file path=ppt/slides/slide45.xml><?xml version="1.0" encoding="utf-8"?>
 <p:sld xmlns:a="http://schemas.openxmlformats.org/drawingml/2006/main" xmlns:r="http://schemas.openxmlformats.org/officeDocument/2006/relationships" xmlns:p="http://schemas.openxmlformats.org/presentationml/2006/main">
   <p:cSld>
     <p:spTree>
@@ -19120,7 +18261,7 @@
 </p:sld>
 </file>
 
-<file path=ppt/slides/slide47.xml><?xml version="1.0" encoding="utf-8"?>
+<file path=ppt/slides/slide46.xml><?xml version="1.0" encoding="utf-8"?>
 <p:sld xmlns:a="http://schemas.openxmlformats.org/drawingml/2006/main" xmlns:r="http://schemas.openxmlformats.org/officeDocument/2006/relationships" xmlns:p="http://schemas.openxmlformats.org/presentationml/2006/main">
   <p:cSld>
     <p:spTree>
@@ -19492,7 +18633,7 @@
 </p:sld>
 </file>
 
-<file path=ppt/slides/slide48.xml><?xml version="1.0" encoding="utf-8"?>
+<file path=ppt/slides/slide47.xml><?xml version="1.0" encoding="utf-8"?>
 <p:sld xmlns:a="http://schemas.openxmlformats.org/drawingml/2006/main" xmlns:r="http://schemas.openxmlformats.org/officeDocument/2006/relationships" xmlns:p="http://schemas.openxmlformats.org/presentationml/2006/main">
   <p:cSld>
     <p:spTree>
@@ -19612,7 +18753,7 @@
 </p:sld>
 </file>
 
-<file path=ppt/slides/slide49.xml><?xml version="1.0" encoding="utf-8"?>
+<file path=ppt/slides/slide48.xml><?xml version="1.0" encoding="utf-8"?>
 <p:sld xmlns:a="http://schemas.openxmlformats.org/drawingml/2006/main" xmlns:r="http://schemas.openxmlformats.org/officeDocument/2006/relationships" xmlns:p="http://schemas.openxmlformats.org/presentationml/2006/main">
   <p:cSld>
     <p:spTree>
@@ -19743,129 +18884,7 @@
 </p:sld>
 </file>
 
-<file path=ppt/slides/slide5.xml><?xml version="1.0" encoding="utf-8"?>
-<p:sld xmlns:a="http://schemas.openxmlformats.org/drawingml/2006/main" xmlns:r="http://schemas.openxmlformats.org/officeDocument/2006/relationships" xmlns:p="http://schemas.openxmlformats.org/presentationml/2006/main">
-  <p:cSld>
-    <p:spTree>
-      <p:nvGrpSpPr>
-        <p:cNvPr id="1" name=""/>
-        <p:cNvGrpSpPr/>
-        <p:nvPr/>
-      </p:nvGrpSpPr>
-      <p:grpSpPr>
-        <a:xfrm>
-          <a:off x="0" y="0"/>
-          <a:ext cx="0" cy="0"/>
-          <a:chOff x="0" y="0"/>
-          <a:chExt cx="0" cy="0"/>
-        </a:xfrm>
-      </p:grpSpPr>
-      <p:sp>
-        <p:nvSpPr>
-          <p:cNvPr id="2" name="Content Placeholder 1">
-            <a:extLst>
-              <a:ext uri="{FF2B5EF4-FFF2-40B4-BE49-F238E27FC236}">
-                <a16:creationId xmlns:a16="http://schemas.microsoft.com/office/drawing/2014/main" id="{1145FEF4-A4E6-51AE-1E92-BD15F355DD7C}"/>
-              </a:ext>
-            </a:extLst>
-          </p:cNvPr>
-          <p:cNvSpPr>
-            <a:spLocks noGrp="1"/>
-          </p:cNvSpPr>
-          <p:nvPr>
-            <p:ph idx="1"/>
-          </p:nvPr>
-        </p:nvSpPr>
-        <p:spPr/>
-        <p:txBody>
-          <a:bodyPr/>
-          <a:lstStyle/>
-          <a:p>
-            <a:r>
-              <a:rPr lang="en-US" dirty="0"/>
-              <a:t>Detection</a:t>
-            </a:r>
-          </a:p>
-          <a:p>
-            <a:pPr lvl="1"/>
-            <a:r>
-              <a:rPr lang="en-US" dirty="0"/>
-              <a:t>Collection</a:t>
-            </a:r>
-          </a:p>
-          <a:p>
-            <a:pPr lvl="1"/>
-            <a:r>
-              <a:rPr lang="en-US" dirty="0"/>
-              <a:t>Identification</a:t>
-            </a:r>
-          </a:p>
-          <a:p>
-            <a:pPr lvl="1"/>
-            <a:r>
-              <a:rPr lang="en-US" dirty="0"/>
-              <a:t>Classification</a:t>
-            </a:r>
-          </a:p>
-          <a:p>
-            <a:r>
-              <a:rPr lang="en-US" dirty="0"/>
-              <a:t>Analysis</a:t>
-            </a:r>
-          </a:p>
-          <a:p>
-            <a:r>
-              <a:rPr lang="en-US" dirty="0"/>
-              <a:t>Pivoting</a:t>
-            </a:r>
-          </a:p>
-          <a:p>
-            <a:endParaRPr lang="en-US" dirty="0"/>
-          </a:p>
-        </p:txBody>
-      </p:sp>
-      <p:sp>
-        <p:nvSpPr>
-          <p:cNvPr id="3" name="Title 2">
-            <a:extLst>
-              <a:ext uri="{FF2B5EF4-FFF2-40B4-BE49-F238E27FC236}">
-                <a16:creationId xmlns:a16="http://schemas.microsoft.com/office/drawing/2014/main" id="{FE5A3178-453D-FBE6-B727-134B6A827D72}"/>
-              </a:ext>
-            </a:extLst>
-          </p:cNvPr>
-          <p:cNvSpPr>
-            <a:spLocks noGrp="1"/>
-          </p:cNvSpPr>
-          <p:nvPr>
-            <p:ph type="title"/>
-          </p:nvPr>
-        </p:nvSpPr>
-        <p:spPr/>
-        <p:txBody>
-          <a:bodyPr/>
-          <a:lstStyle/>
-          <a:p>
-            <a:r>
-              <a:rPr lang="en-US" dirty="0"/>
-              <a:t>Overview</a:t>
-            </a:r>
-          </a:p>
-        </p:txBody>
-      </p:sp>
-    </p:spTree>
-    <p:extLst>
-      <p:ext uri="{BB962C8B-B14F-4D97-AF65-F5344CB8AC3E}">
-        <p14:creationId xmlns:p14="http://schemas.microsoft.com/office/powerpoint/2010/main" val="2209647537"/>
-      </p:ext>
-    </p:extLst>
-  </p:cSld>
-  <p:clrMapOvr>
-    <a:masterClrMapping/>
-  </p:clrMapOvr>
-</p:sld>
-</file>
-
-<file path=ppt/slides/slide50.xml><?xml version="1.0" encoding="utf-8"?>
+<file path=ppt/slides/slide49.xml><?xml version="1.0" encoding="utf-8"?>
 <p:sld xmlns:a="http://schemas.openxmlformats.org/drawingml/2006/main" xmlns:r="http://schemas.openxmlformats.org/officeDocument/2006/relationships" xmlns:p="http://schemas.openxmlformats.org/presentationml/2006/main">
   <p:cSld>
     <p:spTree>
@@ -19988,508 +19007,7 @@
 </p:sld>
 </file>
 
-<file path=ppt/slides/slide51.xml><?xml version="1.0" encoding="utf-8"?>
-<p:sld xmlns:a="http://schemas.openxmlformats.org/drawingml/2006/main" xmlns:r="http://schemas.openxmlformats.org/officeDocument/2006/relationships" xmlns:p="http://schemas.openxmlformats.org/presentationml/2006/main">
-  <p:cSld>
-    <p:spTree>
-      <p:nvGrpSpPr>
-        <p:cNvPr id="1" name=""/>
-        <p:cNvGrpSpPr/>
-        <p:nvPr/>
-      </p:nvGrpSpPr>
-      <p:grpSpPr>
-        <a:xfrm>
-          <a:off x="0" y="0"/>
-          <a:ext cx="0" cy="0"/>
-          <a:chOff x="0" y="0"/>
-          <a:chExt cx="0" cy="0"/>
-        </a:xfrm>
-      </p:grpSpPr>
-      <p:sp>
-        <p:nvSpPr>
-          <p:cNvPr id="2" name="Content Placeholder 1">
-            <a:extLst>
-              <a:ext uri="{FF2B5EF4-FFF2-40B4-BE49-F238E27FC236}">
-                <a16:creationId xmlns:a16="http://schemas.microsoft.com/office/drawing/2014/main" id="{1145FEF4-A4E6-51AE-1E92-BD15F355DD7C}"/>
-              </a:ext>
-            </a:extLst>
-          </p:cNvPr>
-          <p:cNvSpPr>
-            <a:spLocks noGrp="1"/>
-          </p:cNvSpPr>
-          <p:nvPr>
-            <p:ph idx="1"/>
-          </p:nvPr>
-        </p:nvSpPr>
-        <p:spPr/>
-        <p:txBody>
-          <a:bodyPr/>
-          <a:lstStyle/>
-          <a:p>
-            <a:r>
-              <a:rPr lang="en-US" dirty="0"/>
-              <a:t>Detection</a:t>
-            </a:r>
-          </a:p>
-          <a:p>
-            <a:pPr lvl="1"/>
-            <a:r>
-              <a:rPr lang="en-US" dirty="0"/>
-              <a:t>Collection</a:t>
-            </a:r>
-          </a:p>
-          <a:p>
-            <a:pPr lvl="1"/>
-            <a:r>
-              <a:rPr lang="en-US" dirty="0"/>
-              <a:t>Identification</a:t>
-            </a:r>
-          </a:p>
-          <a:p>
-            <a:pPr lvl="1"/>
-            <a:r>
-              <a:rPr lang="en-US" dirty="0"/>
-              <a:t>Classification</a:t>
-            </a:r>
-          </a:p>
-          <a:p>
-            <a:r>
-              <a:rPr lang="en-US" dirty="0"/>
-              <a:t>Analysis</a:t>
-            </a:r>
-          </a:p>
-          <a:p>
-            <a:pPr lvl="1"/>
-            <a:r>
-              <a:rPr lang="en-US" dirty="0"/>
-              <a:t>Analysis methods</a:t>
-            </a:r>
-          </a:p>
-          <a:p>
-            <a:pPr lvl="1"/>
-            <a:r>
-              <a:rPr lang="en-US" dirty="0"/>
-              <a:t>Detection vs. Analysis</a:t>
-            </a:r>
-          </a:p>
-          <a:p>
-            <a:r>
-              <a:rPr lang="en-US" dirty="0"/>
-              <a:t>Pivoting</a:t>
-            </a:r>
-          </a:p>
-          <a:p>
-            <a:pPr lvl="1"/>
-            <a:r>
-              <a:rPr lang="en-US" dirty="0"/>
-              <a:t>Incident Response</a:t>
-            </a:r>
-          </a:p>
-          <a:p>
-            <a:pPr lvl="1"/>
-            <a:r>
-              <a:rPr lang="en-US" dirty="0"/>
-              <a:t>Case Management (theory)</a:t>
-            </a:r>
-          </a:p>
-          <a:p>
-            <a:endParaRPr lang="en-US" dirty="0"/>
-          </a:p>
-        </p:txBody>
-      </p:sp>
-      <p:sp>
-        <p:nvSpPr>
-          <p:cNvPr id="3" name="Title 2">
-            <a:extLst>
-              <a:ext uri="{FF2B5EF4-FFF2-40B4-BE49-F238E27FC236}">
-                <a16:creationId xmlns:a16="http://schemas.microsoft.com/office/drawing/2014/main" id="{FE5A3178-453D-FBE6-B727-134B6A827D72}"/>
-              </a:ext>
-            </a:extLst>
-          </p:cNvPr>
-          <p:cNvSpPr>
-            <a:spLocks noGrp="1"/>
-          </p:cNvSpPr>
-          <p:nvPr>
-            <p:ph type="title"/>
-          </p:nvPr>
-        </p:nvSpPr>
-        <p:spPr/>
-        <p:txBody>
-          <a:bodyPr/>
-          <a:lstStyle/>
-          <a:p>
-            <a:r>
-              <a:rPr lang="en-US" dirty="0"/>
-              <a:t>Overview</a:t>
-            </a:r>
-          </a:p>
-        </p:txBody>
-      </p:sp>
-    </p:spTree>
-    <p:extLst>
-      <p:ext uri="{BB962C8B-B14F-4D97-AF65-F5344CB8AC3E}">
-        <p14:creationId xmlns:p14="http://schemas.microsoft.com/office/powerpoint/2010/main" val="365156475"/>
-      </p:ext>
-    </p:extLst>
-  </p:cSld>
-  <p:clrMapOvr>
-    <a:masterClrMapping/>
-  </p:clrMapOvr>
-</p:sld>
-</file>
-
-<file path=ppt/slides/slide52.xml><?xml version="1.0" encoding="utf-8"?>
-<p:sld xmlns:a="http://schemas.openxmlformats.org/drawingml/2006/main" xmlns:r="http://schemas.openxmlformats.org/officeDocument/2006/relationships" xmlns:p="http://schemas.openxmlformats.org/presentationml/2006/main">
-  <p:cSld>
-    <p:spTree>
-      <p:nvGrpSpPr>
-        <p:cNvPr id="1" name=""/>
-        <p:cNvGrpSpPr/>
-        <p:nvPr/>
-      </p:nvGrpSpPr>
-      <p:grpSpPr>
-        <a:xfrm>
-          <a:off x="0" y="0"/>
-          <a:ext cx="0" cy="0"/>
-          <a:chOff x="0" y="0"/>
-          <a:chExt cx="0" cy="0"/>
-        </a:xfrm>
-      </p:grpSpPr>
-      <p:sp>
-        <p:nvSpPr>
-          <p:cNvPr id="2" name="Content Placeholder 1">
-            <a:extLst>
-              <a:ext uri="{FF2B5EF4-FFF2-40B4-BE49-F238E27FC236}">
-                <a16:creationId xmlns:a16="http://schemas.microsoft.com/office/drawing/2014/main" id="{73C7C185-5E90-FA69-8618-A0184D8D2F5D}"/>
-              </a:ext>
-            </a:extLst>
-          </p:cNvPr>
-          <p:cNvSpPr>
-            <a:spLocks noGrp="1"/>
-          </p:cNvSpPr>
-          <p:nvPr>
-            <p:ph idx="1"/>
-          </p:nvPr>
-        </p:nvSpPr>
-        <p:spPr/>
-        <p:txBody>
-          <a:bodyPr/>
-          <a:lstStyle/>
-          <a:p>
-            <a:r>
-              <a:rPr lang="en-US" dirty="0"/>
-              <a:t>Define detection</a:t>
-            </a:r>
-          </a:p>
-          <a:p>
-            <a:r>
-              <a:rPr lang="en-US" dirty="0"/>
-              <a:t>Define True/False Positive/Negative</a:t>
-            </a:r>
-          </a:p>
-          <a:p>
-            <a:r>
-              <a:rPr lang="en-US" dirty="0"/>
-              <a:t>List the goals and categories of high-quality data</a:t>
-            </a:r>
-          </a:p>
-          <a:p>
-            <a:r>
-              <a:rPr lang="en-US" dirty="0"/>
-              <a:t>Discuss the factors when developing a collection strategy</a:t>
-            </a:r>
-          </a:p>
-          <a:p>
-            <a:r>
-              <a:rPr lang="en-US" dirty="0"/>
-              <a:t>List the products and steps in the detection phase</a:t>
-            </a:r>
-          </a:p>
-          <a:p>
-            <a:r>
-              <a:rPr lang="en-US" dirty="0"/>
-              <a:t>Define the 8 analysis methods</a:t>
-            </a:r>
-          </a:p>
-          <a:p>
-            <a:r>
-              <a:rPr lang="en-US" dirty="0"/>
-              <a:t>List the 4 stages of the incident response process</a:t>
-            </a:r>
-          </a:p>
-        </p:txBody>
-      </p:sp>
-      <p:sp>
-        <p:nvSpPr>
-          <p:cNvPr id="3" name="Title 2">
-            <a:extLst>
-              <a:ext uri="{FF2B5EF4-FFF2-40B4-BE49-F238E27FC236}">
-                <a16:creationId xmlns:a16="http://schemas.microsoft.com/office/drawing/2014/main" id="{DEC316F7-068A-7885-944D-12B2BAD4B4A8}"/>
-              </a:ext>
-            </a:extLst>
-          </p:cNvPr>
-          <p:cNvSpPr>
-            <a:spLocks noGrp="1"/>
-          </p:cNvSpPr>
-          <p:nvPr>
-            <p:ph type="title"/>
-          </p:nvPr>
-        </p:nvSpPr>
-        <p:spPr/>
-        <p:txBody>
-          <a:bodyPr/>
-          <a:lstStyle/>
-          <a:p>
-            <a:r>
-              <a:rPr lang="en-US" dirty="0"/>
-              <a:t>Academic Objectives</a:t>
-            </a:r>
-          </a:p>
-        </p:txBody>
-      </p:sp>
-    </p:spTree>
-    <p:extLst>
-      <p:ext uri="{BB962C8B-B14F-4D97-AF65-F5344CB8AC3E}">
-        <p14:creationId xmlns:p14="http://schemas.microsoft.com/office/powerpoint/2010/main" val="3985821546"/>
-      </p:ext>
-    </p:extLst>
-  </p:cSld>
-  <p:clrMapOvr>
-    <a:masterClrMapping/>
-  </p:clrMapOvr>
-</p:sld>
-</file>
-
-<file path=ppt/slides/slide53.xml><?xml version="1.0" encoding="utf-8"?>
-<p:sld xmlns:a="http://schemas.openxmlformats.org/drawingml/2006/main" xmlns:r="http://schemas.openxmlformats.org/officeDocument/2006/relationships" xmlns:p="http://schemas.openxmlformats.org/presentationml/2006/main">
-  <p:cSld>
-    <p:spTree>
-      <p:nvGrpSpPr>
-        <p:cNvPr id="1" name=""/>
-        <p:cNvGrpSpPr/>
-        <p:nvPr/>
-      </p:nvGrpSpPr>
-      <p:grpSpPr>
-        <a:xfrm>
-          <a:off x="0" y="0"/>
-          <a:ext cx="0" cy="0"/>
-          <a:chOff x="0" y="0"/>
-          <a:chExt cx="0" cy="0"/>
-        </a:xfrm>
-      </p:grpSpPr>
-    </p:spTree>
-  </p:cSld>
-  <p:clrMapOvr>
-    <a:masterClrMapping/>
-  </p:clrMapOvr>
-  <p:transition/>
-</p:sld>
-</file>
-
-<file path=ppt/slides/slide54.xml><?xml version="1.0" encoding="utf-8"?>
-<p:sld xmlns:a="http://schemas.openxmlformats.org/drawingml/2006/main" xmlns:r="http://schemas.openxmlformats.org/officeDocument/2006/relationships" xmlns:p="http://schemas.openxmlformats.org/presentationml/2006/main">
-  <p:cSld>
-    <p:spTree>
-      <p:nvGrpSpPr>
-        <p:cNvPr id="1" name=""/>
-        <p:cNvGrpSpPr/>
-        <p:nvPr/>
-      </p:nvGrpSpPr>
-      <p:grpSpPr>
-        <a:xfrm>
-          <a:off x="0" y="0"/>
-          <a:ext cx="0" cy="0"/>
-          <a:chOff x="0" y="0"/>
-          <a:chExt cx="0" cy="0"/>
-        </a:xfrm>
-      </p:grpSpPr>
-      <p:sp>
-        <p:nvSpPr>
-          <p:cNvPr id="3" name="Title 2"/>
-          <p:cNvSpPr>
-            <a:spLocks noGrp="1"/>
-          </p:cNvSpPr>
-          <p:nvPr>
-            <p:ph type="title"/>
-          </p:nvPr>
-        </p:nvSpPr>
-        <p:spPr/>
-        <p:txBody>
-          <a:bodyPr/>
-          <a:lstStyle/>
-          <a:p>
-            <a:r>
-              <a:rPr lang="en-US"/>
-              <a:t>References</a:t>
-            </a:r>
-            <a:endParaRPr lang="en-US" dirty="0"/>
-          </a:p>
-        </p:txBody>
-      </p:sp>
-      <p:sp>
-        <p:nvSpPr>
-          <p:cNvPr id="4" name="Content Placeholder 3"/>
-          <p:cNvSpPr>
-            <a:spLocks noGrp="1"/>
-          </p:cNvSpPr>
-          <p:nvPr>
-            <p:ph idx="1"/>
-          </p:nvPr>
-        </p:nvSpPr>
-        <p:spPr/>
-        <p:txBody>
-          <a:bodyPr/>
-          <a:lstStyle/>
-          <a:p>
-            <a:r>
-              <a:rPr lang="en-US" sz="1800" i="1" dirty="0"/>
-              <a:t>Department of Defense Dictionary of Military and Associated Terms, </a:t>
-            </a:r>
-            <a:r>
-              <a:rPr lang="en-US" sz="1800" dirty="0"/>
-              <a:t>Jan 19</a:t>
-            </a:r>
-          </a:p>
-          <a:p>
-            <a:r>
-              <a:rPr lang="en-US" sz="1800" dirty="0"/>
-              <a:t>http://ndupress.ndu.edu/Media/News/NewsArticleView/ </a:t>
-            </a:r>
-            <a:r>
-              <a:rPr lang="en-US" sz="1800" dirty="0" err="1"/>
-              <a:t>tabid</a:t>
-            </a:r>
-            <a:r>
-              <a:rPr lang="en-US" sz="1800" dirty="0"/>
-              <a:t>/7849/Article/607722/jfq-78-three-approaches-to-center-of-gravity-analysis-the-islamic-state-of-iraq.aspx</a:t>
-            </a:r>
-          </a:p>
-          <a:p>
-            <a:r>
-              <a:rPr lang="en-US" sz="1800" dirty="0"/>
-              <a:t>https://www.youtube.com/watch?v=zKFiYStExK4</a:t>
-            </a:r>
-          </a:p>
-          <a:p>
-            <a:r>
-              <a:rPr lang="nn-NO" sz="1800" dirty="0"/>
-              <a:t>http://usacac.army.mil/CAC2/Repository/Planning-for-Action-Kem-August-2012.pdf</a:t>
-            </a:r>
-          </a:p>
-          <a:p>
-            <a:r>
-              <a:rPr lang="nn-NO" sz="1800" dirty="0"/>
-              <a:t>Joint Publication 2-0, </a:t>
-            </a:r>
-            <a:r>
-              <a:rPr lang="nn-NO" sz="1800" i="1" dirty="0"/>
-              <a:t>Joint Intelligence</a:t>
-            </a:r>
-            <a:r>
-              <a:rPr lang="nn-NO" sz="1800" dirty="0"/>
-              <a:t>, 22 Oct 13</a:t>
-            </a:r>
-          </a:p>
-          <a:p>
-            <a:r>
-              <a:rPr lang="en-US" sz="1800" dirty="0"/>
-              <a:t>Joint Publication 2-01.3, </a:t>
-            </a:r>
-            <a:r>
-              <a:rPr lang="en-US" sz="1800" i="1" dirty="0"/>
-              <a:t>Joint Intelligence Preparation of the Operational Environment</a:t>
-            </a:r>
-            <a:r>
-              <a:rPr lang="en-US" sz="1800" dirty="0"/>
-              <a:t>, </a:t>
-            </a:r>
-            <a:br>
-              <a:rPr lang="en-US" sz="1800" dirty="0"/>
-            </a:br>
-            <a:r>
-              <a:rPr lang="en-US" sz="1800" dirty="0"/>
-              <a:t>21 May 14</a:t>
-            </a:r>
-          </a:p>
-          <a:p>
-            <a:r>
-              <a:rPr lang="en-US" sz="1800" dirty="0"/>
-              <a:t>Joint Publication 5-0, </a:t>
-            </a:r>
-            <a:r>
-              <a:rPr lang="en-US" sz="1800" i="1" dirty="0"/>
-              <a:t>Joint Planning</a:t>
-            </a:r>
-            <a:r>
-              <a:rPr lang="en-US" sz="1800" dirty="0"/>
-              <a:t>, 16 Jun 17</a:t>
-            </a:r>
-          </a:p>
-          <a:p>
-            <a:r>
-              <a:rPr lang="nn-NO" sz="1800" dirty="0"/>
-              <a:t>JOPPA Handbook for Air, 4 Nov 16</a:t>
-            </a:r>
-          </a:p>
-          <a:p>
-            <a:r>
-              <a:rPr lang="en-US" sz="1800" dirty="0"/>
-              <a:t>Marine Corps Doctrinal Publication 1, </a:t>
-            </a:r>
-            <a:r>
-              <a:rPr lang="en-US" sz="1800" i="1" dirty="0"/>
-              <a:t>Warfighting</a:t>
-            </a:r>
-            <a:r>
-              <a:rPr lang="en-US" sz="1800" dirty="0"/>
-              <a:t>, 20 Jun 97</a:t>
-            </a:r>
-          </a:p>
-          <a:p>
-            <a:endParaRPr lang="en-US" sz="1800" dirty="0"/>
-          </a:p>
-        </p:txBody>
-      </p:sp>
-    </p:spTree>
-    <p:extLst>
-      <p:ext uri="{BB962C8B-B14F-4D97-AF65-F5344CB8AC3E}">
-        <p14:creationId xmlns:p14="http://schemas.microsoft.com/office/powerpoint/2010/main" val="4044122960"/>
-      </p:ext>
-    </p:extLst>
-  </p:cSld>
-  <p:clrMapOvr>
-    <a:masterClrMapping/>
-  </p:clrMapOvr>
-</p:sld>
-</file>
-
-<file path=ppt/slides/slide55.xml><?xml version="1.0" encoding="utf-8"?>
-<p:sld xmlns:a="http://schemas.openxmlformats.org/drawingml/2006/main" xmlns:r="http://schemas.openxmlformats.org/officeDocument/2006/relationships" xmlns:p="http://schemas.openxmlformats.org/presentationml/2006/main">
-  <p:cSld>
-    <p:spTree>
-      <p:nvGrpSpPr>
-        <p:cNvPr id="1" name=""/>
-        <p:cNvGrpSpPr/>
-        <p:nvPr/>
-      </p:nvGrpSpPr>
-      <p:grpSpPr>
-        <a:xfrm>
-          <a:off x="0" y="0"/>
-          <a:ext cx="0" cy="0"/>
-          <a:chOff x="0" y="0"/>
-          <a:chExt cx="0" cy="0"/>
-        </a:xfrm>
-      </p:grpSpPr>
-    </p:spTree>
-  </p:cSld>
-  <p:clrMapOvr>
-    <a:masterClrMapping/>
-  </p:clrMapOvr>
-  <p:transition/>
-</p:sld>
-</file>
-
-<file path=ppt/slides/slide6.xml><?xml version="1.0" encoding="utf-8"?>
+<file path=ppt/slides/slide5.xml><?xml version="1.0" encoding="utf-8"?>
 <p:sld xmlns:a="http://schemas.openxmlformats.org/drawingml/2006/main" xmlns:r="http://schemas.openxmlformats.org/officeDocument/2006/relationships" xmlns:p="http://schemas.openxmlformats.org/presentationml/2006/main">
   <p:cSld>
     <p:spTree>
@@ -22244,7 +20762,508 @@
 </p:sld>
 </file>
 
-<file path=ppt/slides/slide7.xml><?xml version="1.0" encoding="utf-8"?>
+<file path=ppt/slides/slide50.xml><?xml version="1.0" encoding="utf-8"?>
+<p:sld xmlns:a="http://schemas.openxmlformats.org/drawingml/2006/main" xmlns:r="http://schemas.openxmlformats.org/officeDocument/2006/relationships" xmlns:p="http://schemas.openxmlformats.org/presentationml/2006/main">
+  <p:cSld>
+    <p:spTree>
+      <p:nvGrpSpPr>
+        <p:cNvPr id="1" name=""/>
+        <p:cNvGrpSpPr/>
+        <p:nvPr/>
+      </p:nvGrpSpPr>
+      <p:grpSpPr>
+        <a:xfrm>
+          <a:off x="0" y="0"/>
+          <a:ext cx="0" cy="0"/>
+          <a:chOff x="0" y="0"/>
+          <a:chExt cx="0" cy="0"/>
+        </a:xfrm>
+      </p:grpSpPr>
+      <p:sp>
+        <p:nvSpPr>
+          <p:cNvPr id="2" name="Content Placeholder 1">
+            <a:extLst>
+              <a:ext uri="{FF2B5EF4-FFF2-40B4-BE49-F238E27FC236}">
+                <a16:creationId xmlns:a16="http://schemas.microsoft.com/office/drawing/2014/main" id="{1145FEF4-A4E6-51AE-1E92-BD15F355DD7C}"/>
+              </a:ext>
+            </a:extLst>
+          </p:cNvPr>
+          <p:cNvSpPr>
+            <a:spLocks noGrp="1"/>
+          </p:cNvSpPr>
+          <p:nvPr>
+            <p:ph idx="1"/>
+          </p:nvPr>
+        </p:nvSpPr>
+        <p:spPr/>
+        <p:txBody>
+          <a:bodyPr/>
+          <a:lstStyle/>
+          <a:p>
+            <a:r>
+              <a:rPr lang="en-US" dirty="0"/>
+              <a:t>Detection</a:t>
+            </a:r>
+          </a:p>
+          <a:p>
+            <a:pPr lvl="1"/>
+            <a:r>
+              <a:rPr lang="en-US" dirty="0"/>
+              <a:t>Collection</a:t>
+            </a:r>
+          </a:p>
+          <a:p>
+            <a:pPr lvl="1"/>
+            <a:r>
+              <a:rPr lang="en-US" dirty="0"/>
+              <a:t>Identification</a:t>
+            </a:r>
+          </a:p>
+          <a:p>
+            <a:pPr lvl="1"/>
+            <a:r>
+              <a:rPr lang="en-US" dirty="0"/>
+              <a:t>Classification</a:t>
+            </a:r>
+          </a:p>
+          <a:p>
+            <a:r>
+              <a:rPr lang="en-US" dirty="0"/>
+              <a:t>Analysis</a:t>
+            </a:r>
+          </a:p>
+          <a:p>
+            <a:pPr lvl="1"/>
+            <a:r>
+              <a:rPr lang="en-US" dirty="0"/>
+              <a:t>Analysis methods</a:t>
+            </a:r>
+          </a:p>
+          <a:p>
+            <a:pPr lvl="1"/>
+            <a:r>
+              <a:rPr lang="en-US" dirty="0"/>
+              <a:t>Detection vs. Analysis</a:t>
+            </a:r>
+          </a:p>
+          <a:p>
+            <a:r>
+              <a:rPr lang="en-US" dirty="0"/>
+              <a:t>Pivoting</a:t>
+            </a:r>
+          </a:p>
+          <a:p>
+            <a:pPr lvl="1"/>
+            <a:r>
+              <a:rPr lang="en-US" dirty="0"/>
+              <a:t>Incident Response</a:t>
+            </a:r>
+          </a:p>
+          <a:p>
+            <a:pPr lvl="1"/>
+            <a:r>
+              <a:rPr lang="en-US" dirty="0"/>
+              <a:t>Case Management (theory)</a:t>
+            </a:r>
+          </a:p>
+          <a:p>
+            <a:endParaRPr lang="en-US" dirty="0"/>
+          </a:p>
+        </p:txBody>
+      </p:sp>
+      <p:sp>
+        <p:nvSpPr>
+          <p:cNvPr id="3" name="Title 2">
+            <a:extLst>
+              <a:ext uri="{FF2B5EF4-FFF2-40B4-BE49-F238E27FC236}">
+                <a16:creationId xmlns:a16="http://schemas.microsoft.com/office/drawing/2014/main" id="{FE5A3178-453D-FBE6-B727-134B6A827D72}"/>
+              </a:ext>
+            </a:extLst>
+          </p:cNvPr>
+          <p:cNvSpPr>
+            <a:spLocks noGrp="1"/>
+          </p:cNvSpPr>
+          <p:nvPr>
+            <p:ph type="title"/>
+          </p:nvPr>
+        </p:nvSpPr>
+        <p:spPr/>
+        <p:txBody>
+          <a:bodyPr/>
+          <a:lstStyle/>
+          <a:p>
+            <a:r>
+              <a:rPr lang="en-US" dirty="0"/>
+              <a:t>Overview</a:t>
+            </a:r>
+          </a:p>
+        </p:txBody>
+      </p:sp>
+    </p:spTree>
+    <p:extLst>
+      <p:ext uri="{BB962C8B-B14F-4D97-AF65-F5344CB8AC3E}">
+        <p14:creationId xmlns:p14="http://schemas.microsoft.com/office/powerpoint/2010/main" val="365156475"/>
+      </p:ext>
+    </p:extLst>
+  </p:cSld>
+  <p:clrMapOvr>
+    <a:masterClrMapping/>
+  </p:clrMapOvr>
+</p:sld>
+</file>
+
+<file path=ppt/slides/slide51.xml><?xml version="1.0" encoding="utf-8"?>
+<p:sld xmlns:a="http://schemas.openxmlformats.org/drawingml/2006/main" xmlns:r="http://schemas.openxmlformats.org/officeDocument/2006/relationships" xmlns:p="http://schemas.openxmlformats.org/presentationml/2006/main">
+  <p:cSld>
+    <p:spTree>
+      <p:nvGrpSpPr>
+        <p:cNvPr id="1" name=""/>
+        <p:cNvGrpSpPr/>
+        <p:nvPr/>
+      </p:nvGrpSpPr>
+      <p:grpSpPr>
+        <a:xfrm>
+          <a:off x="0" y="0"/>
+          <a:ext cx="0" cy="0"/>
+          <a:chOff x="0" y="0"/>
+          <a:chExt cx="0" cy="0"/>
+        </a:xfrm>
+      </p:grpSpPr>
+      <p:sp>
+        <p:nvSpPr>
+          <p:cNvPr id="2" name="Content Placeholder 1">
+            <a:extLst>
+              <a:ext uri="{FF2B5EF4-FFF2-40B4-BE49-F238E27FC236}">
+                <a16:creationId xmlns:a16="http://schemas.microsoft.com/office/drawing/2014/main" id="{73C7C185-5E90-FA69-8618-A0184D8D2F5D}"/>
+              </a:ext>
+            </a:extLst>
+          </p:cNvPr>
+          <p:cNvSpPr>
+            <a:spLocks noGrp="1"/>
+          </p:cNvSpPr>
+          <p:nvPr>
+            <p:ph idx="1"/>
+          </p:nvPr>
+        </p:nvSpPr>
+        <p:spPr/>
+        <p:txBody>
+          <a:bodyPr/>
+          <a:lstStyle/>
+          <a:p>
+            <a:r>
+              <a:rPr lang="en-US" dirty="0"/>
+              <a:t>Define detection</a:t>
+            </a:r>
+          </a:p>
+          <a:p>
+            <a:r>
+              <a:rPr lang="en-US" dirty="0"/>
+              <a:t>Define True/False Positive/Negative</a:t>
+            </a:r>
+          </a:p>
+          <a:p>
+            <a:r>
+              <a:rPr lang="en-US" dirty="0"/>
+              <a:t>List the goals and categories of high-quality data</a:t>
+            </a:r>
+          </a:p>
+          <a:p>
+            <a:r>
+              <a:rPr lang="en-US" dirty="0"/>
+              <a:t>Discuss the factors when developing a collection strategy</a:t>
+            </a:r>
+          </a:p>
+          <a:p>
+            <a:r>
+              <a:rPr lang="en-US" dirty="0"/>
+              <a:t>List the products and steps in the detection phase</a:t>
+            </a:r>
+          </a:p>
+          <a:p>
+            <a:r>
+              <a:rPr lang="en-US" dirty="0"/>
+              <a:t>Define the 8 analysis methods</a:t>
+            </a:r>
+          </a:p>
+          <a:p>
+            <a:r>
+              <a:rPr lang="en-US" dirty="0"/>
+              <a:t>List the 4 stages of the incident response process</a:t>
+            </a:r>
+          </a:p>
+        </p:txBody>
+      </p:sp>
+      <p:sp>
+        <p:nvSpPr>
+          <p:cNvPr id="3" name="Title 2">
+            <a:extLst>
+              <a:ext uri="{FF2B5EF4-FFF2-40B4-BE49-F238E27FC236}">
+                <a16:creationId xmlns:a16="http://schemas.microsoft.com/office/drawing/2014/main" id="{DEC316F7-068A-7885-944D-12B2BAD4B4A8}"/>
+              </a:ext>
+            </a:extLst>
+          </p:cNvPr>
+          <p:cNvSpPr>
+            <a:spLocks noGrp="1"/>
+          </p:cNvSpPr>
+          <p:nvPr>
+            <p:ph type="title"/>
+          </p:nvPr>
+        </p:nvSpPr>
+        <p:spPr/>
+        <p:txBody>
+          <a:bodyPr/>
+          <a:lstStyle/>
+          <a:p>
+            <a:r>
+              <a:rPr lang="en-US" dirty="0"/>
+              <a:t>Academic Objectives</a:t>
+            </a:r>
+          </a:p>
+        </p:txBody>
+      </p:sp>
+    </p:spTree>
+    <p:extLst>
+      <p:ext uri="{BB962C8B-B14F-4D97-AF65-F5344CB8AC3E}">
+        <p14:creationId xmlns:p14="http://schemas.microsoft.com/office/powerpoint/2010/main" val="3985821546"/>
+      </p:ext>
+    </p:extLst>
+  </p:cSld>
+  <p:clrMapOvr>
+    <a:masterClrMapping/>
+  </p:clrMapOvr>
+</p:sld>
+</file>
+
+<file path=ppt/slides/slide52.xml><?xml version="1.0" encoding="utf-8"?>
+<p:sld xmlns:a="http://schemas.openxmlformats.org/drawingml/2006/main" xmlns:r="http://schemas.openxmlformats.org/officeDocument/2006/relationships" xmlns:p="http://schemas.openxmlformats.org/presentationml/2006/main">
+  <p:cSld>
+    <p:spTree>
+      <p:nvGrpSpPr>
+        <p:cNvPr id="1" name=""/>
+        <p:cNvGrpSpPr/>
+        <p:nvPr/>
+      </p:nvGrpSpPr>
+      <p:grpSpPr>
+        <a:xfrm>
+          <a:off x="0" y="0"/>
+          <a:ext cx="0" cy="0"/>
+          <a:chOff x="0" y="0"/>
+          <a:chExt cx="0" cy="0"/>
+        </a:xfrm>
+      </p:grpSpPr>
+    </p:spTree>
+  </p:cSld>
+  <p:clrMapOvr>
+    <a:masterClrMapping/>
+  </p:clrMapOvr>
+  <p:transition/>
+</p:sld>
+</file>
+
+<file path=ppt/slides/slide53.xml><?xml version="1.0" encoding="utf-8"?>
+<p:sld xmlns:a="http://schemas.openxmlformats.org/drawingml/2006/main" xmlns:r="http://schemas.openxmlformats.org/officeDocument/2006/relationships" xmlns:p="http://schemas.openxmlformats.org/presentationml/2006/main">
+  <p:cSld>
+    <p:spTree>
+      <p:nvGrpSpPr>
+        <p:cNvPr id="1" name=""/>
+        <p:cNvGrpSpPr/>
+        <p:nvPr/>
+      </p:nvGrpSpPr>
+      <p:grpSpPr>
+        <a:xfrm>
+          <a:off x="0" y="0"/>
+          <a:ext cx="0" cy="0"/>
+          <a:chOff x="0" y="0"/>
+          <a:chExt cx="0" cy="0"/>
+        </a:xfrm>
+      </p:grpSpPr>
+      <p:sp>
+        <p:nvSpPr>
+          <p:cNvPr id="3" name="Title 2"/>
+          <p:cNvSpPr>
+            <a:spLocks noGrp="1"/>
+          </p:cNvSpPr>
+          <p:nvPr>
+            <p:ph type="title"/>
+          </p:nvPr>
+        </p:nvSpPr>
+        <p:spPr/>
+        <p:txBody>
+          <a:bodyPr/>
+          <a:lstStyle/>
+          <a:p>
+            <a:r>
+              <a:rPr lang="en-US"/>
+              <a:t>References</a:t>
+            </a:r>
+            <a:endParaRPr lang="en-US" dirty="0"/>
+          </a:p>
+        </p:txBody>
+      </p:sp>
+      <p:sp>
+        <p:nvSpPr>
+          <p:cNvPr id="4" name="Content Placeholder 3"/>
+          <p:cNvSpPr>
+            <a:spLocks noGrp="1"/>
+          </p:cNvSpPr>
+          <p:nvPr>
+            <p:ph idx="1"/>
+          </p:nvPr>
+        </p:nvSpPr>
+        <p:spPr/>
+        <p:txBody>
+          <a:bodyPr/>
+          <a:lstStyle/>
+          <a:p>
+            <a:r>
+              <a:rPr lang="en-US" sz="1800" i="1" dirty="0"/>
+              <a:t>Department of Defense Dictionary of Military and Associated Terms, </a:t>
+            </a:r>
+            <a:r>
+              <a:rPr lang="en-US" sz="1800" dirty="0"/>
+              <a:t>Jan 19</a:t>
+            </a:r>
+          </a:p>
+          <a:p>
+            <a:r>
+              <a:rPr lang="en-US" sz="1800" dirty="0"/>
+              <a:t>http://ndupress.ndu.edu/Media/News/NewsArticleView/ </a:t>
+            </a:r>
+            <a:r>
+              <a:rPr lang="en-US" sz="1800" dirty="0" err="1"/>
+              <a:t>tabid</a:t>
+            </a:r>
+            <a:r>
+              <a:rPr lang="en-US" sz="1800" dirty="0"/>
+              <a:t>/7849/Article/607722/jfq-78-three-approaches-to-center-of-gravity-analysis-the-islamic-state-of-iraq.aspx</a:t>
+            </a:r>
+          </a:p>
+          <a:p>
+            <a:r>
+              <a:rPr lang="en-US" sz="1800" dirty="0"/>
+              <a:t>https://www.youtube.com/watch?v=zKFiYStExK4</a:t>
+            </a:r>
+          </a:p>
+          <a:p>
+            <a:r>
+              <a:rPr lang="nn-NO" sz="1800" dirty="0"/>
+              <a:t>http://usacac.army.mil/CAC2/Repository/Planning-for-Action-Kem-August-2012.pdf</a:t>
+            </a:r>
+          </a:p>
+          <a:p>
+            <a:r>
+              <a:rPr lang="nn-NO" sz="1800" dirty="0"/>
+              <a:t>Joint Publication 2-0, </a:t>
+            </a:r>
+            <a:r>
+              <a:rPr lang="nn-NO" sz="1800" i="1" dirty="0"/>
+              <a:t>Joint Intelligence</a:t>
+            </a:r>
+            <a:r>
+              <a:rPr lang="nn-NO" sz="1800" dirty="0"/>
+              <a:t>, 22 Oct 13</a:t>
+            </a:r>
+          </a:p>
+          <a:p>
+            <a:r>
+              <a:rPr lang="en-US" sz="1800" dirty="0"/>
+              <a:t>Joint Publication 2-01.3, </a:t>
+            </a:r>
+            <a:r>
+              <a:rPr lang="en-US" sz="1800" i="1" dirty="0"/>
+              <a:t>Joint Intelligence Preparation of the Operational Environment</a:t>
+            </a:r>
+            <a:r>
+              <a:rPr lang="en-US" sz="1800" dirty="0"/>
+              <a:t>, </a:t>
+            </a:r>
+            <a:br>
+              <a:rPr lang="en-US" sz="1800" dirty="0"/>
+            </a:br>
+            <a:r>
+              <a:rPr lang="en-US" sz="1800" dirty="0"/>
+              <a:t>21 May 14</a:t>
+            </a:r>
+          </a:p>
+          <a:p>
+            <a:r>
+              <a:rPr lang="en-US" sz="1800" dirty="0"/>
+              <a:t>Joint Publication 5-0, </a:t>
+            </a:r>
+            <a:r>
+              <a:rPr lang="en-US" sz="1800" i="1" dirty="0"/>
+              <a:t>Joint Planning</a:t>
+            </a:r>
+            <a:r>
+              <a:rPr lang="en-US" sz="1800" dirty="0"/>
+              <a:t>, 16 Jun 17</a:t>
+            </a:r>
+          </a:p>
+          <a:p>
+            <a:r>
+              <a:rPr lang="nn-NO" sz="1800" dirty="0"/>
+              <a:t>JOPPA Handbook for Air, 4 Nov 16</a:t>
+            </a:r>
+          </a:p>
+          <a:p>
+            <a:r>
+              <a:rPr lang="en-US" sz="1800" dirty="0"/>
+              <a:t>Marine Corps Doctrinal Publication 1, </a:t>
+            </a:r>
+            <a:r>
+              <a:rPr lang="en-US" sz="1800" i="1" dirty="0"/>
+              <a:t>Warfighting</a:t>
+            </a:r>
+            <a:r>
+              <a:rPr lang="en-US" sz="1800" dirty="0"/>
+              <a:t>, 20 Jun 97</a:t>
+            </a:r>
+          </a:p>
+          <a:p>
+            <a:endParaRPr lang="en-US" sz="1800" dirty="0"/>
+          </a:p>
+        </p:txBody>
+      </p:sp>
+    </p:spTree>
+    <p:extLst>
+      <p:ext uri="{BB962C8B-B14F-4D97-AF65-F5344CB8AC3E}">
+        <p14:creationId xmlns:p14="http://schemas.microsoft.com/office/powerpoint/2010/main" val="4044122960"/>
+      </p:ext>
+    </p:extLst>
+  </p:cSld>
+  <p:clrMapOvr>
+    <a:masterClrMapping/>
+  </p:clrMapOvr>
+</p:sld>
+</file>
+
+<file path=ppt/slides/slide54.xml><?xml version="1.0" encoding="utf-8"?>
+<p:sld xmlns:a="http://schemas.openxmlformats.org/drawingml/2006/main" xmlns:r="http://schemas.openxmlformats.org/officeDocument/2006/relationships" xmlns:p="http://schemas.openxmlformats.org/presentationml/2006/main">
+  <p:cSld>
+    <p:spTree>
+      <p:nvGrpSpPr>
+        <p:cNvPr id="1" name=""/>
+        <p:cNvGrpSpPr/>
+        <p:nvPr/>
+      </p:nvGrpSpPr>
+      <p:grpSpPr>
+        <a:xfrm>
+          <a:off x="0" y="0"/>
+          <a:ext cx="0" cy="0"/>
+          <a:chOff x="0" y="0"/>
+          <a:chExt cx="0" cy="0"/>
+        </a:xfrm>
+      </p:grpSpPr>
+    </p:spTree>
+  </p:cSld>
+  <p:clrMapOvr>
+    <a:masterClrMapping/>
+  </p:clrMapOvr>
+  <p:transition/>
+</p:sld>
+</file>
+
+<file path=ppt/slides/slide6.xml><?xml version="1.0" encoding="utf-8"?>
 <p:sld xmlns:a="http://schemas.openxmlformats.org/drawingml/2006/main" xmlns:r="http://schemas.openxmlformats.org/officeDocument/2006/relationships" xmlns:p="http://schemas.openxmlformats.org/presentationml/2006/main">
   <p:cSld>
     <p:spTree>
@@ -22355,7 +21374,7 @@
 </p:sld>
 </file>
 
-<file path=ppt/slides/slide8.xml><?xml version="1.0" encoding="utf-8"?>
+<file path=ppt/slides/slide7.xml><?xml version="1.0" encoding="utf-8"?>
 <p:sld xmlns:a="http://schemas.openxmlformats.org/drawingml/2006/main" xmlns:r="http://schemas.openxmlformats.org/officeDocument/2006/relationships" xmlns:p="http://schemas.openxmlformats.org/presentationml/2006/main">
   <p:cSld>
     <p:spTree>
@@ -22847,7 +21866,7 @@
 </p:sld>
 </file>
 
-<file path=ppt/slides/slide9.xml><?xml version="1.0" encoding="utf-8"?>
+<file path=ppt/slides/slide8.xml><?xml version="1.0" encoding="utf-8"?>
 <p:sld xmlns:a="http://schemas.openxmlformats.org/drawingml/2006/main" xmlns:r="http://schemas.openxmlformats.org/officeDocument/2006/relationships" xmlns:p="http://schemas.openxmlformats.org/presentationml/2006/main">
   <p:cSld>
     <p:spTree>
@@ -23304,6 +22323,141 @@
     <p:extLst>
       <p:ext uri="{BB962C8B-B14F-4D97-AF65-F5344CB8AC3E}">
         <p14:creationId xmlns:p14="http://schemas.microsoft.com/office/powerpoint/2010/main" val="4107244947"/>
+      </p:ext>
+    </p:extLst>
+  </p:cSld>
+  <p:clrMapOvr>
+    <a:masterClrMapping/>
+  </p:clrMapOvr>
+</p:sld>
+</file>
+
+<file path=ppt/slides/slide9.xml><?xml version="1.0" encoding="utf-8"?>
+<p:sld xmlns:a="http://schemas.openxmlformats.org/drawingml/2006/main" xmlns:r="http://schemas.openxmlformats.org/officeDocument/2006/relationships" xmlns:p="http://schemas.openxmlformats.org/presentationml/2006/main">
+  <p:cSld>
+    <p:spTree>
+      <p:nvGrpSpPr>
+        <p:cNvPr id="1" name=""/>
+        <p:cNvGrpSpPr/>
+        <p:nvPr/>
+      </p:nvGrpSpPr>
+      <p:grpSpPr>
+        <a:xfrm>
+          <a:off x="0" y="0"/>
+          <a:ext cx="0" cy="0"/>
+          <a:chOff x="0" y="0"/>
+          <a:chExt cx="0" cy="0"/>
+        </a:xfrm>
+      </p:grpSpPr>
+      <p:sp>
+        <p:nvSpPr>
+          <p:cNvPr id="2" name="Content Placeholder 1">
+            <a:extLst>
+              <a:ext uri="{FF2B5EF4-FFF2-40B4-BE49-F238E27FC236}">
+                <a16:creationId xmlns:a16="http://schemas.microsoft.com/office/drawing/2014/main" id="{8A36D28E-94B7-60E0-D0CA-F657A5AC6048}"/>
+              </a:ext>
+            </a:extLst>
+          </p:cNvPr>
+          <p:cNvSpPr>
+            <a:spLocks noGrp="1"/>
+          </p:cNvSpPr>
+          <p:nvPr>
+            <p:ph idx="1"/>
+          </p:nvPr>
+        </p:nvSpPr>
+        <p:spPr/>
+        <p:txBody>
+          <a:bodyPr/>
+          <a:lstStyle/>
+          <a:p>
+            <a:r>
+              <a:rPr lang="en-US" dirty="0">
+                <a:solidFill>
+                  <a:schemeClr val="tx2"/>
+                </a:solidFill>
+              </a:rPr>
+              <a:t>True Positive – Identified security related event</a:t>
+            </a:r>
+          </a:p>
+          <a:p>
+            <a:r>
+              <a:rPr lang="en-US" dirty="0">
+                <a:solidFill>
+                  <a:schemeClr val="tx2"/>
+                </a:solidFill>
+              </a:rPr>
+              <a:t>True Negative – Un-identified non-security related event</a:t>
+            </a:r>
+          </a:p>
+          <a:p>
+            <a:r>
+              <a:rPr lang="en-US" dirty="0">
+                <a:solidFill>
+                  <a:schemeClr val="tx2"/>
+                </a:solidFill>
+              </a:rPr>
+              <a:t>False Positive – Identified non-security related event</a:t>
+            </a:r>
+          </a:p>
+          <a:p>
+            <a:r>
+              <a:rPr lang="en-US" dirty="0">
+                <a:solidFill>
+                  <a:schemeClr val="tx2"/>
+                </a:solidFill>
+              </a:rPr>
+              <a:t>False Negative – Un-identified security related event</a:t>
+            </a:r>
+          </a:p>
+          <a:p>
+            <a:r>
+              <a:rPr lang="en-US" dirty="0"/>
+              <a:t>Guilty vs. Not Guilty</a:t>
+            </a:r>
+          </a:p>
+          <a:p>
+            <a:r>
+              <a:rPr lang="en-US" dirty="0"/>
+              <a:t>FP ∝ 1/FN</a:t>
+            </a:r>
+          </a:p>
+          <a:p>
+            <a:endParaRPr lang="en-US" dirty="0"/>
+          </a:p>
+        </p:txBody>
+      </p:sp>
+      <p:sp>
+        <p:nvSpPr>
+          <p:cNvPr id="3" name="Title 2">
+            <a:extLst>
+              <a:ext uri="{FF2B5EF4-FFF2-40B4-BE49-F238E27FC236}">
+                <a16:creationId xmlns:a16="http://schemas.microsoft.com/office/drawing/2014/main" id="{BD6E398B-A66E-A5E9-873A-C885C5FBADAE}"/>
+              </a:ext>
+            </a:extLst>
+          </p:cNvPr>
+          <p:cNvSpPr>
+            <a:spLocks noGrp="1"/>
+          </p:cNvSpPr>
+          <p:nvPr>
+            <p:ph type="title"/>
+          </p:nvPr>
+        </p:nvSpPr>
+        <p:spPr/>
+        <p:txBody>
+          <a:bodyPr/>
+          <a:lstStyle/>
+          <a:p>
+            <a:r>
+              <a:rPr lang="en-US" dirty="0"/>
+              <a:t>TP/TN/FP/FN</a:t>
+            </a:r>
+          </a:p>
+        </p:txBody>
+      </p:sp>
+    </p:spTree>
+    <p:extLst>
+      <p:ext uri="{BB962C8B-B14F-4D97-AF65-F5344CB8AC3E}">
+        <p14:creationId xmlns:p14="http://schemas.microsoft.com/office/powerpoint/2010/main" val="1887401539"/>
       </p:ext>
     </p:extLst>
   </p:cSld>
@@ -24518,6 +23672,14 @@
 </file>
 
 <file path=customXml/item1.xml><?xml version="1.0" encoding="utf-8"?>
+<p:properties xmlns:p="http://schemas.microsoft.com/office/2006/metadata/properties" xmlns:xsi="http://www.w3.org/2001/XMLSchema-instance">
+  <documentManagement>
+    <Linked xmlns="216c14b3-8cd3-4c45-9188-fea547e654e5">false</Linked>
+  </documentManagement>
+</p:properties>
+</file>
+
+<file path=customXml/item2.xml><?xml version="1.0" encoding="utf-8"?>
 <?mso-contentType ?>
 <FormTemplates xmlns="http://schemas.microsoft.com/sharepoint/v3/contenttype/forms">
   <Display>DocumentLibraryForm</Display>
@@ -24526,7 +23688,7 @@
 </FormTemplates>
 </file>
 
-<file path=customXml/item2.xml><?xml version="1.0" encoding="utf-8"?>
+<file path=customXml/item3.xml><?xml version="1.0" encoding="utf-8"?>
 <ct:contentTypeSchema xmlns:ct="http://schemas.microsoft.com/office/2006/metadata/contentType" xmlns:ma="http://schemas.microsoft.com/office/2006/metadata/properties/metaAttributes" ct:_="" ma:_="" ma:contentTypeName="Document" ma:contentTypeID="0x0101001E3301CD0884C6409A38967FD5C9A771" ma:contentTypeVersion="53" ma:contentTypeDescription="Create a new document." ma:contentTypeScope="" ma:versionID="7d13b387e1584e711ee22fd2e9382208">
   <xsd:schema xmlns:xsd="http://www.w3.org/2001/XMLSchema" xmlns:xs="http://www.w3.org/2001/XMLSchema" xmlns:p="http://schemas.microsoft.com/office/2006/metadata/properties" xmlns:ns2="216c14b3-8cd3-4c45-9188-fea547e654e5" targetNamespace="http://schemas.microsoft.com/office/2006/metadata/properties" ma:root="true" ma:fieldsID="7f5d1d67b4062adee9c737071eaf61f8" ns2:_="">
     <xsd:import namespace="216c14b3-8cd3-4c45-9188-fea547e654e5"/>
@@ -24672,15 +23834,23 @@
 </ct:contentTypeSchema>
 </file>
 
-<file path=customXml/item3.xml><?xml version="1.0" encoding="utf-8"?>
-<p:properties xmlns:p="http://schemas.microsoft.com/office/2006/metadata/properties" xmlns:xsi="http://www.w3.org/2001/XMLSchema-instance">
-  <documentManagement>
-    <Linked xmlns="216c14b3-8cd3-4c45-9188-fea547e654e5">false</Linked>
-  </documentManagement>
-</p:properties>
+<file path=customXml/itemProps1.xml><?xml version="1.0" encoding="utf-8"?>
+<ds:datastoreItem xmlns:ds="http://schemas.openxmlformats.org/officeDocument/2006/customXml" ds:itemID="{547ABEF6-3AB1-4E97-8262-51C44C936B04}">
+  <ds:schemaRefs>
+    <ds:schemaRef ds:uri="http://purl.org/dc/elements/1.1/"/>
+    <ds:schemaRef ds:uri="http://schemas.microsoft.com/office/2006/metadata/properties"/>
+    <ds:schemaRef ds:uri="http://purl.org/dc/terms/"/>
+    <ds:schemaRef ds:uri="http://schemas.openxmlformats.org/package/2006/metadata/core-properties"/>
+    <ds:schemaRef ds:uri="http://schemas.microsoft.com/office/2006/documentManagement/types"/>
+    <ds:schemaRef ds:uri="http://purl.org/dc/dcmitype/"/>
+    <ds:schemaRef ds:uri="http://schemas.microsoft.com/office/infopath/2007/PartnerControls"/>
+    <ds:schemaRef ds:uri="216c14b3-8cd3-4c45-9188-fea547e654e5"/>
+    <ds:schemaRef ds:uri="http://www.w3.org/XML/1998/namespace"/>
+  </ds:schemaRefs>
+</ds:datastoreItem>
 </file>
 
-<file path=customXml/itemProps1.xml><?xml version="1.0" encoding="utf-8"?>
+<file path=customXml/itemProps2.xml><?xml version="1.0" encoding="utf-8"?>
 <ds:datastoreItem xmlns:ds="http://schemas.openxmlformats.org/officeDocument/2006/customXml" ds:itemID="{D79B3554-87D7-4256-94EA-727C2E7F5CF8}">
   <ds:schemaRefs>
     <ds:schemaRef ds:uri="http://schemas.microsoft.com/sharepoint/v3/contenttype/forms"/>
@@ -24688,7 +23858,7 @@
 </ds:datastoreItem>
 </file>
 
-<file path=customXml/itemProps2.xml><?xml version="1.0" encoding="utf-8"?>
+<file path=customXml/itemProps3.xml><?xml version="1.0" encoding="utf-8"?>
 <ds:datastoreItem xmlns:ds="http://schemas.openxmlformats.org/officeDocument/2006/customXml" ds:itemID="{639D0117-792B-4AFB-BC14-57CC55EBED7E}">
   <ds:schemaRefs>
     <ds:schemaRef ds:uri="http://schemas.microsoft.com/office/2006/metadata/contentType"/>
@@ -24704,20 +23874,4 @@
     <ds:schemaRef ds:uri="http://schemas.microsoft.com/internal/obd"/>
   </ds:schemaRefs>
 </ds:datastoreItem>
-</file>
-
-<file path=customXml/itemProps3.xml><?xml version="1.0" encoding="utf-8"?>
-<ds:datastoreItem xmlns:ds="http://schemas.openxmlformats.org/officeDocument/2006/customXml" ds:itemID="{547ABEF6-3AB1-4E97-8262-51C44C936B04}">
-  <ds:schemaRefs>
-    <ds:schemaRef ds:uri="http://purl.org/dc/elements/1.1/"/>
-    <ds:schemaRef ds:uri="http://schemas.microsoft.com/office/2006/metadata/properties"/>
-    <ds:schemaRef ds:uri="http://purl.org/dc/terms/"/>
-    <ds:schemaRef ds:uri="http://schemas.openxmlformats.org/package/2006/metadata/core-properties"/>
-    <ds:schemaRef ds:uri="http://schemas.microsoft.com/office/2006/documentManagement/types"/>
-    <ds:schemaRef ds:uri="http://purl.org/dc/dcmitype/"/>
-    <ds:schemaRef ds:uri="http://schemas.microsoft.com/office/infopath/2007/PartnerControls"/>
-    <ds:schemaRef ds:uri="216c14b3-8cd3-4c45-9188-fea547e654e5"/>
-    <ds:schemaRef ds:uri="http://www.w3.org/XML/1998/namespace"/>
-  </ds:schemaRefs>
-</ds:datastoreItem>
 </file>